--- a/plans/flowchart_WRIMS.pptx
+++ b/plans/flowchart_WRIMS.pptx
@@ -198,7 +198,7 @@
             <a:fld id="{EE59EC11-8F5A-40F0-A7B9-AAD495E2A3DB}" type="datetimeFigureOut">
               <a:rPr lang="en-US" smtClean="0"/>
               <a:pPr/>
-              <a:t>8/2/2010</a:t>
+              <a:t>8/3/2010</a:t>
             </a:fld>
             <a:endParaRPr lang="en-US"/>
           </a:p>
@@ -1594,7 +1594,7 @@
             <a:fld id="{91D2470E-F914-411C-B29F-48DCD3BDBEA2}" type="datetimeFigureOut">
               <a:rPr lang="en-US" smtClean="0"/>
               <a:pPr/>
-              <a:t>8/2/2010</a:t>
+              <a:t>8/3/2010</a:t>
             </a:fld>
             <a:endParaRPr lang="en-US"/>
           </a:p>
@@ -1761,7 +1761,7 @@
             <a:fld id="{91D2470E-F914-411C-B29F-48DCD3BDBEA2}" type="datetimeFigureOut">
               <a:rPr lang="en-US" smtClean="0"/>
               <a:pPr/>
-              <a:t>8/2/2010</a:t>
+              <a:t>8/3/2010</a:t>
             </a:fld>
             <a:endParaRPr lang="en-US"/>
           </a:p>
@@ -1938,7 +1938,7 @@
             <a:fld id="{91D2470E-F914-411C-B29F-48DCD3BDBEA2}" type="datetimeFigureOut">
               <a:rPr lang="en-US" smtClean="0"/>
               <a:pPr/>
-              <a:t>8/2/2010</a:t>
+              <a:t>8/3/2010</a:t>
             </a:fld>
             <a:endParaRPr lang="en-US"/>
           </a:p>
@@ -2105,7 +2105,7 @@
             <a:fld id="{91D2470E-F914-411C-B29F-48DCD3BDBEA2}" type="datetimeFigureOut">
               <a:rPr lang="en-US" smtClean="0"/>
               <a:pPr/>
-              <a:t>8/2/2010</a:t>
+              <a:t>8/3/2010</a:t>
             </a:fld>
             <a:endParaRPr lang="en-US"/>
           </a:p>
@@ -2348,7 +2348,7 @@
             <a:fld id="{91D2470E-F914-411C-B29F-48DCD3BDBEA2}" type="datetimeFigureOut">
               <a:rPr lang="en-US" smtClean="0"/>
               <a:pPr/>
-              <a:t>8/2/2010</a:t>
+              <a:t>8/3/2010</a:t>
             </a:fld>
             <a:endParaRPr lang="en-US"/>
           </a:p>
@@ -2633,7 +2633,7 @@
             <a:fld id="{91D2470E-F914-411C-B29F-48DCD3BDBEA2}" type="datetimeFigureOut">
               <a:rPr lang="en-US" smtClean="0"/>
               <a:pPr/>
-              <a:t>8/2/2010</a:t>
+              <a:t>8/3/2010</a:t>
             </a:fld>
             <a:endParaRPr lang="en-US"/>
           </a:p>
@@ -3052,7 +3052,7 @@
             <a:fld id="{91D2470E-F914-411C-B29F-48DCD3BDBEA2}" type="datetimeFigureOut">
               <a:rPr lang="en-US" smtClean="0"/>
               <a:pPr/>
-              <a:t>8/2/2010</a:t>
+              <a:t>8/3/2010</a:t>
             </a:fld>
             <a:endParaRPr lang="en-US"/>
           </a:p>
@@ -3167,7 +3167,7 @@
             <a:fld id="{91D2470E-F914-411C-B29F-48DCD3BDBEA2}" type="datetimeFigureOut">
               <a:rPr lang="en-US" smtClean="0"/>
               <a:pPr/>
-              <a:t>8/2/2010</a:t>
+              <a:t>8/3/2010</a:t>
             </a:fld>
             <a:endParaRPr lang="en-US"/>
           </a:p>
@@ -3259,7 +3259,7 @@
             <a:fld id="{91D2470E-F914-411C-B29F-48DCD3BDBEA2}" type="datetimeFigureOut">
               <a:rPr lang="en-US" smtClean="0"/>
               <a:pPr/>
-              <a:t>8/2/2010</a:t>
+              <a:t>8/3/2010</a:t>
             </a:fld>
             <a:endParaRPr lang="en-US"/>
           </a:p>
@@ -3533,7 +3533,7 @@
             <a:fld id="{91D2470E-F914-411C-B29F-48DCD3BDBEA2}" type="datetimeFigureOut">
               <a:rPr lang="en-US" smtClean="0"/>
               <a:pPr/>
-              <a:t>8/2/2010</a:t>
+              <a:t>8/3/2010</a:t>
             </a:fld>
             <a:endParaRPr lang="en-US"/>
           </a:p>
@@ -3787,7 +3787,7 @@
             <a:fld id="{91D2470E-F914-411C-B29F-48DCD3BDBEA2}" type="datetimeFigureOut">
               <a:rPr lang="en-US" smtClean="0"/>
               <a:pPr/>
-              <a:t>8/2/2010</a:t>
+              <a:t>8/3/2010</a:t>
             </a:fld>
             <a:endParaRPr lang="en-US"/>
           </a:p>
@@ -3997,7 +3997,7 @@
             <a:fld id="{91D2470E-F914-411C-B29F-48DCD3BDBEA2}" type="datetimeFigureOut">
               <a:rPr lang="en-US" smtClean="0"/>
               <a:pPr/>
-              <a:t>8/2/2010</a:t>
+              <a:t>8/3/2010</a:t>
             </a:fld>
             <a:endParaRPr lang="en-US"/>
           </a:p>
@@ -7978,7 +7978,7 @@
       </p:grpSpPr>
       <p:sp>
         <p:nvSpPr>
-          <p:cNvPr id="10" name="Flowchart: Data 9"/>
+          <p:cNvPr id="17" name="Flowchart: Data 16"/>
           <p:cNvSpPr>
             <a:spLocks noChangeAspect="1"/>
           </p:cNvSpPr>
@@ -7986,7 +7986,7 @@
         </p:nvSpPr>
         <p:spPr>
           <a:xfrm>
-            <a:off x="7086600" y="1524000"/>
+            <a:off x="6934200" y="3733800"/>
             <a:ext cx="1143000" cy="609600"/>
           </a:xfrm>
           <a:prstGeom prst="flowChartInputOutput">
@@ -8034,7 +8034,7 @@
       </p:sp>
       <p:sp>
         <p:nvSpPr>
-          <p:cNvPr id="12" name="Flowchart: Document 11"/>
+          <p:cNvPr id="18" name="Flowchart: Document 17"/>
           <p:cNvSpPr>
             <a:spLocks noChangeAspect="1"/>
           </p:cNvSpPr>
@@ -8042,8 +8042,8 @@
         </p:nvSpPr>
         <p:spPr>
           <a:xfrm>
-            <a:off x="1219200" y="1524000"/>
-            <a:ext cx="1066800" cy="609600"/>
+            <a:off x="1219200" y="3048000"/>
+            <a:ext cx="1219200" cy="609600"/>
           </a:xfrm>
           <a:prstGeom prst="flowChartDocument">
             <a:avLst/>
@@ -8082,7 +8082,7 @@
                   <a:prstClr val="black"/>
                 </a:solidFill>
               </a:rPr>
-              <a:t>WRESL Input Files</a:t>
+              <a:t>WRESL  Files</a:t>
             </a:r>
             <a:endParaRPr lang="en-US" sz="1300" b="1" dirty="0">
               <a:solidFill>
@@ -8094,7 +8094,7 @@
       </p:sp>
       <p:sp>
         <p:nvSpPr>
-          <p:cNvPr id="14" name="Flowchart: Document 13"/>
+          <p:cNvPr id="19" name="Flowchart: Document 18"/>
           <p:cNvSpPr>
             <a:spLocks noChangeAspect="1"/>
           </p:cNvSpPr>
@@ -8102,7 +8102,7 @@
         </p:nvSpPr>
         <p:spPr>
           <a:xfrm>
-            <a:off x="4191000" y="1524000"/>
+            <a:off x="4038600" y="3733800"/>
             <a:ext cx="1066800" cy="609600"/>
           </a:xfrm>
           <a:prstGeom prst="flowChartDocument">
@@ -8159,7 +8159,7 @@
       </p:sp>
       <p:sp>
         <p:nvSpPr>
-          <p:cNvPr id="16" name="Flowchart: Predefined Process 15"/>
+          <p:cNvPr id="21" name="Flowchart: Predefined Process 20"/>
           <p:cNvSpPr>
             <a:spLocks noChangeAspect="1"/>
           </p:cNvSpPr>
@@ -8167,7 +8167,7 @@
         </p:nvSpPr>
         <p:spPr>
           <a:xfrm>
-            <a:off x="5562600" y="1524000"/>
+            <a:off x="5410200" y="3733800"/>
             <a:ext cx="1219200" cy="609600"/>
           </a:xfrm>
           <a:prstGeom prst="flowChartPredefinedProcess">
@@ -8219,7 +8219,7 @@
       </p:sp>
       <p:sp>
         <p:nvSpPr>
-          <p:cNvPr id="20" name="Flowchart: Data 19"/>
+          <p:cNvPr id="22" name="Flowchart: Data 21"/>
           <p:cNvSpPr>
             <a:spLocks noChangeAspect="1"/>
           </p:cNvSpPr>
@@ -8227,8 +8227,8 @@
         </p:nvSpPr>
         <p:spPr>
           <a:xfrm>
-            <a:off x="2438400" y="2514600"/>
-            <a:ext cx="1600200" cy="609600"/>
+            <a:off x="1066800" y="4495800"/>
+            <a:ext cx="1524000" cy="533400"/>
           </a:xfrm>
           <a:prstGeom prst="flowChartInputOutput">
             <a:avLst/>
@@ -8267,7 +8267,7 @@
                   <a:schemeClr val="tx1"/>
                 </a:solidFill>
               </a:rPr>
-              <a:t>Additional Inputs</a:t>
+              <a:t>Input Data</a:t>
             </a:r>
             <a:endParaRPr lang="en-US" sz="1300" b="1" dirty="0"/>
           </a:p>
@@ -8275,7 +8275,7 @@
       </p:sp>
       <p:sp>
         <p:nvSpPr>
-          <p:cNvPr id="15" name="Flowchart: Predefined Process 14"/>
+          <p:cNvPr id="23" name="Flowchart: Predefined Process 22"/>
           <p:cNvSpPr>
             <a:spLocks noChangeAspect="1"/>
           </p:cNvSpPr>
@@ -8283,7 +8283,7 @@
         </p:nvSpPr>
         <p:spPr>
           <a:xfrm>
-            <a:off x="2590800" y="1524000"/>
+            <a:off x="2438400" y="3733800"/>
             <a:ext cx="1295400" cy="609600"/>
           </a:xfrm>
           <a:prstGeom prst="flowChartPredefinedProcess">
@@ -8323,7 +8323,7 @@
                   <a:prstClr val="black"/>
                 </a:solidFill>
               </a:rPr>
-              <a:t>WRESL Parser</a:t>
+              <a:t>WRESL Compiler</a:t>
             </a:r>
             <a:endParaRPr lang="en-US" sz="1300" b="1" dirty="0">
               <a:solidFill>
@@ -8335,16 +8335,16 @@
       </p:sp>
       <p:cxnSp>
         <p:nvCxnSpPr>
-          <p:cNvPr id="29" name="Elbow Connector 28"/>
+          <p:cNvPr id="24" name="Elbow Connector 23"/>
           <p:cNvCxnSpPr>
-            <a:stCxn id="15" idx="3"/>
-            <a:endCxn id="14" idx="1"/>
+            <a:stCxn id="23" idx="3"/>
+            <a:endCxn id="19" idx="1"/>
           </p:cNvCxnSpPr>
           <p:nvPr/>
         </p:nvCxnSpPr>
         <p:spPr>
           <a:xfrm>
-            <a:off x="3886200" y="1828800"/>
+            <a:off x="3733800" y="4038600"/>
             <a:ext cx="304800" cy="1588"/>
           </a:xfrm>
           <a:prstGeom prst="bentConnector3">
@@ -8376,16 +8376,548 @@
       </p:cxnSp>
       <p:cxnSp>
         <p:nvCxnSpPr>
-          <p:cNvPr id="34" name="Elbow Connector 33"/>
+          <p:cNvPr id="25" name="Elbow Connector 24"/>
           <p:cNvCxnSpPr>
-            <a:stCxn id="14" idx="3"/>
-            <a:endCxn id="16" idx="1"/>
+            <a:stCxn id="19" idx="3"/>
+            <a:endCxn id="21" idx="1"/>
           </p:cNvCxnSpPr>
           <p:nvPr/>
         </p:nvCxnSpPr>
         <p:spPr>
           <a:xfrm>
-            <a:off x="5257800" y="1828800"/>
+            <a:off x="5105400" y="4038600"/>
+            <a:ext cx="304800" cy="1588"/>
+          </a:xfrm>
+          <a:prstGeom prst="bentConnector3">
+            <a:avLst>
+              <a:gd name="adj1" fmla="val 50000"/>
+            </a:avLst>
+          </a:prstGeom>
+          <a:ln w="28575" cmpd="sng">
+            <a:solidFill>
+              <a:schemeClr val="tx1"/>
+            </a:solidFill>
+            <a:tailEnd type="arrow"/>
+          </a:ln>
+        </p:spPr>
+        <p:style>
+          <a:lnRef idx="1">
+            <a:schemeClr val="accent1"/>
+          </a:lnRef>
+          <a:fillRef idx="0">
+            <a:schemeClr val="accent1"/>
+          </a:fillRef>
+          <a:effectRef idx="0">
+            <a:schemeClr val="accent1"/>
+          </a:effectRef>
+          <a:fontRef idx="minor">
+            <a:schemeClr val="tx1"/>
+          </a:fontRef>
+        </p:style>
+      </p:cxnSp>
+      <p:cxnSp>
+        <p:nvCxnSpPr>
+          <p:cNvPr id="26" name="Elbow Connector 25"/>
+          <p:cNvCxnSpPr>
+            <a:stCxn id="21" idx="3"/>
+            <a:endCxn id="17" idx="2"/>
+          </p:cNvCxnSpPr>
+          <p:nvPr/>
+        </p:nvCxnSpPr>
+        <p:spPr>
+          <a:xfrm>
+            <a:off x="6629400" y="4038600"/>
+            <a:ext cx="419100" cy="1588"/>
+          </a:xfrm>
+          <a:prstGeom prst="bentConnector3">
+            <a:avLst>
+              <a:gd name="adj1" fmla="val 50000"/>
+            </a:avLst>
+          </a:prstGeom>
+          <a:ln w="28575" cmpd="sng">
+            <a:solidFill>
+              <a:schemeClr val="tx1"/>
+            </a:solidFill>
+            <a:tailEnd type="arrow"/>
+          </a:ln>
+        </p:spPr>
+        <p:style>
+          <a:lnRef idx="1">
+            <a:schemeClr val="accent1"/>
+          </a:lnRef>
+          <a:fillRef idx="0">
+            <a:schemeClr val="accent1"/>
+          </a:fillRef>
+          <a:effectRef idx="0">
+            <a:schemeClr val="accent1"/>
+          </a:effectRef>
+          <a:fontRef idx="minor">
+            <a:schemeClr val="tx1"/>
+          </a:fontRef>
+        </p:style>
+      </p:cxnSp>
+      <p:cxnSp>
+        <p:nvCxnSpPr>
+          <p:cNvPr id="27" name="Elbow Connector 26"/>
+          <p:cNvCxnSpPr>
+            <a:stCxn id="18" idx="2"/>
+            <a:endCxn id="23" idx="1"/>
+          </p:cNvCxnSpPr>
+          <p:nvPr/>
+        </p:nvCxnSpPr>
+        <p:spPr>
+          <a:xfrm rot="16200000" flipH="1">
+            <a:off x="1922950" y="3523149"/>
+            <a:ext cx="421301" cy="609600"/>
+          </a:xfrm>
+          <a:prstGeom prst="bentConnector2">
+            <a:avLst/>
+          </a:prstGeom>
+          <a:ln w="28575" cmpd="sng">
+            <a:solidFill>
+              <a:schemeClr val="tx1"/>
+            </a:solidFill>
+            <a:tailEnd type="arrow"/>
+          </a:ln>
+        </p:spPr>
+        <p:style>
+          <a:lnRef idx="1">
+            <a:schemeClr val="accent1"/>
+          </a:lnRef>
+          <a:fillRef idx="0">
+            <a:schemeClr val="accent1"/>
+          </a:fillRef>
+          <a:effectRef idx="0">
+            <a:schemeClr val="accent1"/>
+          </a:effectRef>
+          <a:fontRef idx="minor">
+            <a:schemeClr val="tx1"/>
+          </a:fontRef>
+        </p:style>
+      </p:cxnSp>
+      <p:cxnSp>
+        <p:nvCxnSpPr>
+          <p:cNvPr id="28" name="Elbow Connector 27"/>
+          <p:cNvCxnSpPr>
+            <a:stCxn id="22" idx="1"/>
+            <a:endCxn id="23" idx="1"/>
+          </p:cNvCxnSpPr>
+          <p:nvPr/>
+        </p:nvCxnSpPr>
+        <p:spPr>
+          <a:xfrm rot="5400000" flipH="1" flipV="1">
+            <a:off x="1905000" y="3962400"/>
+            <a:ext cx="457200" cy="609600"/>
+          </a:xfrm>
+          <a:prstGeom prst="bentConnector2">
+            <a:avLst/>
+          </a:prstGeom>
+          <a:ln w="28575" cmpd="sng">
+            <a:solidFill>
+              <a:schemeClr val="tx1"/>
+            </a:solidFill>
+            <a:tailEnd type="arrow"/>
+          </a:ln>
+        </p:spPr>
+        <p:style>
+          <a:lnRef idx="1">
+            <a:schemeClr val="accent1"/>
+          </a:lnRef>
+          <a:fillRef idx="0">
+            <a:schemeClr val="accent1"/>
+          </a:fillRef>
+          <a:effectRef idx="0">
+            <a:schemeClr val="accent1"/>
+          </a:effectRef>
+          <a:fontRef idx="minor">
+            <a:schemeClr val="tx1"/>
+          </a:fontRef>
+        </p:style>
+      </p:cxnSp>
+      <p:cxnSp>
+        <p:nvCxnSpPr>
+          <p:cNvPr id="30" name="Elbow Connector 47"/>
+          <p:cNvCxnSpPr>
+            <a:stCxn id="17" idx="3"/>
+            <a:endCxn id="22" idx="5"/>
+          </p:cNvCxnSpPr>
+          <p:nvPr/>
+        </p:nvCxnSpPr>
+        <p:spPr>
+          <a:xfrm rot="5400000">
+            <a:off x="4705350" y="2076450"/>
+            <a:ext cx="419100" cy="4953000"/>
+          </a:xfrm>
+          <a:prstGeom prst="bentConnector2">
+            <a:avLst/>
+          </a:prstGeom>
+          <a:ln w="28575" cmpd="sng">
+            <a:solidFill>
+              <a:schemeClr val="tx1"/>
+            </a:solidFill>
+            <a:tailEnd type="arrow"/>
+          </a:ln>
+        </p:spPr>
+        <p:style>
+          <a:lnRef idx="1">
+            <a:schemeClr val="accent1"/>
+          </a:lnRef>
+          <a:fillRef idx="0">
+            <a:schemeClr val="accent1"/>
+          </a:fillRef>
+          <a:effectRef idx="0">
+            <a:schemeClr val="accent1"/>
+          </a:effectRef>
+          <a:fontRef idx="minor">
+            <a:schemeClr val="tx1"/>
+          </a:fontRef>
+        </p:style>
+      </p:cxnSp>
+      <p:sp>
+        <p:nvSpPr>
+          <p:cNvPr id="29" name="Flowchart: Data 28"/>
+          <p:cNvSpPr>
+            <a:spLocks noChangeAspect="1"/>
+          </p:cNvSpPr>
+          <p:nvPr/>
+        </p:nvSpPr>
+        <p:spPr>
+          <a:xfrm>
+            <a:off x="7162800" y="1066800"/>
+            <a:ext cx="1143000" cy="609600"/>
+          </a:xfrm>
+          <a:prstGeom prst="flowChartInputOutput">
+            <a:avLst/>
+          </a:prstGeom>
+          <a:solidFill>
+            <a:schemeClr val="accent1">
+              <a:lumMod val="20000"/>
+              <a:lumOff val="80000"/>
+            </a:schemeClr>
+          </a:solidFill>
+        </p:spPr>
+        <p:style>
+          <a:lnRef idx="2">
+            <a:schemeClr val="accent1">
+              <a:shade val="50000"/>
+            </a:schemeClr>
+          </a:lnRef>
+          <a:fillRef idx="1">
+            <a:schemeClr val="accent1"/>
+          </a:fillRef>
+          <a:effectRef idx="0">
+            <a:schemeClr val="accent1"/>
+          </a:effectRef>
+          <a:fontRef idx="minor">
+            <a:schemeClr val="lt1"/>
+          </a:fontRef>
+        </p:style>
+        <p:txBody>
+          <a:bodyPr rtlCol="0" anchor="ctr"/>
+          <a:lstStyle/>
+          <a:p>
+            <a:pPr algn="ctr"/>
+            <a:r>
+              <a:rPr lang="en-US" sz="1300" b="1" dirty="0" smtClean="0">
+                <a:solidFill>
+                  <a:schemeClr val="tx1"/>
+                </a:solidFill>
+              </a:rPr>
+              <a:t>Output</a:t>
+            </a:r>
+            <a:endParaRPr lang="en-US" sz="1300" b="1" dirty="0"/>
+          </a:p>
+        </p:txBody>
+      </p:sp>
+      <p:sp>
+        <p:nvSpPr>
+          <p:cNvPr id="31" name="Flowchart: Document 30"/>
+          <p:cNvSpPr>
+            <a:spLocks noChangeAspect="1"/>
+          </p:cNvSpPr>
+          <p:nvPr/>
+        </p:nvSpPr>
+        <p:spPr>
+          <a:xfrm>
+            <a:off x="1447800" y="381000"/>
+            <a:ext cx="1219200" cy="609600"/>
+          </a:xfrm>
+          <a:prstGeom prst="flowChartDocument">
+            <a:avLst/>
+          </a:prstGeom>
+          <a:solidFill>
+            <a:schemeClr val="accent1">
+              <a:lumMod val="20000"/>
+              <a:lumOff val="80000"/>
+            </a:schemeClr>
+          </a:solidFill>
+        </p:spPr>
+        <p:style>
+          <a:lnRef idx="2">
+            <a:schemeClr val="accent1">
+              <a:shade val="50000"/>
+            </a:schemeClr>
+          </a:lnRef>
+          <a:fillRef idx="1">
+            <a:schemeClr val="accent1"/>
+          </a:fillRef>
+          <a:effectRef idx="0">
+            <a:schemeClr val="accent1"/>
+          </a:effectRef>
+          <a:fontRef idx="minor">
+            <a:schemeClr val="lt1"/>
+          </a:fontRef>
+        </p:style>
+        <p:txBody>
+          <a:bodyPr rtlCol="0" anchor="ctr"/>
+          <a:lstStyle/>
+          <a:p>
+            <a:pPr lvl="0" algn="ctr"/>
+            <a:r>
+              <a:rPr lang="en-US" sz="1300" b="1" dirty="0" smtClean="0">
+                <a:solidFill>
+                  <a:prstClr val="black"/>
+                </a:solidFill>
+              </a:rPr>
+              <a:t>WRESL  Files</a:t>
+            </a:r>
+            <a:endParaRPr lang="en-US" sz="1300" b="1" dirty="0">
+              <a:solidFill>
+                <a:prstClr val="white"/>
+              </a:solidFill>
+            </a:endParaRPr>
+          </a:p>
+        </p:txBody>
+      </p:sp>
+      <p:sp>
+        <p:nvSpPr>
+          <p:cNvPr id="33" name="Flowchart: Predefined Process 32"/>
+          <p:cNvSpPr>
+            <a:spLocks noChangeAspect="1"/>
+          </p:cNvSpPr>
+          <p:nvPr/>
+        </p:nvSpPr>
+        <p:spPr>
+          <a:xfrm>
+            <a:off x="5638800" y="1066800"/>
+            <a:ext cx="1219200" cy="609600"/>
+          </a:xfrm>
+          <a:prstGeom prst="flowChartPredefinedProcess">
+            <a:avLst/>
+          </a:prstGeom>
+          <a:solidFill>
+            <a:schemeClr val="accent1">
+              <a:lumMod val="20000"/>
+              <a:lumOff val="80000"/>
+            </a:schemeClr>
+          </a:solidFill>
+        </p:spPr>
+        <p:style>
+          <a:lnRef idx="2">
+            <a:schemeClr val="accent1">
+              <a:shade val="50000"/>
+            </a:schemeClr>
+          </a:lnRef>
+          <a:fillRef idx="1">
+            <a:schemeClr val="accent1"/>
+          </a:fillRef>
+          <a:effectRef idx="0">
+            <a:schemeClr val="accent1"/>
+          </a:effectRef>
+          <a:fontRef idx="minor">
+            <a:schemeClr val="lt1"/>
+          </a:fontRef>
+        </p:style>
+        <p:txBody>
+          <a:bodyPr rtlCol="0" anchor="ctr"/>
+          <a:lstStyle/>
+          <a:p>
+            <a:pPr lvl="0" algn="ctr"/>
+            <a:r>
+              <a:rPr lang="en-US" sz="1300" b="1" dirty="0" smtClean="0">
+                <a:solidFill>
+                  <a:prstClr val="black"/>
+                </a:solidFill>
+              </a:rPr>
+              <a:t>LP Solver</a:t>
+            </a:r>
+            <a:endParaRPr lang="en-US" sz="1300" b="1" dirty="0">
+              <a:solidFill>
+                <a:prstClr val="white"/>
+              </a:solidFill>
+            </a:endParaRPr>
+          </a:p>
+        </p:txBody>
+      </p:sp>
+      <p:sp>
+        <p:nvSpPr>
+          <p:cNvPr id="34" name="Flowchart: Data 33"/>
+          <p:cNvSpPr>
+            <a:spLocks noChangeAspect="1"/>
+          </p:cNvSpPr>
+          <p:nvPr/>
+        </p:nvSpPr>
+        <p:spPr>
+          <a:xfrm>
+            <a:off x="1295400" y="1828800"/>
+            <a:ext cx="1524000" cy="533400"/>
+          </a:xfrm>
+          <a:prstGeom prst="flowChartInputOutput">
+            <a:avLst/>
+          </a:prstGeom>
+          <a:solidFill>
+            <a:schemeClr val="accent1">
+              <a:lumMod val="20000"/>
+              <a:lumOff val="80000"/>
+            </a:schemeClr>
+          </a:solidFill>
+        </p:spPr>
+        <p:style>
+          <a:lnRef idx="2">
+            <a:schemeClr val="accent1">
+              <a:shade val="50000"/>
+            </a:schemeClr>
+          </a:lnRef>
+          <a:fillRef idx="1">
+            <a:schemeClr val="accent1"/>
+          </a:fillRef>
+          <a:effectRef idx="0">
+            <a:schemeClr val="accent1"/>
+          </a:effectRef>
+          <a:fontRef idx="minor">
+            <a:schemeClr val="lt1"/>
+          </a:fontRef>
+        </p:style>
+        <p:txBody>
+          <a:bodyPr rtlCol="0" anchor="ctr"/>
+          <a:lstStyle/>
+          <a:p>
+            <a:pPr algn="ctr"/>
+            <a:r>
+              <a:rPr lang="en-US" sz="1300" b="1" dirty="0" smtClean="0">
+                <a:solidFill>
+                  <a:schemeClr val="tx1"/>
+                </a:solidFill>
+              </a:rPr>
+              <a:t>Input Data</a:t>
+            </a:r>
+            <a:endParaRPr lang="en-US" sz="1300" b="1" dirty="0"/>
+          </a:p>
+        </p:txBody>
+      </p:sp>
+      <p:sp>
+        <p:nvSpPr>
+          <p:cNvPr id="35" name="Flowchart: Predefined Process 34"/>
+          <p:cNvSpPr>
+            <a:spLocks noChangeAspect="1"/>
+          </p:cNvSpPr>
+          <p:nvPr/>
+        </p:nvSpPr>
+        <p:spPr>
+          <a:xfrm>
+            <a:off x="2667000" y="1066800"/>
+            <a:ext cx="1295400" cy="609600"/>
+          </a:xfrm>
+          <a:prstGeom prst="flowChartPredefinedProcess">
+            <a:avLst/>
+          </a:prstGeom>
+          <a:solidFill>
+            <a:schemeClr val="accent1">
+              <a:lumMod val="20000"/>
+              <a:lumOff val="80000"/>
+            </a:schemeClr>
+          </a:solidFill>
+        </p:spPr>
+        <p:style>
+          <a:lnRef idx="2">
+            <a:schemeClr val="accent1">
+              <a:shade val="50000"/>
+            </a:schemeClr>
+          </a:lnRef>
+          <a:fillRef idx="1">
+            <a:schemeClr val="accent1"/>
+          </a:fillRef>
+          <a:effectRef idx="0">
+            <a:schemeClr val="accent1"/>
+          </a:effectRef>
+          <a:fontRef idx="minor">
+            <a:schemeClr val="lt1"/>
+          </a:fontRef>
+        </p:style>
+        <p:txBody>
+          <a:bodyPr rtlCol="0" anchor="ctr"/>
+          <a:lstStyle/>
+          <a:p>
+            <a:pPr lvl="0" algn="ctr"/>
+            <a:r>
+              <a:rPr lang="en-US" sz="1300" b="1" dirty="0" smtClean="0">
+                <a:solidFill>
+                  <a:prstClr val="black"/>
+                </a:solidFill>
+              </a:rPr>
+              <a:t>WRESL Compiler</a:t>
+            </a:r>
+            <a:endParaRPr lang="en-US" sz="1300" b="1" dirty="0">
+              <a:solidFill>
+                <a:prstClr val="white"/>
+              </a:solidFill>
+            </a:endParaRPr>
+          </a:p>
+        </p:txBody>
+      </p:sp>
+      <p:cxnSp>
+        <p:nvCxnSpPr>
+          <p:cNvPr id="36" name="Elbow Connector 35"/>
+          <p:cNvCxnSpPr>
+            <a:stCxn id="35" idx="3"/>
+            <a:endCxn id="42" idx="1"/>
+          </p:cNvCxnSpPr>
+          <p:nvPr/>
+        </p:nvCxnSpPr>
+        <p:spPr>
+          <a:xfrm>
+            <a:off x="3962400" y="1371600"/>
+            <a:ext cx="304800" cy="1588"/>
+          </a:xfrm>
+          <a:prstGeom prst="bentConnector3">
+            <a:avLst>
+              <a:gd name="adj1" fmla="val 50000"/>
+            </a:avLst>
+          </a:prstGeom>
+          <a:ln w="28575" cmpd="sng">
+            <a:solidFill>
+              <a:schemeClr val="tx1"/>
+            </a:solidFill>
+            <a:tailEnd type="arrow"/>
+          </a:ln>
+        </p:spPr>
+        <p:style>
+          <a:lnRef idx="1">
+            <a:schemeClr val="accent1"/>
+          </a:lnRef>
+          <a:fillRef idx="0">
+            <a:schemeClr val="accent1"/>
+          </a:fillRef>
+          <a:effectRef idx="0">
+            <a:schemeClr val="accent1"/>
+          </a:effectRef>
+          <a:fontRef idx="minor">
+            <a:schemeClr val="tx1"/>
+          </a:fontRef>
+        </p:style>
+      </p:cxnSp>
+      <p:cxnSp>
+        <p:nvCxnSpPr>
+          <p:cNvPr id="37" name="Elbow Connector 36"/>
+          <p:cNvCxnSpPr>
+            <a:stCxn id="42" idx="3"/>
+            <a:endCxn id="33" idx="1"/>
+          </p:cNvCxnSpPr>
+          <p:nvPr/>
+        </p:nvCxnSpPr>
+        <p:spPr>
+          <a:xfrm>
+            <a:off x="5334000" y="1371600"/>
             <a:ext cx="304800" cy="1588"/>
           </a:xfrm>
           <a:prstGeom prst="bentConnector3">
@@ -8419,14 +8951,14 @@
         <p:nvCxnSpPr>
           <p:cNvPr id="38" name="Elbow Connector 37"/>
           <p:cNvCxnSpPr>
-            <a:stCxn id="16" idx="3"/>
-            <a:endCxn id="10" idx="2"/>
+            <a:stCxn id="33" idx="3"/>
+            <a:endCxn id="29" idx="2"/>
           </p:cNvCxnSpPr>
           <p:nvPr/>
         </p:nvCxnSpPr>
         <p:spPr>
           <a:xfrm>
-            <a:off x="6781800" y="1828800"/>
+            <a:off x="6858000" y="1371600"/>
             <a:ext cx="419100" cy="1588"/>
           </a:xfrm>
           <a:prstGeom prst="bentConnector3">
@@ -8458,22 +8990,20 @@
       </p:cxnSp>
       <p:cxnSp>
         <p:nvCxnSpPr>
-          <p:cNvPr id="42" name="Elbow Connector 41"/>
+          <p:cNvPr id="39" name="Elbow Connector 26"/>
           <p:cNvCxnSpPr>
-            <a:stCxn id="12" idx="3"/>
-            <a:endCxn id="15" idx="1"/>
+            <a:stCxn id="31" idx="2"/>
+            <a:endCxn id="35" idx="1"/>
           </p:cNvCxnSpPr>
           <p:nvPr/>
         </p:nvCxnSpPr>
         <p:spPr>
-          <a:xfrm>
-            <a:off x="2286000" y="1828800"/>
-            <a:ext cx="304800" cy="1588"/>
-          </a:xfrm>
-          <a:prstGeom prst="bentConnector3">
-            <a:avLst>
-              <a:gd name="adj1" fmla="val 50000"/>
-            </a:avLst>
+          <a:xfrm rot="16200000" flipH="1">
+            <a:off x="2151550" y="856149"/>
+            <a:ext cx="421301" cy="609600"/>
+          </a:xfrm>
+          <a:prstGeom prst="bentConnector2">
+            <a:avLst/>
           </a:prstGeom>
           <a:ln w="28575" cmpd="sng">
             <a:solidFill>
@@ -8499,22 +9029,20 @@
       </p:cxnSp>
       <p:cxnSp>
         <p:nvCxnSpPr>
-          <p:cNvPr id="45" name="Elbow Connector 44"/>
+          <p:cNvPr id="40" name="Elbow Connector 27"/>
           <p:cNvCxnSpPr>
-            <a:stCxn id="20" idx="1"/>
-            <a:endCxn id="15" idx="2"/>
+            <a:stCxn id="34" idx="1"/>
+            <a:endCxn id="35" idx="1"/>
           </p:cNvCxnSpPr>
           <p:nvPr/>
         </p:nvCxnSpPr>
         <p:spPr>
           <a:xfrm rot="5400000" flipH="1" flipV="1">
-            <a:off x="3048000" y="2324100"/>
-            <a:ext cx="381000" cy="1588"/>
-          </a:xfrm>
-          <a:prstGeom prst="bentConnector3">
-            <a:avLst>
-              <a:gd name="adj1" fmla="val 50000"/>
-            </a:avLst>
+            <a:off x="2133600" y="1295400"/>
+            <a:ext cx="457200" cy="609600"/>
+          </a:xfrm>
+          <a:prstGeom prst="bentConnector2">
+            <a:avLst/>
           </a:prstGeom>
           <a:ln w="28575" cmpd="sng">
             <a:solidFill>
@@ -8540,17 +9068,17 @@
       </p:cxnSp>
       <p:cxnSp>
         <p:nvCxnSpPr>
-          <p:cNvPr id="48" name="Elbow Connector 47"/>
+          <p:cNvPr id="41" name="Elbow Connector 47"/>
           <p:cNvCxnSpPr>
-            <a:stCxn id="10" idx="3"/>
-            <a:endCxn id="20" idx="5"/>
+            <a:stCxn id="29" idx="3"/>
+            <a:endCxn id="34" idx="5"/>
           </p:cNvCxnSpPr>
           <p:nvPr/>
         </p:nvCxnSpPr>
         <p:spPr>
           <a:xfrm rot="5400000">
-            <a:off x="5368290" y="643890"/>
-            <a:ext cx="685800" cy="3665220"/>
+            <a:off x="4933950" y="-590550"/>
+            <a:ext cx="419100" cy="4953000"/>
           </a:xfrm>
           <a:prstGeom prst="bentConnector2">
             <a:avLst/>
@@ -8577,6 +9105,66 @@
           </a:fontRef>
         </p:style>
       </p:cxnSp>
+      <p:sp>
+        <p:nvSpPr>
+          <p:cNvPr id="42" name="Flowchart: Process 41"/>
+          <p:cNvSpPr/>
+          <p:nvPr/>
+        </p:nvSpPr>
+        <p:spPr>
+          <a:xfrm>
+            <a:off x="4267200" y="1066800"/>
+            <a:ext cx="1066800" cy="609600"/>
+          </a:xfrm>
+          <a:prstGeom prst="flowChartProcess">
+            <a:avLst/>
+          </a:prstGeom>
+          <a:solidFill>
+            <a:schemeClr val="accent3">
+              <a:lumMod val="20000"/>
+              <a:lumOff val="80000"/>
+            </a:schemeClr>
+          </a:solidFill>
+          <a:ln>
+            <a:solidFill>
+              <a:schemeClr val="accent3">
+                <a:lumMod val="50000"/>
+              </a:schemeClr>
+            </a:solidFill>
+          </a:ln>
+        </p:spPr>
+        <p:style>
+          <a:lnRef idx="2">
+            <a:schemeClr val="accent1">
+              <a:shade val="50000"/>
+            </a:schemeClr>
+          </a:lnRef>
+          <a:fillRef idx="1">
+            <a:schemeClr val="accent1"/>
+          </a:fillRef>
+          <a:effectRef idx="0">
+            <a:schemeClr val="accent1"/>
+          </a:effectRef>
+          <a:fontRef idx="minor">
+            <a:schemeClr val="lt1"/>
+          </a:fontRef>
+        </p:style>
+        <p:txBody>
+          <a:bodyPr rtlCol="0" anchor="ctr"/>
+          <a:lstStyle/>
+          <a:p>
+            <a:pPr lvl="0" algn="ctr"/>
+            <a:r>
+              <a:rPr lang="en-US" sz="1300" b="1" dirty="0" smtClean="0">
+                <a:solidFill>
+                  <a:prstClr val="black"/>
+                </a:solidFill>
+              </a:rPr>
+              <a:t>Black Box</a:t>
+            </a:r>
+          </a:p>
+        </p:txBody>
+      </p:sp>
     </p:spTree>
   </p:cSld>
   <p:clrMapOvr>
@@ -8652,23 +9240,7 @@
                   <a:prstClr val="black"/>
                 </a:solidFill>
               </a:rPr>
-              <a:t>WRESL Files </a:t>
-            </a:r>
-            <a:r>
-              <a:rPr lang="en-US" sz="1300" b="1" dirty="0" smtClean="0">
-                <a:solidFill>
-                  <a:prstClr val="black"/>
-                </a:solidFill>
-              </a:rPr>
-              <a:t>containing </a:t>
-            </a:r>
-            <a:r>
-              <a:rPr lang="en-US" sz="1300" b="1" dirty="0" smtClean="0">
-                <a:solidFill>
-                  <a:prstClr val="black"/>
-                </a:solidFill>
-              </a:rPr>
-              <a:t>multiple period inputs</a:t>
+              <a:t>WRESL Files containing multiple period inputs</a:t>
             </a:r>
             <a:endParaRPr lang="en-US" sz="1300" b="1" dirty="0">
               <a:solidFill>
@@ -9424,23 +9996,7 @@
                   <a:prstClr val="black"/>
                 </a:solidFill>
               </a:rPr>
-              <a:t>WRESL Files </a:t>
-            </a:r>
-            <a:r>
-              <a:rPr lang="en-US" sz="1300" b="1" dirty="0" smtClean="0">
-                <a:solidFill>
-                  <a:prstClr val="black"/>
-                </a:solidFill>
-              </a:rPr>
-              <a:t>containing </a:t>
-            </a:r>
-            <a:r>
-              <a:rPr lang="en-US" sz="1300" b="1" dirty="0" smtClean="0">
-                <a:solidFill>
-                  <a:prstClr val="black"/>
-                </a:solidFill>
-              </a:rPr>
-              <a:t>multiple period inputs</a:t>
+              <a:t>WRESL Files containing multiple period inputs</a:t>
             </a:r>
             <a:endParaRPr lang="en-US" sz="1300" b="1" dirty="0">
               <a:solidFill>
@@ -11010,15 +11566,7 @@
                   <a:prstClr val="black"/>
                 </a:solidFill>
               </a:rPr>
-              <a:t>Configuration</a:t>
-            </a:r>
-            <a:r>
-              <a:rPr lang="en-US" sz="1300" b="1" dirty="0" smtClean="0">
-                <a:solidFill>
-                  <a:prstClr val="black"/>
-                </a:solidFill>
-              </a:rPr>
-              <a:t> File</a:t>
+              <a:t>Configuration File</a:t>
             </a:r>
             <a:endParaRPr lang="en-US" sz="1300" b="1" dirty="0">
               <a:solidFill>

--- a/plans/flowchart_WRIMS.pptx
+++ b/plans/flowchart_WRIMS.pptx
@@ -198,7 +198,7 @@
             <a:fld id="{EE59EC11-8F5A-40F0-A7B9-AAD495E2A3DB}" type="datetimeFigureOut">
               <a:rPr lang="en-US" smtClean="0"/>
               <a:pPr/>
-              <a:t>8/3/2010</a:t>
+              <a:t>8/4/2010</a:t>
             </a:fld>
             <a:endParaRPr lang="en-US"/>
           </a:p>
@@ -1594,7 +1594,7 @@
             <a:fld id="{91D2470E-F914-411C-B29F-48DCD3BDBEA2}" type="datetimeFigureOut">
               <a:rPr lang="en-US" smtClean="0"/>
               <a:pPr/>
-              <a:t>8/3/2010</a:t>
+              <a:t>8/4/2010</a:t>
             </a:fld>
             <a:endParaRPr lang="en-US"/>
           </a:p>
@@ -1761,7 +1761,7 @@
             <a:fld id="{91D2470E-F914-411C-B29F-48DCD3BDBEA2}" type="datetimeFigureOut">
               <a:rPr lang="en-US" smtClean="0"/>
               <a:pPr/>
-              <a:t>8/3/2010</a:t>
+              <a:t>8/4/2010</a:t>
             </a:fld>
             <a:endParaRPr lang="en-US"/>
           </a:p>
@@ -1938,7 +1938,7 @@
             <a:fld id="{91D2470E-F914-411C-B29F-48DCD3BDBEA2}" type="datetimeFigureOut">
               <a:rPr lang="en-US" smtClean="0"/>
               <a:pPr/>
-              <a:t>8/3/2010</a:t>
+              <a:t>8/4/2010</a:t>
             </a:fld>
             <a:endParaRPr lang="en-US"/>
           </a:p>
@@ -2105,7 +2105,7 @@
             <a:fld id="{91D2470E-F914-411C-B29F-48DCD3BDBEA2}" type="datetimeFigureOut">
               <a:rPr lang="en-US" smtClean="0"/>
               <a:pPr/>
-              <a:t>8/3/2010</a:t>
+              <a:t>8/4/2010</a:t>
             </a:fld>
             <a:endParaRPr lang="en-US"/>
           </a:p>
@@ -2348,7 +2348,7 @@
             <a:fld id="{91D2470E-F914-411C-B29F-48DCD3BDBEA2}" type="datetimeFigureOut">
               <a:rPr lang="en-US" smtClean="0"/>
               <a:pPr/>
-              <a:t>8/3/2010</a:t>
+              <a:t>8/4/2010</a:t>
             </a:fld>
             <a:endParaRPr lang="en-US"/>
           </a:p>
@@ -2633,7 +2633,7 @@
             <a:fld id="{91D2470E-F914-411C-B29F-48DCD3BDBEA2}" type="datetimeFigureOut">
               <a:rPr lang="en-US" smtClean="0"/>
               <a:pPr/>
-              <a:t>8/3/2010</a:t>
+              <a:t>8/4/2010</a:t>
             </a:fld>
             <a:endParaRPr lang="en-US"/>
           </a:p>
@@ -3052,7 +3052,7 @@
             <a:fld id="{91D2470E-F914-411C-B29F-48DCD3BDBEA2}" type="datetimeFigureOut">
               <a:rPr lang="en-US" smtClean="0"/>
               <a:pPr/>
-              <a:t>8/3/2010</a:t>
+              <a:t>8/4/2010</a:t>
             </a:fld>
             <a:endParaRPr lang="en-US"/>
           </a:p>
@@ -3167,7 +3167,7 @@
             <a:fld id="{91D2470E-F914-411C-B29F-48DCD3BDBEA2}" type="datetimeFigureOut">
               <a:rPr lang="en-US" smtClean="0"/>
               <a:pPr/>
-              <a:t>8/3/2010</a:t>
+              <a:t>8/4/2010</a:t>
             </a:fld>
             <a:endParaRPr lang="en-US"/>
           </a:p>
@@ -3259,7 +3259,7 @@
             <a:fld id="{91D2470E-F914-411C-B29F-48DCD3BDBEA2}" type="datetimeFigureOut">
               <a:rPr lang="en-US" smtClean="0"/>
               <a:pPr/>
-              <a:t>8/3/2010</a:t>
+              <a:t>8/4/2010</a:t>
             </a:fld>
             <a:endParaRPr lang="en-US"/>
           </a:p>
@@ -3533,7 +3533,7 @@
             <a:fld id="{91D2470E-F914-411C-B29F-48DCD3BDBEA2}" type="datetimeFigureOut">
               <a:rPr lang="en-US" smtClean="0"/>
               <a:pPr/>
-              <a:t>8/3/2010</a:t>
+              <a:t>8/4/2010</a:t>
             </a:fld>
             <a:endParaRPr lang="en-US"/>
           </a:p>
@@ -3787,7 +3787,7 @@
             <a:fld id="{91D2470E-F914-411C-B29F-48DCD3BDBEA2}" type="datetimeFigureOut">
               <a:rPr lang="en-US" smtClean="0"/>
               <a:pPr/>
-              <a:t>8/3/2010</a:t>
+              <a:t>8/4/2010</a:t>
             </a:fld>
             <a:endParaRPr lang="en-US"/>
           </a:p>
@@ -3997,7 +3997,7 @@
             <a:fld id="{91D2470E-F914-411C-B29F-48DCD3BDBEA2}" type="datetimeFigureOut">
               <a:rPr lang="en-US" smtClean="0"/>
               <a:pPr/>
-              <a:t>8/3/2010</a:t>
+              <a:t>8/4/2010</a:t>
             </a:fld>
             <a:endParaRPr lang="en-US"/>
           </a:p>
@@ -9200,7 +9200,7 @@
         </p:nvSpPr>
         <p:spPr>
           <a:xfrm>
-            <a:off x="533400" y="1143000"/>
+            <a:off x="457200" y="1143000"/>
             <a:ext cx="1371600" cy="1219200"/>
           </a:xfrm>
           <a:prstGeom prst="flowChartDocument">
@@ -9260,8 +9260,8 @@
         </p:nvSpPr>
         <p:spPr>
           <a:xfrm>
-            <a:off x="2133600" y="1447800"/>
-            <a:ext cx="1066800" cy="609600"/>
+            <a:off x="2057400" y="1447800"/>
+            <a:ext cx="1143000" cy="609600"/>
           </a:xfrm>
           <a:prstGeom prst="flowChartPredefinedProcess">
             <a:avLst/>
@@ -9300,7 +9300,15 @@
                   <a:prstClr val="black"/>
                 </a:solidFill>
               </a:rPr>
-              <a:t>WRESL Parser</a:t>
+              <a:t>WRESL </a:t>
+            </a:r>
+            <a:r>
+              <a:rPr lang="en-US" sz="1300" b="1" dirty="0" smtClean="0">
+                <a:solidFill>
+                  <a:prstClr val="black"/>
+                </a:solidFill>
+              </a:rPr>
+              <a:t>Compiler</a:t>
             </a:r>
             <a:endParaRPr lang="en-US" sz="1300" b="1" dirty="0">
               <a:solidFill>
@@ -9321,7 +9329,7 @@
         </p:nvCxnSpPr>
         <p:spPr>
           <a:xfrm>
-            <a:off x="1905000" y="1752600"/>
+            <a:off x="1828800" y="1752600"/>
             <a:ext cx="228600" cy="1588"/>
           </a:xfrm>
           <a:prstGeom prst="bentConnector3">
@@ -9897,12 +9905,283 @@
                     <a:lumMod val="75000"/>
                   </a:schemeClr>
                 </a:gs>
+                <a:gs pos="35000">
+                  <a:schemeClr val="tx1"/>
+                </a:gs>
                 <a:gs pos="100000">
                   <a:schemeClr val="tx1"/>
                 </a:gs>
               </a:gsLst>
               <a:lin ang="5400000" scaled="0"/>
             </a:gradFill>
+            <a:tailEnd type="arrow"/>
+          </a:ln>
+        </p:spPr>
+        <p:style>
+          <a:lnRef idx="1">
+            <a:schemeClr val="accent1"/>
+          </a:lnRef>
+          <a:fillRef idx="0">
+            <a:schemeClr val="accent1"/>
+          </a:fillRef>
+          <a:effectRef idx="0">
+            <a:schemeClr val="accent1"/>
+          </a:effectRef>
+          <a:fontRef idx="minor">
+            <a:schemeClr val="tx1"/>
+          </a:fontRef>
+        </p:style>
+      </p:cxnSp>
+      <p:sp>
+        <p:nvSpPr>
+          <p:cNvPr id="19" name="Flowchart: Process 18"/>
+          <p:cNvSpPr/>
+          <p:nvPr/>
+        </p:nvSpPr>
+        <p:spPr>
+          <a:xfrm>
+            <a:off x="3429000" y="3581400"/>
+            <a:ext cx="1752600" cy="609600"/>
+          </a:xfrm>
+          <a:prstGeom prst="flowChartProcess">
+            <a:avLst/>
+          </a:prstGeom>
+          <a:solidFill>
+            <a:schemeClr val="accent1">
+              <a:lumMod val="20000"/>
+              <a:lumOff val="80000"/>
+            </a:schemeClr>
+          </a:solidFill>
+        </p:spPr>
+        <p:style>
+          <a:lnRef idx="2">
+            <a:schemeClr val="accent1">
+              <a:shade val="50000"/>
+            </a:schemeClr>
+          </a:lnRef>
+          <a:fillRef idx="1">
+            <a:schemeClr val="accent1"/>
+          </a:fillRef>
+          <a:effectRef idx="0">
+            <a:schemeClr val="accent1"/>
+          </a:effectRef>
+          <a:fontRef idx="minor">
+            <a:schemeClr val="lt1"/>
+          </a:fontRef>
+        </p:style>
+        <p:txBody>
+          <a:bodyPr rtlCol="0" anchor="ctr"/>
+          <a:lstStyle/>
+          <a:p>
+            <a:pPr lvl="0" algn="ctr"/>
+            <a:r>
+              <a:rPr lang="en-US" sz="1300" b="1" dirty="0" smtClean="0">
+                <a:solidFill>
+                  <a:prstClr val="black"/>
+                </a:solidFill>
+              </a:rPr>
+              <a:t>Solving for Multi-period Optimization Simultaneously </a:t>
+            </a:r>
+            <a:endParaRPr lang="en-US" sz="1300" b="1" dirty="0">
+              <a:solidFill>
+                <a:prstClr val="white"/>
+              </a:solidFill>
+            </a:endParaRPr>
+          </a:p>
+        </p:txBody>
+      </p:sp>
+      <p:cxnSp>
+        <p:nvCxnSpPr>
+          <p:cNvPr id="20" name="Elbow Connector 19"/>
+          <p:cNvCxnSpPr>
+            <a:stCxn id="26" idx="3"/>
+            <a:endCxn id="19" idx="1"/>
+          </p:cNvCxnSpPr>
+          <p:nvPr/>
+        </p:nvCxnSpPr>
+        <p:spPr>
+          <a:xfrm>
+            <a:off x="3200400" y="3886200"/>
+            <a:ext cx="228600" cy="1588"/>
+          </a:xfrm>
+          <a:prstGeom prst="bentConnector3">
+            <a:avLst>
+              <a:gd name="adj1" fmla="val 50000"/>
+            </a:avLst>
+          </a:prstGeom>
+          <a:ln w="28575" cmpd="sng">
+            <a:solidFill>
+              <a:schemeClr val="tx1"/>
+            </a:solidFill>
+            <a:tailEnd type="arrow"/>
+          </a:ln>
+        </p:spPr>
+        <p:style>
+          <a:lnRef idx="1">
+            <a:schemeClr val="accent1"/>
+          </a:lnRef>
+          <a:fillRef idx="0">
+            <a:schemeClr val="accent1"/>
+          </a:fillRef>
+          <a:effectRef idx="0">
+            <a:schemeClr val="accent1"/>
+          </a:effectRef>
+          <a:fontRef idx="minor">
+            <a:schemeClr val="tx1"/>
+          </a:fontRef>
+        </p:style>
+      </p:cxnSp>
+      <p:sp>
+        <p:nvSpPr>
+          <p:cNvPr id="25" name="Flowchart: Document 24"/>
+          <p:cNvSpPr>
+            <a:spLocks noChangeAspect="1"/>
+          </p:cNvSpPr>
+          <p:nvPr/>
+        </p:nvSpPr>
+        <p:spPr>
+          <a:xfrm>
+            <a:off x="457200" y="3276600"/>
+            <a:ext cx="1371600" cy="1219200"/>
+          </a:xfrm>
+          <a:prstGeom prst="flowChartDocument">
+            <a:avLst/>
+          </a:prstGeom>
+          <a:solidFill>
+            <a:schemeClr val="accent1">
+              <a:lumMod val="20000"/>
+              <a:lumOff val="80000"/>
+            </a:schemeClr>
+          </a:solidFill>
+        </p:spPr>
+        <p:style>
+          <a:lnRef idx="2">
+            <a:schemeClr val="accent1">
+              <a:shade val="50000"/>
+            </a:schemeClr>
+          </a:lnRef>
+          <a:fillRef idx="1">
+            <a:schemeClr val="accent1"/>
+          </a:fillRef>
+          <a:effectRef idx="0">
+            <a:schemeClr val="accent1"/>
+          </a:effectRef>
+          <a:fontRef idx="minor">
+            <a:schemeClr val="lt1"/>
+          </a:fontRef>
+        </p:style>
+        <p:txBody>
+          <a:bodyPr rtlCol="0" anchor="ctr"/>
+          <a:lstStyle/>
+          <a:p>
+            <a:pPr lvl="0" algn="ctr"/>
+            <a:r>
+              <a:rPr lang="en-US" sz="1300" b="1" dirty="0" smtClean="0">
+                <a:solidFill>
+                  <a:prstClr val="black"/>
+                </a:solidFill>
+              </a:rPr>
+              <a:t>WRESL Files containing multiple period inputs</a:t>
+            </a:r>
+            <a:endParaRPr lang="en-US" sz="1300" b="1" dirty="0">
+              <a:solidFill>
+                <a:prstClr val="white"/>
+              </a:solidFill>
+            </a:endParaRPr>
+          </a:p>
+        </p:txBody>
+      </p:sp>
+      <p:sp>
+        <p:nvSpPr>
+          <p:cNvPr id="26" name="Flowchart: Predefined Process 25"/>
+          <p:cNvSpPr>
+            <a:spLocks noChangeAspect="1"/>
+          </p:cNvSpPr>
+          <p:nvPr/>
+        </p:nvSpPr>
+        <p:spPr>
+          <a:xfrm>
+            <a:off x="2057400" y="3581400"/>
+            <a:ext cx="1143000" cy="609600"/>
+          </a:xfrm>
+          <a:prstGeom prst="flowChartPredefinedProcess">
+            <a:avLst/>
+          </a:prstGeom>
+          <a:solidFill>
+            <a:schemeClr val="accent1">
+              <a:lumMod val="20000"/>
+              <a:lumOff val="80000"/>
+            </a:schemeClr>
+          </a:solidFill>
+        </p:spPr>
+        <p:style>
+          <a:lnRef idx="2">
+            <a:schemeClr val="accent1">
+              <a:shade val="50000"/>
+            </a:schemeClr>
+          </a:lnRef>
+          <a:fillRef idx="1">
+            <a:schemeClr val="accent1"/>
+          </a:fillRef>
+          <a:effectRef idx="0">
+            <a:schemeClr val="accent1"/>
+          </a:effectRef>
+          <a:fontRef idx="minor">
+            <a:schemeClr val="lt1"/>
+          </a:fontRef>
+        </p:style>
+        <p:txBody>
+          <a:bodyPr rtlCol="0" anchor="ctr"/>
+          <a:lstStyle/>
+          <a:p>
+            <a:pPr lvl="0" algn="ctr"/>
+            <a:r>
+              <a:rPr lang="en-US" sz="1300" b="1" dirty="0" smtClean="0">
+                <a:solidFill>
+                  <a:prstClr val="black"/>
+                </a:solidFill>
+              </a:rPr>
+              <a:t>WRESL </a:t>
+            </a:r>
+            <a:r>
+              <a:rPr lang="en-US" sz="1300" b="1" dirty="0" smtClean="0">
+                <a:solidFill>
+                  <a:prstClr val="black"/>
+                </a:solidFill>
+              </a:rPr>
+              <a:t>Compiler</a:t>
+            </a:r>
+            <a:endParaRPr lang="en-US" sz="1300" b="1" dirty="0">
+              <a:solidFill>
+                <a:prstClr val="white"/>
+              </a:solidFill>
+            </a:endParaRPr>
+          </a:p>
+        </p:txBody>
+      </p:sp>
+      <p:cxnSp>
+        <p:nvCxnSpPr>
+          <p:cNvPr id="27" name="Elbow Connector 26"/>
+          <p:cNvCxnSpPr>
+            <a:stCxn id="25" idx="3"/>
+            <a:endCxn id="26" idx="1"/>
+          </p:cNvCxnSpPr>
+          <p:nvPr/>
+        </p:nvCxnSpPr>
+        <p:spPr>
+          <a:xfrm>
+            <a:off x="1828800" y="3886200"/>
+            <a:ext cx="228600" cy="1588"/>
+          </a:xfrm>
+          <a:prstGeom prst="bentConnector3">
+            <a:avLst>
+              <a:gd name="adj1" fmla="val 50000"/>
+            </a:avLst>
+          </a:prstGeom>
+          <a:ln w="28575" cmpd="sng">
+            <a:solidFill>
+              <a:schemeClr val="tx1"/>
+            </a:solidFill>
             <a:tailEnd type="arrow"/>
           </a:ln>
         </p:spPr>
@@ -9948,66 +10227,6 @@
       </p:grpSpPr>
       <p:sp>
         <p:nvSpPr>
-          <p:cNvPr id="12" name="Flowchart: Document 11"/>
-          <p:cNvSpPr>
-            <a:spLocks noChangeAspect="1"/>
-          </p:cNvSpPr>
-          <p:nvPr/>
-        </p:nvSpPr>
-        <p:spPr>
-          <a:xfrm>
-            <a:off x="533400" y="1143000"/>
-            <a:ext cx="1371600" cy="1219200"/>
-          </a:xfrm>
-          <a:prstGeom prst="flowChartDocument">
-            <a:avLst/>
-          </a:prstGeom>
-          <a:solidFill>
-            <a:schemeClr val="accent1">
-              <a:lumMod val="20000"/>
-              <a:lumOff val="80000"/>
-            </a:schemeClr>
-          </a:solidFill>
-        </p:spPr>
-        <p:style>
-          <a:lnRef idx="2">
-            <a:schemeClr val="accent1">
-              <a:shade val="50000"/>
-            </a:schemeClr>
-          </a:lnRef>
-          <a:fillRef idx="1">
-            <a:schemeClr val="accent1"/>
-          </a:fillRef>
-          <a:effectRef idx="0">
-            <a:schemeClr val="accent1"/>
-          </a:effectRef>
-          <a:fontRef idx="minor">
-            <a:schemeClr val="lt1"/>
-          </a:fontRef>
-        </p:style>
-        <p:txBody>
-          <a:bodyPr rtlCol="0" anchor="ctr"/>
-          <a:lstStyle/>
-          <a:p>
-            <a:pPr lvl="0" algn="ctr"/>
-            <a:r>
-              <a:rPr lang="en-US" sz="1300" b="1" dirty="0" smtClean="0">
-                <a:solidFill>
-                  <a:prstClr val="black"/>
-                </a:solidFill>
-              </a:rPr>
-              <a:t>WRESL Files containing multiple period inputs</a:t>
-            </a:r>
-            <a:endParaRPr lang="en-US" sz="1300" b="1" dirty="0">
-              <a:solidFill>
-                <a:prstClr val="white"/>
-              </a:solidFill>
-            </a:endParaRPr>
-          </a:p>
-        </p:txBody>
-      </p:sp>
-      <p:sp>
-        <p:nvSpPr>
           <p:cNvPr id="14" name="Flowchart: Document 13"/>
           <p:cNvSpPr>
             <a:spLocks noChangeAspect="1"/>
@@ -10205,7 +10424,7 @@
       </p:sp>
       <p:sp>
         <p:nvSpPr>
-          <p:cNvPr id="15" name="Flowchart: Predefined Process 14"/>
+          <p:cNvPr id="17" name="Flowchart: Data 16"/>
           <p:cNvSpPr>
             <a:spLocks noChangeAspect="1"/>
           </p:cNvSpPr>
@@ -10213,10 +10432,10 @@
         </p:nvSpPr>
         <p:spPr>
           <a:xfrm>
-            <a:off x="2133600" y="1447800"/>
-            <a:ext cx="1066800" cy="609600"/>
-          </a:xfrm>
-          <a:prstGeom prst="flowChartPredefinedProcess">
+            <a:off x="685800" y="3581400"/>
+            <a:ext cx="1600200" cy="609600"/>
+          </a:xfrm>
+          <a:prstGeom prst="flowChartInputOutput">
             <a:avLst/>
           </a:prstGeom>
           <a:solidFill>
@@ -10246,75 +10465,46 @@
           <a:bodyPr rtlCol="0" anchor="ctr"/>
           <a:lstStyle/>
           <a:p>
-            <a:pPr lvl="0" algn="ctr"/>
+            <a:pPr algn="ctr"/>
             <a:r>
               <a:rPr lang="en-US" sz="1300" b="1" dirty="0" smtClean="0">
                 <a:solidFill>
-                  <a:prstClr val="black"/>
+                  <a:schemeClr val="tx1"/>
                 </a:solidFill>
               </a:rPr>
-              <a:t>WRESL Parser</a:t>
-            </a:r>
-            <a:endParaRPr lang="en-US" sz="1300" b="1" dirty="0">
-              <a:solidFill>
-                <a:prstClr val="white"/>
-              </a:solidFill>
-            </a:endParaRPr>
-          </a:p>
-        </p:txBody>
-      </p:sp>
-      <p:cxnSp>
-        <p:nvCxnSpPr>
-          <p:cNvPr id="42" name="Elbow Connector 41"/>
-          <p:cNvCxnSpPr>
-            <a:stCxn id="12" idx="3"/>
-            <a:endCxn id="15" idx="1"/>
-          </p:cNvCxnSpPr>
+              <a:t> 1</a:t>
+            </a:r>
+            <a:r>
+              <a:rPr lang="en-US" sz="1300" b="1" baseline="30000" dirty="0" smtClean="0">
+                <a:solidFill>
+                  <a:schemeClr val="tx1"/>
+                </a:solidFill>
+              </a:rPr>
+              <a:t>st</a:t>
+            </a:r>
+            <a:r>
+              <a:rPr lang="en-US" sz="1300" b="1" dirty="0" smtClean="0">
+                <a:solidFill>
+                  <a:schemeClr val="tx1"/>
+                </a:solidFill>
+              </a:rPr>
+              <a:t> Period</a:t>
+            </a:r>
+            <a:endParaRPr lang="en-US" sz="1300" b="1" dirty="0"/>
+          </a:p>
+        </p:txBody>
+      </p:sp>
+      <p:sp>
+        <p:nvSpPr>
+          <p:cNvPr id="30" name="Flowchart: Data 29"/>
+          <p:cNvSpPr>
+            <a:spLocks noChangeAspect="1"/>
+          </p:cNvSpPr>
           <p:nvPr/>
-        </p:nvCxnSpPr>
+        </p:nvSpPr>
         <p:spPr>
           <a:xfrm>
-            <a:off x="1905000" y="1752600"/>
-            <a:ext cx="228600" cy="1588"/>
-          </a:xfrm>
-          <a:prstGeom prst="bentConnector3">
-            <a:avLst>
-              <a:gd name="adj1" fmla="val 50000"/>
-            </a:avLst>
-          </a:prstGeom>
-          <a:ln w="28575" cmpd="sng">
-            <a:solidFill>
-              <a:schemeClr val="tx1"/>
-            </a:solidFill>
-            <a:tailEnd type="arrow"/>
-          </a:ln>
-        </p:spPr>
-        <p:style>
-          <a:lnRef idx="1">
-            <a:schemeClr val="accent1"/>
-          </a:lnRef>
-          <a:fillRef idx="0">
-            <a:schemeClr val="accent1"/>
-          </a:fillRef>
-          <a:effectRef idx="0">
-            <a:schemeClr val="accent1"/>
-          </a:effectRef>
-          <a:fontRef idx="minor">
-            <a:schemeClr val="tx1"/>
-          </a:fontRef>
-        </p:style>
-      </p:cxnSp>
-      <p:sp>
-        <p:nvSpPr>
-          <p:cNvPr id="17" name="Flowchart: Data 16"/>
-          <p:cNvSpPr>
-            <a:spLocks noChangeAspect="1"/>
-          </p:cNvSpPr>
-          <p:nvPr/>
-        </p:nvSpPr>
-        <p:spPr>
-          <a:xfrm>
-            <a:off x="685800" y="3581400"/>
+            <a:off x="685800" y="4267200"/>
             <a:ext cx="1600200" cy="609600"/>
           </a:xfrm>
           <a:prstGeom prst="flowChartInputOutput">
@@ -10378,7 +10568,7 @@
       </p:sp>
       <p:sp>
         <p:nvSpPr>
-          <p:cNvPr id="30" name="Flowchart: Data 29"/>
+          <p:cNvPr id="31" name="Flowchart: Data 30"/>
           <p:cNvSpPr>
             <a:spLocks noChangeAspect="1"/>
           </p:cNvSpPr>
@@ -10386,7 +10576,7 @@
         </p:nvSpPr>
         <p:spPr>
           <a:xfrm>
-            <a:off x="685800" y="4267200"/>
+            <a:off x="685800" y="4953000"/>
             <a:ext cx="1600200" cy="609600"/>
           </a:xfrm>
           <a:prstGeom prst="flowChartInputOutput">
@@ -10450,7 +10640,7 @@
       </p:sp>
       <p:sp>
         <p:nvSpPr>
-          <p:cNvPr id="31" name="Flowchart: Data 30"/>
+          <p:cNvPr id="32" name="Flowchart: Data 31"/>
           <p:cNvSpPr>
             <a:spLocks noChangeAspect="1"/>
           </p:cNvSpPr>
@@ -10458,7 +10648,7 @@
         </p:nvSpPr>
         <p:spPr>
           <a:xfrm>
-            <a:off x="685800" y="4953000"/>
+            <a:off x="685800" y="5638800"/>
             <a:ext cx="1600200" cy="609600"/>
           </a:xfrm>
           <a:prstGeom prst="flowChartInputOutput">
@@ -10522,7 +10712,7 @@
       </p:sp>
       <p:sp>
         <p:nvSpPr>
-          <p:cNvPr id="32" name="Flowchart: Data 31"/>
+          <p:cNvPr id="33" name="Flowchart: Predefined Process 32"/>
           <p:cNvSpPr>
             <a:spLocks noChangeAspect="1"/>
           </p:cNvSpPr>
@@ -10530,10 +10720,10 @@
         </p:nvSpPr>
         <p:spPr>
           <a:xfrm>
-            <a:off x="685800" y="5638800"/>
-            <a:ext cx="1600200" cy="609600"/>
-          </a:xfrm>
-          <a:prstGeom prst="flowChartInputOutput">
+            <a:off x="6858000" y="4419600"/>
+            <a:ext cx="1676400" cy="685800"/>
+          </a:xfrm>
+          <a:prstGeom prst="flowChartPredefinedProcess">
             <a:avLst/>
           </a:prstGeom>
           <a:solidFill>
@@ -10563,78 +10753,6 @@
           <a:bodyPr rtlCol="0" anchor="ctr"/>
           <a:lstStyle/>
           <a:p>
-            <a:pPr algn="ctr"/>
-            <a:r>
-              <a:rPr lang="en-US" sz="1300" b="1" dirty="0" smtClean="0">
-                <a:solidFill>
-                  <a:schemeClr val="tx1"/>
-                </a:solidFill>
-              </a:rPr>
-              <a:t> 1</a:t>
-            </a:r>
-            <a:r>
-              <a:rPr lang="en-US" sz="1300" b="1" baseline="30000" dirty="0" smtClean="0">
-                <a:solidFill>
-                  <a:schemeClr val="tx1"/>
-                </a:solidFill>
-              </a:rPr>
-              <a:t>st</a:t>
-            </a:r>
-            <a:r>
-              <a:rPr lang="en-US" sz="1300" b="1" dirty="0" smtClean="0">
-                <a:solidFill>
-                  <a:schemeClr val="tx1"/>
-                </a:solidFill>
-              </a:rPr>
-              <a:t> Period</a:t>
-            </a:r>
-            <a:endParaRPr lang="en-US" sz="1300" b="1" dirty="0"/>
-          </a:p>
-        </p:txBody>
-      </p:sp>
-      <p:sp>
-        <p:nvSpPr>
-          <p:cNvPr id="33" name="Flowchart: Predefined Process 32"/>
-          <p:cNvSpPr>
-            <a:spLocks noChangeAspect="1"/>
-          </p:cNvSpPr>
-          <p:nvPr/>
-        </p:nvSpPr>
-        <p:spPr>
-          <a:xfrm>
-            <a:off x="6858000" y="4419600"/>
-            <a:ext cx="1676400" cy="685800"/>
-          </a:xfrm>
-          <a:prstGeom prst="flowChartPredefinedProcess">
-            <a:avLst/>
-          </a:prstGeom>
-          <a:solidFill>
-            <a:schemeClr val="accent1">
-              <a:lumMod val="20000"/>
-              <a:lumOff val="80000"/>
-            </a:schemeClr>
-          </a:solidFill>
-        </p:spPr>
-        <p:style>
-          <a:lnRef idx="2">
-            <a:schemeClr val="accent1">
-              <a:shade val="50000"/>
-            </a:schemeClr>
-          </a:lnRef>
-          <a:fillRef idx="1">
-            <a:schemeClr val="accent1"/>
-          </a:fillRef>
-          <a:effectRef idx="0">
-            <a:schemeClr val="accent1"/>
-          </a:effectRef>
-          <a:fontRef idx="minor">
-            <a:schemeClr val="lt1"/>
-          </a:fontRef>
-        </p:style>
-        <p:txBody>
-          <a:bodyPr rtlCol="0" anchor="ctr"/>
-          <a:lstStyle/>
-          <a:p>
             <a:pPr lvl="0" algn="ctr"/>
             <a:r>
               <a:rPr lang="en-US" sz="1300" b="1" dirty="0" smtClean="0">
@@ -10668,105 +10786,6 @@
           </a:p>
         </p:txBody>
       </p:sp>
-      <p:sp>
-        <p:nvSpPr>
-          <p:cNvPr id="37" name="Flowchart: Process 36"/>
-          <p:cNvSpPr/>
-          <p:nvPr/>
-        </p:nvSpPr>
-        <p:spPr>
-          <a:xfrm>
-            <a:off x="3429000" y="1447800"/>
-            <a:ext cx="1752600" cy="609600"/>
-          </a:xfrm>
-          <a:prstGeom prst="flowChartProcess">
-            <a:avLst/>
-          </a:prstGeom>
-          <a:solidFill>
-            <a:schemeClr val="accent1">
-              <a:lumMod val="20000"/>
-              <a:lumOff val="80000"/>
-            </a:schemeClr>
-          </a:solidFill>
-        </p:spPr>
-        <p:style>
-          <a:lnRef idx="2">
-            <a:schemeClr val="accent1">
-              <a:shade val="50000"/>
-            </a:schemeClr>
-          </a:lnRef>
-          <a:fillRef idx="1">
-            <a:schemeClr val="accent1"/>
-          </a:fillRef>
-          <a:effectRef idx="0">
-            <a:schemeClr val="accent1"/>
-          </a:effectRef>
-          <a:fontRef idx="minor">
-            <a:schemeClr val="lt1"/>
-          </a:fontRef>
-        </p:style>
-        <p:txBody>
-          <a:bodyPr rtlCol="0" anchor="ctr"/>
-          <a:lstStyle/>
-          <a:p>
-            <a:pPr lvl="0" algn="ctr"/>
-            <a:r>
-              <a:rPr lang="en-US" sz="1300" b="1" dirty="0" smtClean="0">
-                <a:solidFill>
-                  <a:prstClr val="black"/>
-                </a:solidFill>
-              </a:rPr>
-              <a:t>Solving for Multi-period Optimization Simultaneously </a:t>
-            </a:r>
-            <a:endParaRPr lang="en-US" sz="1300" b="1" dirty="0">
-              <a:solidFill>
-                <a:prstClr val="white"/>
-              </a:solidFill>
-            </a:endParaRPr>
-          </a:p>
-        </p:txBody>
-      </p:sp>
-      <p:cxnSp>
-        <p:nvCxnSpPr>
-          <p:cNvPr id="49" name="Elbow Connector 48"/>
-          <p:cNvCxnSpPr>
-            <a:stCxn id="15" idx="3"/>
-            <a:endCxn id="37" idx="1"/>
-          </p:cNvCxnSpPr>
-          <p:nvPr/>
-        </p:nvCxnSpPr>
-        <p:spPr>
-          <a:xfrm>
-            <a:off x="3200400" y="1752600"/>
-            <a:ext cx="228600" cy="1588"/>
-          </a:xfrm>
-          <a:prstGeom prst="bentConnector3">
-            <a:avLst>
-              <a:gd name="adj1" fmla="val 50000"/>
-            </a:avLst>
-          </a:prstGeom>
-          <a:ln w="28575" cmpd="sng">
-            <a:solidFill>
-              <a:schemeClr val="tx1"/>
-            </a:solidFill>
-            <a:tailEnd type="arrow"/>
-          </a:ln>
-        </p:spPr>
-        <p:style>
-          <a:lnRef idx="1">
-            <a:schemeClr val="accent1"/>
-          </a:lnRef>
-          <a:fillRef idx="0">
-            <a:schemeClr val="accent1"/>
-          </a:fillRef>
-          <a:effectRef idx="0">
-            <a:schemeClr val="accent1"/>
-          </a:effectRef>
-          <a:fontRef idx="minor">
-            <a:schemeClr val="tx1"/>
-          </a:fontRef>
-        </p:style>
-      </p:cxnSp>
       <p:sp>
         <p:nvSpPr>
           <p:cNvPr id="65" name="Flowchart: Process 64"/>
@@ -10852,7 +10871,7 @@
       </p:grpSpPr>
       <p:sp>
         <p:nvSpPr>
-          <p:cNvPr id="10" name="Flowchart: Data 9"/>
+          <p:cNvPr id="18" name="Flowchart: Document 17"/>
           <p:cNvSpPr>
             <a:spLocks noChangeAspect="1"/>
           </p:cNvSpPr>
@@ -10860,124 +10879,8 @@
         </p:nvSpPr>
         <p:spPr>
           <a:xfrm>
-            <a:off x="7086600" y="1524000"/>
-            <a:ext cx="1143000" cy="609600"/>
-          </a:xfrm>
-          <a:prstGeom prst="flowChartInputOutput">
-            <a:avLst/>
-          </a:prstGeom>
-          <a:solidFill>
-            <a:schemeClr val="accent1">
-              <a:lumMod val="20000"/>
-              <a:lumOff val="80000"/>
-            </a:schemeClr>
-          </a:solidFill>
-        </p:spPr>
-        <p:style>
-          <a:lnRef idx="2">
-            <a:schemeClr val="accent1">
-              <a:shade val="50000"/>
-            </a:schemeClr>
-          </a:lnRef>
-          <a:fillRef idx="1">
-            <a:schemeClr val="accent1"/>
-          </a:fillRef>
-          <a:effectRef idx="0">
-            <a:schemeClr val="accent1"/>
-          </a:effectRef>
-          <a:fontRef idx="minor">
-            <a:schemeClr val="lt1"/>
-          </a:fontRef>
-        </p:style>
-        <p:txBody>
-          <a:bodyPr rtlCol="0" anchor="ctr"/>
-          <a:lstStyle/>
-          <a:p>
-            <a:pPr algn="ctr"/>
-            <a:r>
-              <a:rPr lang="en-US" sz="1300" b="1" dirty="0" smtClean="0">
-                <a:solidFill>
-                  <a:schemeClr val="tx1"/>
-                </a:solidFill>
-              </a:rPr>
-              <a:t>Output</a:t>
-            </a:r>
-            <a:endParaRPr lang="en-US" sz="1300" b="1" dirty="0"/>
-          </a:p>
-        </p:txBody>
-      </p:sp>
-      <p:sp>
-        <p:nvSpPr>
-          <p:cNvPr id="12" name="Flowchart: Document 11"/>
-          <p:cNvSpPr>
-            <a:spLocks noChangeAspect="1"/>
-          </p:cNvSpPr>
-          <p:nvPr/>
-        </p:nvSpPr>
-        <p:spPr>
-          <a:xfrm>
-            <a:off x="1219200" y="1524000"/>
-            <a:ext cx="1066800" cy="609600"/>
-          </a:xfrm>
-          <a:prstGeom prst="flowChartDocument">
-            <a:avLst/>
-          </a:prstGeom>
-          <a:solidFill>
-            <a:schemeClr val="accent1">
-              <a:lumMod val="20000"/>
-              <a:lumOff val="80000"/>
-            </a:schemeClr>
-          </a:solidFill>
-        </p:spPr>
-        <p:style>
-          <a:lnRef idx="2">
-            <a:schemeClr val="accent1">
-              <a:shade val="50000"/>
-            </a:schemeClr>
-          </a:lnRef>
-          <a:fillRef idx="1">
-            <a:schemeClr val="accent1"/>
-          </a:fillRef>
-          <a:effectRef idx="0">
-            <a:schemeClr val="accent1"/>
-          </a:effectRef>
-          <a:fontRef idx="minor">
-            <a:schemeClr val="lt1"/>
-          </a:fontRef>
-        </p:style>
-        <p:txBody>
-          <a:bodyPr rtlCol="0" anchor="ctr"/>
-          <a:lstStyle/>
-          <a:p>
-            <a:pPr lvl="0" algn="ctr"/>
-            <a:r>
-              <a:rPr lang="en-US" sz="1300" b="1" dirty="0" smtClean="0">
-                <a:solidFill>
-                  <a:prstClr val="black"/>
-                </a:solidFill>
-              </a:rPr>
-              <a:t>WRESL Input Files</a:t>
-            </a:r>
-            <a:endParaRPr lang="en-US" sz="1300" b="1" dirty="0">
-              <a:solidFill>
-                <a:prstClr val="white"/>
-              </a:solidFill>
-            </a:endParaRPr>
-          </a:p>
-        </p:txBody>
-      </p:sp>
-      <p:sp>
-        <p:nvSpPr>
-          <p:cNvPr id="14" name="Flowchart: Document 13"/>
-          <p:cNvSpPr>
-            <a:spLocks noChangeAspect="1"/>
-          </p:cNvSpPr>
-          <p:nvPr/>
-        </p:nvSpPr>
-        <p:spPr>
-          <a:xfrm>
-            <a:off x="5105400" y="2895600"/>
-            <a:ext cx="1066800" cy="609600"/>
+            <a:off x="3657600" y="2438400"/>
+            <a:ext cx="1219200" cy="609600"/>
           </a:xfrm>
           <a:prstGeom prst="flowChartDocument">
             <a:avLst/>
@@ -11021,7 +10924,7 @@
                   <a:prstClr val="black"/>
                 </a:solidFill>
               </a:rPr>
-              <a:t>MPS File</a:t>
+              <a:t>Configuration File</a:t>
             </a:r>
             <a:endParaRPr lang="en-US" sz="1300" b="1" dirty="0">
               <a:solidFill>
@@ -11033,18 +10936,16 @@
       </p:sp>
       <p:sp>
         <p:nvSpPr>
-          <p:cNvPr id="16" name="Flowchart: Predefined Process 15"/>
-          <p:cNvSpPr>
-            <a:spLocks noChangeAspect="1"/>
-          </p:cNvSpPr>
+          <p:cNvPr id="19" name="Flowchart: Process 18"/>
+          <p:cNvSpPr/>
           <p:nvPr/>
         </p:nvSpPr>
         <p:spPr>
           <a:xfrm>
-            <a:off x="5562600" y="1524000"/>
-            <a:ext cx="1219200" cy="609600"/>
-          </a:xfrm>
-          <a:prstGeom prst="flowChartPredefinedProcess">
+            <a:off x="5410200" y="2438400"/>
+            <a:ext cx="990600" cy="609600"/>
+          </a:xfrm>
+          <a:prstGeom prst="flowChartProcess">
             <a:avLst/>
           </a:prstGeom>
           <a:solidFill>
@@ -11081,7 +10982,7 @@
                   <a:prstClr val="black"/>
                 </a:solidFill>
               </a:rPr>
-              <a:t>LP Solver</a:t>
+              <a:t>WRIMS Engine</a:t>
             </a:r>
             <a:endParaRPr lang="en-US" sz="1300" b="1" dirty="0">
               <a:solidFill>
@@ -11091,627 +10992,19 @@
           </a:p>
         </p:txBody>
       </p:sp>
-      <p:sp>
-        <p:nvSpPr>
-          <p:cNvPr id="20" name="Flowchart: Data 19"/>
-          <p:cNvSpPr>
-            <a:spLocks noChangeAspect="1"/>
-          </p:cNvSpPr>
-          <p:nvPr/>
-        </p:nvSpPr>
-        <p:spPr>
-          <a:xfrm>
-            <a:off x="2438400" y="2514600"/>
-            <a:ext cx="1600200" cy="609600"/>
-          </a:xfrm>
-          <a:prstGeom prst="flowChartInputOutput">
-            <a:avLst/>
-          </a:prstGeom>
-          <a:solidFill>
-            <a:schemeClr val="accent1">
-              <a:lumMod val="20000"/>
-              <a:lumOff val="80000"/>
-            </a:schemeClr>
-          </a:solidFill>
-        </p:spPr>
-        <p:style>
-          <a:lnRef idx="2">
-            <a:schemeClr val="accent1">
-              <a:shade val="50000"/>
-            </a:schemeClr>
-          </a:lnRef>
-          <a:fillRef idx="1">
-            <a:schemeClr val="accent1"/>
-          </a:fillRef>
-          <a:effectRef idx="0">
-            <a:schemeClr val="accent1"/>
-          </a:effectRef>
-          <a:fontRef idx="minor">
-            <a:schemeClr val="lt1"/>
-          </a:fontRef>
-        </p:style>
-        <p:txBody>
-          <a:bodyPr rtlCol="0" anchor="ctr"/>
-          <a:lstStyle/>
-          <a:p>
-            <a:pPr algn="ctr"/>
-            <a:r>
-              <a:rPr lang="en-US" sz="1300" b="1" dirty="0" smtClean="0">
-                <a:solidFill>
-                  <a:schemeClr val="tx1"/>
-                </a:solidFill>
-              </a:rPr>
-              <a:t>Additional Inputs</a:t>
-            </a:r>
-            <a:endParaRPr lang="en-US" sz="1300" b="1" dirty="0"/>
-          </a:p>
-        </p:txBody>
-      </p:sp>
-      <p:sp>
-        <p:nvSpPr>
-          <p:cNvPr id="15" name="Flowchart: Predefined Process 14"/>
-          <p:cNvSpPr>
-            <a:spLocks noChangeAspect="1"/>
-          </p:cNvSpPr>
-          <p:nvPr/>
-        </p:nvSpPr>
-        <p:spPr>
-          <a:xfrm>
-            <a:off x="2590800" y="1524000"/>
-            <a:ext cx="1295400" cy="609600"/>
-          </a:xfrm>
-          <a:prstGeom prst="flowChartPredefinedProcess">
-            <a:avLst/>
-          </a:prstGeom>
-          <a:solidFill>
-            <a:schemeClr val="accent1">
-              <a:lumMod val="20000"/>
-              <a:lumOff val="80000"/>
-            </a:schemeClr>
-          </a:solidFill>
-        </p:spPr>
-        <p:style>
-          <a:lnRef idx="2">
-            <a:schemeClr val="accent1">
-              <a:shade val="50000"/>
-            </a:schemeClr>
-          </a:lnRef>
-          <a:fillRef idx="1">
-            <a:schemeClr val="accent1"/>
-          </a:fillRef>
-          <a:effectRef idx="0">
-            <a:schemeClr val="accent1"/>
-          </a:effectRef>
-          <a:fontRef idx="minor">
-            <a:schemeClr val="lt1"/>
-          </a:fontRef>
-        </p:style>
-        <p:txBody>
-          <a:bodyPr rtlCol="0" anchor="ctr"/>
-          <a:lstStyle/>
-          <a:p>
-            <a:pPr lvl="0" algn="ctr"/>
-            <a:r>
-              <a:rPr lang="en-US" sz="1300" b="1" dirty="0" smtClean="0">
-                <a:solidFill>
-                  <a:prstClr val="black"/>
-                </a:solidFill>
-              </a:rPr>
-              <a:t>WRESL Parser</a:t>
-            </a:r>
-            <a:endParaRPr lang="en-US" sz="1300" b="1" dirty="0">
-              <a:solidFill>
-                <a:prstClr val="white"/>
-              </a:solidFill>
-            </a:endParaRPr>
-          </a:p>
-        </p:txBody>
-      </p:sp>
-      <p:cxnSp>
-        <p:nvCxnSpPr>
-          <p:cNvPr id="29" name="Elbow Connector 28"/>
-          <p:cNvCxnSpPr>
-            <a:stCxn id="15" idx="3"/>
-            <a:endCxn id="14" idx="1"/>
-          </p:cNvCxnSpPr>
-          <p:nvPr/>
-        </p:nvCxnSpPr>
-        <p:spPr>
-          <a:xfrm>
-            <a:off x="3886200" y="1828800"/>
-            <a:ext cx="1219200" cy="1371600"/>
-          </a:xfrm>
-          <a:prstGeom prst="bentConnector3">
-            <a:avLst>
-              <a:gd name="adj1" fmla="val 50000"/>
-            </a:avLst>
-          </a:prstGeom>
-          <a:ln w="28575" cmpd="sng">
-            <a:solidFill>
-              <a:schemeClr val="tx1"/>
-            </a:solidFill>
-            <a:tailEnd type="arrow"/>
-          </a:ln>
-        </p:spPr>
-        <p:style>
-          <a:lnRef idx="1">
-            <a:schemeClr val="accent1"/>
-          </a:lnRef>
-          <a:fillRef idx="0">
-            <a:schemeClr val="accent1"/>
-          </a:fillRef>
-          <a:effectRef idx="0">
-            <a:schemeClr val="accent1"/>
-          </a:effectRef>
-          <a:fontRef idx="minor">
-            <a:schemeClr val="tx1"/>
-          </a:fontRef>
-        </p:style>
-      </p:cxnSp>
-      <p:cxnSp>
-        <p:nvCxnSpPr>
-          <p:cNvPr id="34" name="Elbow Connector 33"/>
-          <p:cNvCxnSpPr>
-            <a:stCxn id="14" idx="3"/>
-            <a:endCxn id="16" idx="1"/>
-          </p:cNvCxnSpPr>
-          <p:nvPr/>
-        </p:nvCxnSpPr>
-        <p:spPr>
-          <a:xfrm flipH="1" flipV="1">
-            <a:off x="5562600" y="1828800"/>
-            <a:ext cx="609600" cy="1371600"/>
-          </a:xfrm>
-          <a:prstGeom prst="bentConnector5">
-            <a:avLst>
-              <a:gd name="adj1" fmla="val -37500"/>
-              <a:gd name="adj2" fmla="val 50000"/>
-              <a:gd name="adj3" fmla="val 137500"/>
-            </a:avLst>
-          </a:prstGeom>
-          <a:ln w="28575" cmpd="sng">
-            <a:solidFill>
-              <a:schemeClr val="tx1"/>
-            </a:solidFill>
-            <a:tailEnd type="arrow"/>
-          </a:ln>
-        </p:spPr>
-        <p:style>
-          <a:lnRef idx="1">
-            <a:schemeClr val="accent1"/>
-          </a:lnRef>
-          <a:fillRef idx="0">
-            <a:schemeClr val="accent1"/>
-          </a:fillRef>
-          <a:effectRef idx="0">
-            <a:schemeClr val="accent1"/>
-          </a:effectRef>
-          <a:fontRef idx="minor">
-            <a:schemeClr val="tx1"/>
-          </a:fontRef>
-        </p:style>
-      </p:cxnSp>
-      <p:cxnSp>
-        <p:nvCxnSpPr>
-          <p:cNvPr id="38" name="Elbow Connector 37"/>
-          <p:cNvCxnSpPr>
-            <a:stCxn id="16" idx="3"/>
-            <a:endCxn id="10" idx="2"/>
-          </p:cNvCxnSpPr>
-          <p:nvPr/>
-        </p:nvCxnSpPr>
-        <p:spPr>
-          <a:xfrm>
-            <a:off x="6781800" y="1828800"/>
-            <a:ext cx="419100" cy="1588"/>
-          </a:xfrm>
-          <a:prstGeom prst="bentConnector3">
-            <a:avLst>
-              <a:gd name="adj1" fmla="val 50000"/>
-            </a:avLst>
-          </a:prstGeom>
-          <a:ln w="28575" cmpd="sng">
-            <a:solidFill>
-              <a:schemeClr val="tx1"/>
-            </a:solidFill>
-            <a:tailEnd type="arrow"/>
-          </a:ln>
-        </p:spPr>
-        <p:style>
-          <a:lnRef idx="1">
-            <a:schemeClr val="accent1"/>
-          </a:lnRef>
-          <a:fillRef idx="0">
-            <a:schemeClr val="accent1"/>
-          </a:fillRef>
-          <a:effectRef idx="0">
-            <a:schemeClr val="accent1"/>
-          </a:effectRef>
-          <a:fontRef idx="minor">
-            <a:schemeClr val="tx1"/>
-          </a:fontRef>
-        </p:style>
-      </p:cxnSp>
-      <p:cxnSp>
-        <p:nvCxnSpPr>
-          <p:cNvPr id="42" name="Elbow Connector 41"/>
-          <p:cNvCxnSpPr>
-            <a:stCxn id="12" idx="3"/>
-            <a:endCxn id="15" idx="1"/>
-          </p:cNvCxnSpPr>
-          <p:nvPr/>
-        </p:nvCxnSpPr>
-        <p:spPr>
-          <a:xfrm>
-            <a:off x="2286000" y="1828800"/>
-            <a:ext cx="304800" cy="1588"/>
-          </a:xfrm>
-          <a:prstGeom prst="bentConnector3">
-            <a:avLst>
-              <a:gd name="adj1" fmla="val 50000"/>
-            </a:avLst>
-          </a:prstGeom>
-          <a:ln w="28575" cmpd="sng">
-            <a:solidFill>
-              <a:schemeClr val="tx1"/>
-            </a:solidFill>
-            <a:tailEnd type="arrow"/>
-          </a:ln>
-        </p:spPr>
-        <p:style>
-          <a:lnRef idx="1">
-            <a:schemeClr val="accent1"/>
-          </a:lnRef>
-          <a:fillRef idx="0">
-            <a:schemeClr val="accent1"/>
-          </a:fillRef>
-          <a:effectRef idx="0">
-            <a:schemeClr val="accent1"/>
-          </a:effectRef>
-          <a:fontRef idx="minor">
-            <a:schemeClr val="tx1"/>
-          </a:fontRef>
-        </p:style>
-      </p:cxnSp>
-      <p:cxnSp>
-        <p:nvCxnSpPr>
-          <p:cNvPr id="45" name="Elbow Connector 44"/>
-          <p:cNvCxnSpPr>
-            <a:stCxn id="20" idx="1"/>
-            <a:endCxn id="15" idx="2"/>
-          </p:cNvCxnSpPr>
-          <p:nvPr/>
-        </p:nvCxnSpPr>
-        <p:spPr>
-          <a:xfrm rot="5400000" flipH="1" flipV="1">
-            <a:off x="3048000" y="2324100"/>
-            <a:ext cx="381000" cy="1588"/>
-          </a:xfrm>
-          <a:prstGeom prst="bentConnector3">
-            <a:avLst>
-              <a:gd name="adj1" fmla="val 50000"/>
-            </a:avLst>
-          </a:prstGeom>
-          <a:ln w="28575" cmpd="sng">
-            <a:solidFill>
-              <a:schemeClr val="tx1"/>
-            </a:solidFill>
-            <a:tailEnd type="arrow"/>
-          </a:ln>
-        </p:spPr>
-        <p:style>
-          <a:lnRef idx="1">
-            <a:schemeClr val="accent1"/>
-          </a:lnRef>
-          <a:fillRef idx="0">
-            <a:schemeClr val="accent1"/>
-          </a:fillRef>
-          <a:effectRef idx="0">
-            <a:schemeClr val="accent1"/>
-          </a:effectRef>
-          <a:fontRef idx="minor">
-            <a:schemeClr val="tx1"/>
-          </a:fontRef>
-        </p:style>
-      </p:cxnSp>
-      <p:cxnSp>
-        <p:nvCxnSpPr>
-          <p:cNvPr id="48" name="Elbow Connector 47"/>
-          <p:cNvCxnSpPr>
-            <a:stCxn id="10" idx="3"/>
-            <a:endCxn id="20" idx="5"/>
-          </p:cNvCxnSpPr>
-          <p:nvPr/>
-        </p:nvCxnSpPr>
-        <p:spPr>
-          <a:xfrm rot="5400000">
-            <a:off x="5368290" y="643890"/>
-            <a:ext cx="685800" cy="3665220"/>
-          </a:xfrm>
-          <a:prstGeom prst="bentConnector2">
-            <a:avLst/>
-          </a:prstGeom>
-          <a:ln w="28575" cmpd="sng">
-            <a:solidFill>
-              <a:schemeClr val="tx1"/>
-            </a:solidFill>
-            <a:tailEnd type="arrow"/>
-          </a:ln>
-        </p:spPr>
-        <p:style>
-          <a:lnRef idx="1">
-            <a:schemeClr val="accent1"/>
-          </a:lnRef>
-          <a:fillRef idx="0">
-            <a:schemeClr val="accent1"/>
-          </a:fillRef>
-          <a:effectRef idx="0">
-            <a:schemeClr val="accent1"/>
-          </a:effectRef>
-          <a:fontRef idx="minor">
-            <a:schemeClr val="tx1"/>
-          </a:fontRef>
-        </p:style>
-      </p:cxnSp>
-      <p:sp>
-        <p:nvSpPr>
-          <p:cNvPr id="17" name="Flowchart: Process 16"/>
-          <p:cNvSpPr/>
-          <p:nvPr/>
-        </p:nvSpPr>
-        <p:spPr>
-          <a:xfrm>
-            <a:off x="914400" y="4419600"/>
-            <a:ext cx="990600" cy="762000"/>
-          </a:xfrm>
-          <a:prstGeom prst="flowChartProcess">
-            <a:avLst/>
-          </a:prstGeom>
-          <a:solidFill>
-            <a:schemeClr val="accent1">
-              <a:lumMod val="20000"/>
-              <a:lumOff val="80000"/>
-            </a:schemeClr>
-          </a:solidFill>
-        </p:spPr>
-        <p:style>
-          <a:lnRef idx="2">
-            <a:schemeClr val="accent1">
-              <a:shade val="50000"/>
-            </a:schemeClr>
-          </a:lnRef>
-          <a:fillRef idx="1">
-            <a:schemeClr val="accent1"/>
-          </a:fillRef>
-          <a:effectRef idx="0">
-            <a:schemeClr val="accent1"/>
-          </a:effectRef>
-          <a:fontRef idx="minor">
-            <a:schemeClr val="lt1"/>
-          </a:fontRef>
-        </p:style>
-        <p:txBody>
-          <a:bodyPr rtlCol="0" anchor="ctr"/>
-          <a:lstStyle/>
-          <a:p>
-            <a:pPr lvl="0" algn="ctr"/>
-            <a:r>
-              <a:rPr lang="en-US" sz="1300" b="1" dirty="0" smtClean="0">
-                <a:solidFill>
-                  <a:prstClr val="black"/>
-                </a:solidFill>
-              </a:rPr>
-              <a:t>WRIMS Controller GUI</a:t>
-            </a:r>
-            <a:endParaRPr lang="en-US" sz="1300" b="1" dirty="0">
-              <a:solidFill>
-                <a:prstClr val="white"/>
-              </a:solidFill>
-            </a:endParaRPr>
-          </a:p>
-        </p:txBody>
-      </p:sp>
-      <p:sp>
-        <p:nvSpPr>
-          <p:cNvPr id="18" name="Flowchart: Document 17"/>
-          <p:cNvSpPr>
-            <a:spLocks noChangeAspect="1"/>
-          </p:cNvSpPr>
-          <p:nvPr/>
-        </p:nvSpPr>
-        <p:spPr>
-          <a:xfrm>
-            <a:off x="2743200" y="5029200"/>
-            <a:ext cx="1219200" cy="609600"/>
-          </a:xfrm>
-          <a:prstGeom prst="flowChartDocument">
-            <a:avLst/>
-          </a:prstGeom>
-          <a:solidFill>
-            <a:schemeClr val="accent2">
-              <a:lumMod val="20000"/>
-              <a:lumOff val="80000"/>
-            </a:schemeClr>
-          </a:solidFill>
-          <a:ln>
-            <a:solidFill>
-              <a:schemeClr val="accent2"/>
-            </a:solidFill>
-          </a:ln>
-        </p:spPr>
-        <p:style>
-          <a:lnRef idx="2">
-            <a:schemeClr val="accent1">
-              <a:shade val="50000"/>
-            </a:schemeClr>
-          </a:lnRef>
-          <a:fillRef idx="1">
-            <a:schemeClr val="accent1"/>
-          </a:fillRef>
-          <a:effectRef idx="0">
-            <a:schemeClr val="accent1"/>
-          </a:effectRef>
-          <a:fontRef idx="minor">
-            <a:schemeClr val="lt1"/>
-          </a:fontRef>
-        </p:style>
-        <p:txBody>
-          <a:bodyPr rtlCol="0" anchor="ctr"/>
-          <a:lstStyle/>
-          <a:p>
-            <a:pPr lvl="0" algn="ctr"/>
-            <a:r>
-              <a:rPr lang="en-US" sz="1300" b="1" dirty="0" smtClean="0">
-                <a:solidFill>
-                  <a:prstClr val="black"/>
-                </a:solidFill>
-              </a:rPr>
-              <a:t>Configuration File</a:t>
-            </a:r>
-            <a:endParaRPr lang="en-US" sz="1300" b="1" dirty="0">
-              <a:solidFill>
-                <a:prstClr val="white"/>
-              </a:solidFill>
-            </a:endParaRPr>
-          </a:p>
-        </p:txBody>
-      </p:sp>
-      <p:sp>
-        <p:nvSpPr>
-          <p:cNvPr id="19" name="Flowchart: Process 18"/>
-          <p:cNvSpPr/>
-          <p:nvPr/>
-        </p:nvSpPr>
-        <p:spPr>
-          <a:xfrm>
-            <a:off x="4495800" y="5029200"/>
-            <a:ext cx="990600" cy="609600"/>
-          </a:xfrm>
-          <a:prstGeom prst="flowChartProcess">
-            <a:avLst/>
-          </a:prstGeom>
-          <a:solidFill>
-            <a:schemeClr val="accent1">
-              <a:lumMod val="20000"/>
-              <a:lumOff val="80000"/>
-            </a:schemeClr>
-          </a:solidFill>
-        </p:spPr>
-        <p:style>
-          <a:lnRef idx="2">
-            <a:schemeClr val="accent1">
-              <a:shade val="50000"/>
-            </a:schemeClr>
-          </a:lnRef>
-          <a:fillRef idx="1">
-            <a:schemeClr val="accent1"/>
-          </a:fillRef>
-          <a:effectRef idx="0">
-            <a:schemeClr val="accent1"/>
-          </a:effectRef>
-          <a:fontRef idx="minor">
-            <a:schemeClr val="lt1"/>
-          </a:fontRef>
-        </p:style>
-        <p:txBody>
-          <a:bodyPr rtlCol="0" anchor="ctr"/>
-          <a:lstStyle/>
-          <a:p>
-            <a:pPr lvl="0" algn="ctr"/>
-            <a:r>
-              <a:rPr lang="en-US" sz="1300" b="1" dirty="0" smtClean="0">
-                <a:solidFill>
-                  <a:prstClr val="black"/>
-                </a:solidFill>
-              </a:rPr>
-              <a:t>WRIMS Engine</a:t>
-            </a:r>
-            <a:endParaRPr lang="en-US" sz="1300" b="1" dirty="0">
-              <a:solidFill>
-                <a:prstClr val="white"/>
-              </a:solidFill>
-            </a:endParaRPr>
-          </a:p>
-        </p:txBody>
-      </p:sp>
-      <p:sp>
-        <p:nvSpPr>
-          <p:cNvPr id="23" name="Flowchart: Document 22"/>
-          <p:cNvSpPr>
-            <a:spLocks noChangeAspect="1"/>
-          </p:cNvSpPr>
-          <p:nvPr/>
-        </p:nvSpPr>
-        <p:spPr>
-          <a:xfrm>
-            <a:off x="2209800" y="3276600"/>
-            <a:ext cx="1066800" cy="609600"/>
-          </a:xfrm>
-          <a:prstGeom prst="flowChartDocument">
-            <a:avLst/>
-          </a:prstGeom>
-          <a:solidFill>
-            <a:schemeClr val="accent2">
-              <a:lumMod val="20000"/>
-              <a:lumOff val="80000"/>
-            </a:schemeClr>
-          </a:solidFill>
-          <a:ln>
-            <a:solidFill>
-              <a:schemeClr val="accent2"/>
-            </a:solidFill>
-          </a:ln>
-        </p:spPr>
-        <p:style>
-          <a:lnRef idx="2">
-            <a:schemeClr val="accent1">
-              <a:shade val="50000"/>
-            </a:schemeClr>
-          </a:lnRef>
-          <a:fillRef idx="1">
-            <a:schemeClr val="accent1"/>
-          </a:fillRef>
-          <a:effectRef idx="0">
-            <a:schemeClr val="accent1"/>
-          </a:effectRef>
-          <a:fontRef idx="minor">
-            <a:schemeClr val="lt1"/>
-          </a:fontRef>
-        </p:style>
-        <p:txBody>
-          <a:bodyPr rtlCol="0" anchor="ctr"/>
-          <a:lstStyle/>
-          <a:p>
-            <a:pPr lvl="0" algn="ctr"/>
-            <a:r>
-              <a:rPr lang="en-US" sz="1300" b="1" dirty="0" smtClean="0">
-                <a:solidFill>
-                  <a:prstClr val="black"/>
-                </a:solidFill>
-              </a:rPr>
-              <a:t>MPS File</a:t>
-            </a:r>
-            <a:endParaRPr lang="en-US" sz="1300" b="1" dirty="0">
-              <a:solidFill>
-                <a:prstClr val="white"/>
-              </a:solidFill>
-            </a:endParaRPr>
-          </a:p>
-        </p:txBody>
-      </p:sp>
       <p:cxnSp>
         <p:nvCxnSpPr>
           <p:cNvPr id="24" name="Elbow Connector 23"/>
           <p:cNvCxnSpPr>
-            <a:stCxn id="17" idx="3"/>
+            <a:stCxn id="22" idx="3"/>
             <a:endCxn id="18" idx="1"/>
           </p:cNvCxnSpPr>
           <p:nvPr/>
         </p:nvCxnSpPr>
         <p:spPr>
           <a:xfrm>
-            <a:off x="1905000" y="4800600"/>
-            <a:ext cx="838200" cy="533400"/>
+            <a:off x="2819400" y="1905000"/>
+            <a:ext cx="838200" cy="838200"/>
           </a:xfrm>
           <a:prstGeom prst="bentConnector3">
             <a:avLst>
@@ -11751,7 +11044,7 @@
         </p:nvCxnSpPr>
         <p:spPr>
           <a:xfrm>
-            <a:off x="3962400" y="5334000"/>
+            <a:off x="4876800" y="2743200"/>
             <a:ext cx="533400" cy="1588"/>
           </a:xfrm>
           <a:prstGeom prst="bentConnector3">
@@ -11789,8 +11082,8 @@
         </p:nvSpPr>
         <p:spPr>
           <a:xfrm>
-            <a:off x="914400" y="5486400"/>
-            <a:ext cx="990600" cy="609600"/>
+            <a:off x="1295400" y="3276600"/>
+            <a:ext cx="1524000" cy="609600"/>
           </a:xfrm>
           <a:prstGeom prst="flowChartProcess">
             <a:avLst/>
@@ -11829,7 +11122,15 @@
                   <a:prstClr val="black"/>
                 </a:solidFill>
               </a:rPr>
-              <a:t>User’s Script</a:t>
+              <a:t>User’s Own </a:t>
+            </a:r>
+            <a:r>
+              <a:rPr lang="en-US" sz="1300" b="1" dirty="0" smtClean="0">
+                <a:solidFill>
+                  <a:prstClr val="black"/>
+                </a:solidFill>
+              </a:rPr>
+              <a:t>Script</a:t>
             </a:r>
             <a:endParaRPr lang="en-US" sz="1300" b="1" dirty="0">
               <a:solidFill>
@@ -11850,8 +11151,181 @@
         </p:nvCxnSpPr>
         <p:spPr>
           <a:xfrm flipV="1">
-            <a:off x="1905000" y="5334000"/>
-            <a:ext cx="838200" cy="457200"/>
+            <a:off x="2819400" y="2743200"/>
+            <a:ext cx="838200" cy="838200"/>
+          </a:xfrm>
+          <a:prstGeom prst="bentConnector3">
+            <a:avLst>
+              <a:gd name="adj1" fmla="val 50000"/>
+            </a:avLst>
+          </a:prstGeom>
+          <a:ln w="28575" cmpd="sng">
+            <a:solidFill>
+              <a:schemeClr val="tx1"/>
+            </a:solidFill>
+            <a:tailEnd type="arrow"/>
+          </a:ln>
+        </p:spPr>
+        <p:style>
+          <a:lnRef idx="1">
+            <a:schemeClr val="accent1"/>
+          </a:lnRef>
+          <a:fillRef idx="0">
+            <a:schemeClr val="accent1"/>
+          </a:fillRef>
+          <a:effectRef idx="0">
+            <a:schemeClr val="accent1"/>
+          </a:effectRef>
+          <a:fontRef idx="minor">
+            <a:schemeClr val="tx1"/>
+          </a:fontRef>
+        </p:style>
+      </p:cxnSp>
+      <p:sp>
+        <p:nvSpPr>
+          <p:cNvPr id="22" name="Flowchart: Process 21"/>
+          <p:cNvSpPr/>
+          <p:nvPr/>
+        </p:nvSpPr>
+        <p:spPr>
+          <a:xfrm>
+            <a:off x="1676400" y="1600200"/>
+            <a:ext cx="1143000" cy="609600"/>
+          </a:xfrm>
+          <a:prstGeom prst="flowChartProcess">
+            <a:avLst/>
+          </a:prstGeom>
+          <a:solidFill>
+            <a:schemeClr val="accent1">
+              <a:lumMod val="20000"/>
+              <a:lumOff val="80000"/>
+            </a:schemeClr>
+          </a:solidFill>
+        </p:spPr>
+        <p:style>
+          <a:lnRef idx="2">
+            <a:schemeClr val="accent1">
+              <a:shade val="50000"/>
+            </a:schemeClr>
+          </a:lnRef>
+          <a:fillRef idx="1">
+            <a:schemeClr val="accent1"/>
+          </a:fillRef>
+          <a:effectRef idx="0">
+            <a:schemeClr val="accent1"/>
+          </a:effectRef>
+          <a:fontRef idx="minor">
+            <a:schemeClr val="lt1"/>
+          </a:fontRef>
+        </p:style>
+        <p:txBody>
+          <a:bodyPr rtlCol="0" anchor="ctr"/>
+          <a:lstStyle/>
+          <a:p>
+            <a:pPr lvl="0" algn="ctr"/>
+            <a:r>
+              <a:rPr lang="en-US" sz="1300" b="1" dirty="0" smtClean="0">
+                <a:solidFill>
+                  <a:prstClr val="black"/>
+                </a:solidFill>
+              </a:rPr>
+              <a:t>Desktop</a:t>
+            </a:r>
+            <a:r>
+              <a:rPr lang="en-US" sz="1300" b="1" dirty="0" smtClean="0">
+                <a:solidFill>
+                  <a:prstClr val="black"/>
+                </a:solidFill>
+              </a:rPr>
+              <a:t> </a:t>
+            </a:r>
+            <a:r>
+              <a:rPr lang="en-US" sz="1300" b="1" dirty="0" smtClean="0">
+                <a:solidFill>
+                  <a:prstClr val="black"/>
+                </a:solidFill>
+              </a:rPr>
+              <a:t>GUI</a:t>
+            </a:r>
+            <a:endParaRPr lang="en-US" sz="1300" b="1" dirty="0">
+              <a:solidFill>
+                <a:prstClr val="white"/>
+              </a:solidFill>
+            </a:endParaRPr>
+          </a:p>
+        </p:txBody>
+      </p:sp>
+      <p:sp>
+        <p:nvSpPr>
+          <p:cNvPr id="25" name="Flowchart: Process 24"/>
+          <p:cNvSpPr/>
+          <p:nvPr/>
+        </p:nvSpPr>
+        <p:spPr>
+          <a:xfrm>
+            <a:off x="1295400" y="2438400"/>
+            <a:ext cx="1524000" cy="609600"/>
+          </a:xfrm>
+          <a:prstGeom prst="flowChartProcess">
+            <a:avLst/>
+          </a:prstGeom>
+          <a:solidFill>
+            <a:schemeClr val="accent1">
+              <a:lumMod val="20000"/>
+              <a:lumOff val="80000"/>
+            </a:schemeClr>
+          </a:solidFill>
+        </p:spPr>
+        <p:style>
+          <a:lnRef idx="2">
+            <a:schemeClr val="accent1">
+              <a:shade val="50000"/>
+            </a:schemeClr>
+          </a:lnRef>
+          <a:fillRef idx="1">
+            <a:schemeClr val="accent1"/>
+          </a:fillRef>
+          <a:effectRef idx="0">
+            <a:schemeClr val="accent1"/>
+          </a:effectRef>
+          <a:fontRef idx="minor">
+            <a:schemeClr val="lt1"/>
+          </a:fontRef>
+        </p:style>
+        <p:txBody>
+          <a:bodyPr rtlCol="0" anchor="ctr"/>
+          <a:lstStyle/>
+          <a:p>
+            <a:pPr lvl="0" algn="ctr"/>
+            <a:r>
+              <a:rPr lang="en-US" sz="1300" b="1" dirty="0" smtClean="0">
+                <a:solidFill>
+                  <a:prstClr val="black"/>
+                </a:solidFill>
+              </a:rPr>
+              <a:t>Web User Interface</a:t>
+            </a:r>
+            <a:endParaRPr lang="en-US" sz="1300" b="1" dirty="0">
+              <a:solidFill>
+                <a:prstClr val="white"/>
+              </a:solidFill>
+            </a:endParaRPr>
+          </a:p>
+        </p:txBody>
+      </p:sp>
+      <p:cxnSp>
+        <p:nvCxnSpPr>
+          <p:cNvPr id="32" name="Elbow Connector 31"/>
+          <p:cNvCxnSpPr>
+            <a:stCxn id="25" idx="3"/>
+            <a:endCxn id="18" idx="1"/>
+          </p:cNvCxnSpPr>
+          <p:nvPr/>
+        </p:nvCxnSpPr>
+        <p:spPr>
+          <a:xfrm>
+            <a:off x="2819400" y="2743200"/>
+            <a:ext cx="838200" cy="1588"/>
           </a:xfrm>
           <a:prstGeom prst="bentConnector3">
             <a:avLst>
@@ -12455,7 +11929,7 @@
 </file>
 
 <file path=customXml/item1.xml><?xml version="1.0" encoding="utf-8"?>
-<ct:contentTypeSchema xmlns:ct="http://schemas.microsoft.com/office/2006/metadata/contentType" xmlns:ma="http://schemas.microsoft.com/office/2006/metadata/properties/metaAttributes" ct:_="" ma:_="" ma:contentTypeName="TemplateFile" ma:contentTypeID="0x0101006EDDDB5EE6D98C44930B742096920B300400F5B6D36B3EF94B4E9A635CDF2A18F5B8" ma:contentTypeVersion="33" ma:contentTypeDescription="Create a new document." ma:contentTypeScope="" ma:versionID="37d3ec2b48d53e45b233ad8f52fe1b11"/>
+<p:properties xmlns:p="http://schemas.microsoft.com/office/2006/metadata/properties" xmlns:xsi="http://www.w3.org/2001/XMLSchema-instance" xmlns:pc="http://schemas.microsoft.com/office/infopath/2007/PartnerControls"/>
 </file>
 
 <file path=customXml/item2.xml><?xml version="1.0" encoding="utf-8"?>
@@ -12468,14 +11942,14 @@
 </file>
 
 <file path=customXml/item3.xml><?xml version="1.0" encoding="utf-8"?>
-<p:properties xmlns:p="http://schemas.microsoft.com/office/2006/metadata/properties" xmlns:xsi="http://www.w3.org/2001/XMLSchema-instance" xmlns:pc="http://schemas.microsoft.com/office/infopath/2007/PartnerControls"/>
+<ct:contentTypeSchema xmlns:ct="http://schemas.microsoft.com/office/2006/metadata/contentType" xmlns:ma="http://schemas.microsoft.com/office/2006/metadata/properties/metaAttributes" ct:_="" ma:_="" ma:contentTypeName="TemplateFile" ma:contentTypeID="0x0101006EDDDB5EE6D98C44930B742096920B300400F5B6D36B3EF94B4E9A635CDF2A18F5B8" ma:contentTypeVersion="33" ma:contentTypeDescription="Create a new document." ma:contentTypeScope="" ma:versionID="37d3ec2b48d53e45b233ad8f52fe1b11"/>
 </file>
 
 <file path=customXml/itemProps1.xml><?xml version="1.0" encoding="utf-8"?>
-<ds:datastoreItem xmlns:ds="http://schemas.openxmlformats.org/officeDocument/2006/customXml" ds:itemID="{608BB90A-A7CF-4787-A1A5-E685EFD3B908}">
+<ds:datastoreItem xmlns:ds="http://schemas.openxmlformats.org/officeDocument/2006/customXml" ds:itemID="{F60BBBE2-7987-457E-A306-A89646B9C353}">
   <ds:schemaRefs>
-    <ds:schemaRef ds:uri="http://schemas.microsoft.com/office/2006/metadata/contentType"/>
-    <ds:schemaRef ds:uri="http://schemas.microsoft.com/office/2006/metadata/properties/metaAttributes"/>
+    <ds:schemaRef ds:uri="http://schemas.microsoft.com/office/2006/metadata/properties"/>
+    <ds:schemaRef ds:uri="http://schemas.microsoft.com/office/infopath/2007/PartnerControls"/>
   </ds:schemaRefs>
 </ds:datastoreItem>
 </file>
@@ -12489,10 +11963,10 @@
 </file>
 
 <file path=customXml/itemProps3.xml><?xml version="1.0" encoding="utf-8"?>
-<ds:datastoreItem xmlns:ds="http://schemas.openxmlformats.org/officeDocument/2006/customXml" ds:itemID="{F60BBBE2-7987-457E-A306-A89646B9C353}">
+<ds:datastoreItem xmlns:ds="http://schemas.openxmlformats.org/officeDocument/2006/customXml" ds:itemID="{608BB90A-A7CF-4787-A1A5-E685EFD3B908}">
   <ds:schemaRefs>
-    <ds:schemaRef ds:uri="http://schemas.microsoft.com/office/2006/metadata/properties"/>
-    <ds:schemaRef ds:uri="http://schemas.microsoft.com/office/infopath/2007/PartnerControls"/>
+    <ds:schemaRef ds:uri="http://schemas.microsoft.com/office/2006/metadata/contentType"/>
+    <ds:schemaRef ds:uri="http://schemas.microsoft.com/office/2006/metadata/properties/metaAttributes"/>
   </ds:schemaRefs>
 </ds:datastoreItem>
 </file>
--- a/plans/flowchart_WRIMS.pptx
+++ b/plans/flowchart_WRIMS.pptx
@@ -5,15 +5,16 @@
     <p:sldMasterId id="2147483648" r:id="rId4"/>
   </p:sldMasterIdLst>
   <p:notesMasterIdLst>
-    <p:notesMasterId r:id="rId11"/>
+    <p:notesMasterId r:id="rId12"/>
   </p:notesMasterIdLst>
   <p:sldIdLst>
     <p:sldId id="258" r:id="rId5"/>
     <p:sldId id="259" r:id="rId6"/>
     <p:sldId id="260" r:id="rId7"/>
-    <p:sldId id="261" r:id="rId8"/>
-    <p:sldId id="262" r:id="rId9"/>
-    <p:sldId id="263" r:id="rId10"/>
+    <p:sldId id="264" r:id="rId8"/>
+    <p:sldId id="261" r:id="rId9"/>
+    <p:sldId id="262" r:id="rId10"/>
+    <p:sldId id="263" r:id="rId11"/>
   </p:sldIdLst>
   <p:sldSz cx="9144000" cy="6858000" type="screen4x3"/>
   <p:notesSz cx="6858000" cy="9144000"/>
@@ -198,7 +199,7 @@
             <a:fld id="{EE59EC11-8F5A-40F0-A7B9-AAD495E2A3DB}" type="datetimeFigureOut">
               <a:rPr lang="en-US" smtClean="0"/>
               <a:pPr/>
-              <a:t>8/4/2010</a:t>
+              <a:t>8/5/2010</a:t>
             </a:fld>
             <a:endParaRPr lang="en-US"/>
           </a:p>
@@ -1412,6 +1413,88 @@
 </p:notes>
 </file>
 
+<file path=ppt/notesSlides/notesSlide7.xml><?xml version="1.0" encoding="utf-8"?>
+<p:notes xmlns:a="http://schemas.openxmlformats.org/drawingml/2006/main" xmlns:r="http://schemas.openxmlformats.org/officeDocument/2006/relationships" xmlns:p="http://schemas.openxmlformats.org/presentationml/2006/main">
+  <p:cSld>
+    <p:spTree>
+      <p:nvGrpSpPr>
+        <p:cNvPr id="1" name=""/>
+        <p:cNvGrpSpPr/>
+        <p:nvPr/>
+      </p:nvGrpSpPr>
+      <p:grpSpPr>
+        <a:xfrm>
+          <a:off x="0" y="0"/>
+          <a:ext cx="0" cy="0"/>
+          <a:chOff x="0" y="0"/>
+          <a:chExt cx="0" cy="0"/>
+        </a:xfrm>
+      </p:grpSpPr>
+      <p:sp>
+        <p:nvSpPr>
+          <p:cNvPr id="2" name="Slide Image Placeholder 1"/>
+          <p:cNvSpPr>
+            <a:spLocks noGrp="1" noRot="1" noChangeAspect="1"/>
+          </p:cNvSpPr>
+          <p:nvPr>
+            <p:ph type="sldImg"/>
+          </p:nvPr>
+        </p:nvSpPr>
+        <p:spPr/>
+      </p:sp>
+      <p:sp>
+        <p:nvSpPr>
+          <p:cNvPr id="3" name="Notes Placeholder 2"/>
+          <p:cNvSpPr>
+            <a:spLocks noGrp="1"/>
+          </p:cNvSpPr>
+          <p:nvPr>
+            <p:ph type="body" idx="1"/>
+          </p:nvPr>
+        </p:nvSpPr>
+        <p:spPr/>
+        <p:txBody>
+          <a:bodyPr>
+            <a:normAutofit/>
+          </a:bodyPr>
+          <a:lstStyle/>
+          <a:p>
+            <a:endParaRPr lang="en-US"/>
+          </a:p>
+        </p:txBody>
+      </p:sp>
+      <p:sp>
+        <p:nvSpPr>
+          <p:cNvPr id="4" name="Slide Number Placeholder 3"/>
+          <p:cNvSpPr>
+            <a:spLocks noGrp="1"/>
+          </p:cNvSpPr>
+          <p:nvPr>
+            <p:ph type="sldNum" sz="quarter" idx="10"/>
+          </p:nvPr>
+        </p:nvSpPr>
+        <p:spPr/>
+        <p:txBody>
+          <a:bodyPr/>
+          <a:lstStyle/>
+          <a:p>
+            <a:fld id="{F8842A6C-50AC-49E9-9064-57B5950B9834}" type="slidenum">
+              <a:rPr lang="en-US" smtClean="0"/>
+              <a:pPr/>
+              <a:t>7</a:t>
+            </a:fld>
+            <a:endParaRPr lang="en-US"/>
+          </a:p>
+        </p:txBody>
+      </p:sp>
+    </p:spTree>
+  </p:cSld>
+  <p:clrMapOvr>
+    <a:masterClrMapping/>
+  </p:clrMapOvr>
+</p:notes>
+</file>
+
 <file path=ppt/slideLayouts/slideLayout1.xml><?xml version="1.0" encoding="utf-8"?>
 <p:sldLayout xmlns:a="http://schemas.openxmlformats.org/drawingml/2006/main" xmlns:r="http://schemas.openxmlformats.org/officeDocument/2006/relationships" xmlns:p="http://schemas.openxmlformats.org/presentationml/2006/main" type="title" preserve="1">
   <p:cSld name="Title Slide">
@@ -1594,7 +1677,7 @@
             <a:fld id="{91D2470E-F914-411C-B29F-48DCD3BDBEA2}" type="datetimeFigureOut">
               <a:rPr lang="en-US" smtClean="0"/>
               <a:pPr/>
-              <a:t>8/4/2010</a:t>
+              <a:t>8/5/2010</a:t>
             </a:fld>
             <a:endParaRPr lang="en-US"/>
           </a:p>
@@ -1761,7 +1844,7 @@
             <a:fld id="{91D2470E-F914-411C-B29F-48DCD3BDBEA2}" type="datetimeFigureOut">
               <a:rPr lang="en-US" smtClean="0"/>
               <a:pPr/>
-              <a:t>8/4/2010</a:t>
+              <a:t>8/5/2010</a:t>
             </a:fld>
             <a:endParaRPr lang="en-US"/>
           </a:p>
@@ -1938,7 +2021,7 @@
             <a:fld id="{91D2470E-F914-411C-B29F-48DCD3BDBEA2}" type="datetimeFigureOut">
               <a:rPr lang="en-US" smtClean="0"/>
               <a:pPr/>
-              <a:t>8/4/2010</a:t>
+              <a:t>8/5/2010</a:t>
             </a:fld>
             <a:endParaRPr lang="en-US"/>
           </a:p>
@@ -2105,7 +2188,7 @@
             <a:fld id="{91D2470E-F914-411C-B29F-48DCD3BDBEA2}" type="datetimeFigureOut">
               <a:rPr lang="en-US" smtClean="0"/>
               <a:pPr/>
-              <a:t>8/4/2010</a:t>
+              <a:t>8/5/2010</a:t>
             </a:fld>
             <a:endParaRPr lang="en-US"/>
           </a:p>
@@ -2348,7 +2431,7 @@
             <a:fld id="{91D2470E-F914-411C-B29F-48DCD3BDBEA2}" type="datetimeFigureOut">
               <a:rPr lang="en-US" smtClean="0"/>
               <a:pPr/>
-              <a:t>8/4/2010</a:t>
+              <a:t>8/5/2010</a:t>
             </a:fld>
             <a:endParaRPr lang="en-US"/>
           </a:p>
@@ -2633,7 +2716,7 @@
             <a:fld id="{91D2470E-F914-411C-B29F-48DCD3BDBEA2}" type="datetimeFigureOut">
               <a:rPr lang="en-US" smtClean="0"/>
               <a:pPr/>
-              <a:t>8/4/2010</a:t>
+              <a:t>8/5/2010</a:t>
             </a:fld>
             <a:endParaRPr lang="en-US"/>
           </a:p>
@@ -3052,7 +3135,7 @@
             <a:fld id="{91D2470E-F914-411C-B29F-48DCD3BDBEA2}" type="datetimeFigureOut">
               <a:rPr lang="en-US" smtClean="0"/>
               <a:pPr/>
-              <a:t>8/4/2010</a:t>
+              <a:t>8/5/2010</a:t>
             </a:fld>
             <a:endParaRPr lang="en-US"/>
           </a:p>
@@ -3167,7 +3250,7 @@
             <a:fld id="{91D2470E-F914-411C-B29F-48DCD3BDBEA2}" type="datetimeFigureOut">
               <a:rPr lang="en-US" smtClean="0"/>
               <a:pPr/>
-              <a:t>8/4/2010</a:t>
+              <a:t>8/5/2010</a:t>
             </a:fld>
             <a:endParaRPr lang="en-US"/>
           </a:p>
@@ -3259,7 +3342,7 @@
             <a:fld id="{91D2470E-F914-411C-B29F-48DCD3BDBEA2}" type="datetimeFigureOut">
               <a:rPr lang="en-US" smtClean="0"/>
               <a:pPr/>
-              <a:t>8/4/2010</a:t>
+              <a:t>8/5/2010</a:t>
             </a:fld>
             <a:endParaRPr lang="en-US"/>
           </a:p>
@@ -3533,7 +3616,7 @@
             <a:fld id="{91D2470E-F914-411C-B29F-48DCD3BDBEA2}" type="datetimeFigureOut">
               <a:rPr lang="en-US" smtClean="0"/>
               <a:pPr/>
-              <a:t>8/4/2010</a:t>
+              <a:t>8/5/2010</a:t>
             </a:fld>
             <a:endParaRPr lang="en-US"/>
           </a:p>
@@ -3787,7 +3870,7 @@
             <a:fld id="{91D2470E-F914-411C-B29F-48DCD3BDBEA2}" type="datetimeFigureOut">
               <a:rPr lang="en-US" smtClean="0"/>
               <a:pPr/>
-              <a:t>8/4/2010</a:t>
+              <a:t>8/5/2010</a:t>
             </a:fld>
             <a:endParaRPr lang="en-US"/>
           </a:p>
@@ -3997,7 +4080,7 @@
             <a:fld id="{91D2470E-F914-411C-B29F-48DCD3BDBEA2}" type="datetimeFigureOut">
               <a:rPr lang="en-US" smtClean="0"/>
               <a:pPr/>
-              <a:t>8/4/2010</a:t>
+              <a:t>8/5/2010</a:t>
             </a:fld>
             <a:endParaRPr lang="en-US"/>
           </a:p>
@@ -7978,7 +8061,7 @@
       </p:grpSpPr>
       <p:sp>
         <p:nvSpPr>
-          <p:cNvPr id="17" name="Flowchart: Data 16"/>
+          <p:cNvPr id="97" name="Flowchart: Data 96"/>
           <p:cNvSpPr>
             <a:spLocks noChangeAspect="1"/>
           </p:cNvSpPr>
@@ -7986,7 +8069,7 @@
         </p:nvSpPr>
         <p:spPr>
           <a:xfrm>
-            <a:off x="6934200" y="3733800"/>
+            <a:off x="6858000" y="3810000"/>
             <a:ext cx="1143000" cy="609600"/>
           </a:xfrm>
           <a:prstGeom prst="flowChartInputOutput">
@@ -8034,7 +8117,7 @@
       </p:sp>
       <p:sp>
         <p:nvSpPr>
-          <p:cNvPr id="18" name="Flowchart: Document 17"/>
+          <p:cNvPr id="98" name="Flowchart: Document 97"/>
           <p:cNvSpPr>
             <a:spLocks noChangeAspect="1"/>
           </p:cNvSpPr>
@@ -8042,7 +8125,7 @@
         </p:nvSpPr>
         <p:spPr>
           <a:xfrm>
-            <a:off x="1219200" y="3048000"/>
+            <a:off x="1143000" y="3124200"/>
             <a:ext cx="1219200" cy="609600"/>
           </a:xfrm>
           <a:prstGeom prst="flowChartDocument">
@@ -8094,7 +8177,7 @@
       </p:sp>
       <p:sp>
         <p:nvSpPr>
-          <p:cNvPr id="19" name="Flowchart: Document 18"/>
+          <p:cNvPr id="99" name="Flowchart: Predefined Process 98"/>
           <p:cNvSpPr>
             <a:spLocks noChangeAspect="1"/>
           </p:cNvSpPr>
@@ -8102,23 +8185,18 @@
         </p:nvSpPr>
         <p:spPr>
           <a:xfrm>
-            <a:off x="4038600" y="3733800"/>
-            <a:ext cx="1066800" cy="609600"/>
-          </a:xfrm>
-          <a:prstGeom prst="flowChartDocument">
+            <a:off x="5410200" y="3810000"/>
+            <a:ext cx="1219200" cy="609600"/>
+          </a:xfrm>
+          <a:prstGeom prst="flowChartPredefinedProcess">
             <a:avLst/>
           </a:prstGeom>
           <a:solidFill>
-            <a:schemeClr val="accent2">
+            <a:schemeClr val="accent1">
               <a:lumMod val="20000"/>
               <a:lumOff val="80000"/>
             </a:schemeClr>
           </a:solidFill>
-          <a:ln>
-            <a:solidFill>
-              <a:schemeClr val="accent2"/>
-            </a:solidFill>
-          </a:ln>
         </p:spPr>
         <p:style>
           <a:lnRef idx="2">
@@ -8147,7 +8225,7 @@
                   <a:prstClr val="black"/>
                 </a:solidFill>
               </a:rPr>
-              <a:t>MPS File</a:t>
+              <a:t>LP Solver</a:t>
             </a:r>
             <a:endParaRPr lang="en-US" sz="1300" b="1" dirty="0">
               <a:solidFill>
@@ -8159,7 +8237,7 @@
       </p:sp>
       <p:sp>
         <p:nvSpPr>
-          <p:cNvPr id="21" name="Flowchart: Predefined Process 20"/>
+          <p:cNvPr id="100" name="Flowchart: Data 99"/>
           <p:cNvSpPr>
             <a:spLocks noChangeAspect="1"/>
           </p:cNvSpPr>
@@ -8167,10 +8245,10 @@
         </p:nvSpPr>
         <p:spPr>
           <a:xfrm>
-            <a:off x="5410200" y="3733800"/>
-            <a:ext cx="1219200" cy="609600"/>
-          </a:xfrm>
-          <a:prstGeom prst="flowChartPredefinedProcess">
+            <a:off x="990600" y="4648200"/>
+            <a:ext cx="1524000" cy="533400"/>
+          </a:xfrm>
+          <a:prstGeom prst="flowChartInputOutput">
             <a:avLst/>
           </a:prstGeom>
           <a:solidFill>
@@ -8200,26 +8278,22 @@
           <a:bodyPr rtlCol="0" anchor="ctr"/>
           <a:lstStyle/>
           <a:p>
-            <a:pPr lvl="0" algn="ctr"/>
+            <a:pPr algn="ctr"/>
             <a:r>
               <a:rPr lang="en-US" sz="1300" b="1" dirty="0" smtClean="0">
                 <a:solidFill>
-                  <a:prstClr val="black"/>
+                  <a:schemeClr val="tx1"/>
                 </a:solidFill>
               </a:rPr>
-              <a:t>LP Solver</a:t>
-            </a:r>
-            <a:endParaRPr lang="en-US" sz="1300" b="1" dirty="0">
-              <a:solidFill>
-                <a:prstClr val="white"/>
-              </a:solidFill>
-            </a:endParaRPr>
-          </a:p>
-        </p:txBody>
-      </p:sp>
-      <p:sp>
-        <p:nvSpPr>
-          <p:cNvPr id="22" name="Flowchart: Data 21"/>
+              <a:t>Input Data</a:t>
+            </a:r>
+            <a:endParaRPr lang="en-US" sz="1300" b="1" dirty="0"/>
+          </a:p>
+        </p:txBody>
+      </p:sp>
+      <p:sp>
+        <p:nvSpPr>
+          <p:cNvPr id="101" name="Flowchart: Predefined Process 100"/>
           <p:cNvSpPr>
             <a:spLocks noChangeAspect="1"/>
           </p:cNvSpPr>
@@ -8227,10 +8301,10 @@
         </p:nvSpPr>
         <p:spPr>
           <a:xfrm>
-            <a:off x="1066800" y="4495800"/>
-            <a:ext cx="1524000" cy="533400"/>
-          </a:xfrm>
-          <a:prstGeom prst="flowChartInputOutput">
+            <a:off x="2362200" y="3810000"/>
+            <a:ext cx="1295400" cy="609600"/>
+          </a:xfrm>
+          <a:prstGeom prst="flowChartPredefinedProcess">
             <a:avLst/>
           </a:prstGeom>
           <a:solidFill>
@@ -8260,62 +8334,6 @@
           <a:bodyPr rtlCol="0" anchor="ctr"/>
           <a:lstStyle/>
           <a:p>
-            <a:pPr algn="ctr"/>
-            <a:r>
-              <a:rPr lang="en-US" sz="1300" b="1" dirty="0" smtClean="0">
-                <a:solidFill>
-                  <a:schemeClr val="tx1"/>
-                </a:solidFill>
-              </a:rPr>
-              <a:t>Input Data</a:t>
-            </a:r>
-            <a:endParaRPr lang="en-US" sz="1300" b="1" dirty="0"/>
-          </a:p>
-        </p:txBody>
-      </p:sp>
-      <p:sp>
-        <p:nvSpPr>
-          <p:cNvPr id="23" name="Flowchart: Predefined Process 22"/>
-          <p:cNvSpPr>
-            <a:spLocks noChangeAspect="1"/>
-          </p:cNvSpPr>
-          <p:nvPr/>
-        </p:nvSpPr>
-        <p:spPr>
-          <a:xfrm>
-            <a:off x="2438400" y="3733800"/>
-            <a:ext cx="1295400" cy="609600"/>
-          </a:xfrm>
-          <a:prstGeom prst="flowChartPredefinedProcess">
-            <a:avLst/>
-          </a:prstGeom>
-          <a:solidFill>
-            <a:schemeClr val="accent1">
-              <a:lumMod val="20000"/>
-              <a:lumOff val="80000"/>
-            </a:schemeClr>
-          </a:solidFill>
-        </p:spPr>
-        <p:style>
-          <a:lnRef idx="2">
-            <a:schemeClr val="accent1">
-              <a:shade val="50000"/>
-            </a:schemeClr>
-          </a:lnRef>
-          <a:fillRef idx="1">
-            <a:schemeClr val="accent1"/>
-          </a:fillRef>
-          <a:effectRef idx="0">
-            <a:schemeClr val="accent1"/>
-          </a:effectRef>
-          <a:fontRef idx="minor">
-            <a:schemeClr val="lt1"/>
-          </a:fontRef>
-        </p:style>
-        <p:txBody>
-          <a:bodyPr rtlCol="0" anchor="ctr"/>
-          <a:lstStyle/>
-          <a:p>
             <a:pPr lvl="0" algn="ctr"/>
             <a:r>
               <a:rPr lang="en-US" sz="1300" b="1" dirty="0" smtClean="0">
@@ -8335,17 +8353,17 @@
       </p:sp>
       <p:cxnSp>
         <p:nvCxnSpPr>
-          <p:cNvPr id="24" name="Elbow Connector 23"/>
+          <p:cNvPr id="102" name="Elbow Connector 101"/>
           <p:cNvCxnSpPr>
-            <a:stCxn id="23" idx="3"/>
-            <a:endCxn id="19" idx="1"/>
+            <a:stCxn id="101" idx="3"/>
+            <a:endCxn id="108" idx="1"/>
           </p:cNvCxnSpPr>
           <p:nvPr/>
         </p:nvCxnSpPr>
         <p:spPr>
           <a:xfrm>
-            <a:off x="3733800" y="4038600"/>
-            <a:ext cx="304800" cy="1588"/>
+            <a:off x="3657600" y="4114800"/>
+            <a:ext cx="381000" cy="1588"/>
           </a:xfrm>
           <a:prstGeom prst="bentConnector3">
             <a:avLst>
@@ -8376,16 +8394,16 @@
       </p:cxnSp>
       <p:cxnSp>
         <p:nvCxnSpPr>
-          <p:cNvPr id="25" name="Elbow Connector 24"/>
+          <p:cNvPr id="103" name="Elbow Connector 102"/>
           <p:cNvCxnSpPr>
-            <a:stCxn id="19" idx="3"/>
-            <a:endCxn id="21" idx="1"/>
+            <a:stCxn id="108" idx="3"/>
+            <a:endCxn id="99" idx="1"/>
           </p:cNvCxnSpPr>
           <p:nvPr/>
         </p:nvCxnSpPr>
         <p:spPr>
           <a:xfrm>
-            <a:off x="5105400" y="4038600"/>
+            <a:off x="5105400" y="4114800"/>
             <a:ext cx="304800" cy="1588"/>
           </a:xfrm>
           <a:prstGeom prst="bentConnector3">
@@ -8417,17 +8435,17 @@
       </p:cxnSp>
       <p:cxnSp>
         <p:nvCxnSpPr>
-          <p:cNvPr id="26" name="Elbow Connector 25"/>
+          <p:cNvPr id="104" name="Elbow Connector 103"/>
           <p:cNvCxnSpPr>
-            <a:stCxn id="21" idx="3"/>
-            <a:endCxn id="17" idx="2"/>
+            <a:stCxn id="99" idx="3"/>
+            <a:endCxn id="97" idx="2"/>
           </p:cNvCxnSpPr>
           <p:nvPr/>
         </p:nvCxnSpPr>
         <p:spPr>
           <a:xfrm>
-            <a:off x="6629400" y="4038600"/>
-            <a:ext cx="419100" cy="1588"/>
+            <a:off x="6629400" y="4114800"/>
+            <a:ext cx="342900" cy="1588"/>
           </a:xfrm>
           <a:prstGeom prst="bentConnector3">
             <a:avLst>
@@ -8458,16 +8476,16 @@
       </p:cxnSp>
       <p:cxnSp>
         <p:nvCxnSpPr>
-          <p:cNvPr id="27" name="Elbow Connector 26"/>
+          <p:cNvPr id="105" name="Elbow Connector 26"/>
           <p:cNvCxnSpPr>
-            <a:stCxn id="18" idx="2"/>
-            <a:endCxn id="23" idx="1"/>
+            <a:stCxn id="98" idx="2"/>
+            <a:endCxn id="101" idx="1"/>
           </p:cNvCxnSpPr>
           <p:nvPr/>
         </p:nvCxnSpPr>
         <p:spPr>
           <a:xfrm rot="16200000" flipH="1">
-            <a:off x="1922950" y="3523149"/>
+            <a:off x="1846750" y="3599349"/>
             <a:ext cx="421301" cy="609600"/>
           </a:xfrm>
           <a:prstGeom prst="bentConnector2">
@@ -8497,17 +8515,17 @@
       </p:cxnSp>
       <p:cxnSp>
         <p:nvCxnSpPr>
-          <p:cNvPr id="28" name="Elbow Connector 27"/>
+          <p:cNvPr id="106" name="Elbow Connector 27"/>
           <p:cNvCxnSpPr>
-            <a:stCxn id="22" idx="1"/>
-            <a:endCxn id="23" idx="1"/>
+            <a:stCxn id="100" idx="1"/>
+            <a:endCxn id="101" idx="1"/>
           </p:cNvCxnSpPr>
           <p:nvPr/>
         </p:nvCxnSpPr>
         <p:spPr>
           <a:xfrm rot="5400000" flipH="1" flipV="1">
-            <a:off x="1905000" y="3962400"/>
-            <a:ext cx="457200" cy="609600"/>
+            <a:off x="1790700" y="4076700"/>
+            <a:ext cx="533400" cy="609600"/>
           </a:xfrm>
           <a:prstGeom prst="bentConnector2">
             <a:avLst/>
@@ -8536,25 +8554,30 @@
       </p:cxnSp>
       <p:cxnSp>
         <p:nvCxnSpPr>
-          <p:cNvPr id="30" name="Elbow Connector 47"/>
+          <p:cNvPr id="107" name="Elbow Connector 47"/>
           <p:cNvCxnSpPr>
-            <a:stCxn id="17" idx="3"/>
-            <a:endCxn id="22" idx="5"/>
+            <a:stCxn id="97" idx="1"/>
+            <a:endCxn id="108" idx="0"/>
           </p:cNvCxnSpPr>
           <p:nvPr/>
         </p:nvCxnSpPr>
         <p:spPr>
-          <a:xfrm rot="5400000">
-            <a:off x="4705350" y="2076450"/>
-            <a:ext cx="419100" cy="4953000"/>
-          </a:xfrm>
-          <a:prstGeom prst="bentConnector2">
-            <a:avLst/>
+          <a:xfrm rot="16200000" flipV="1">
+            <a:off x="6000750" y="2381250"/>
+            <a:ext cx="1588" cy="2857500"/>
+          </a:xfrm>
+          <a:prstGeom prst="bentConnector3">
+            <a:avLst>
+              <a:gd name="adj1" fmla="val 29430740"/>
+            </a:avLst>
           </a:prstGeom>
           <a:ln w="28575" cmpd="sng">
             <a:solidFill>
-              <a:schemeClr val="tx1"/>
+              <a:schemeClr val="accent3">
+                <a:lumMod val="75000"/>
+              </a:schemeClr>
             </a:solidFill>
+            <a:prstDash val="sysDash"/>
             <a:tailEnd type="arrow"/>
           </a:ln>
         </p:spPr>
@@ -8575,26 +8598,31 @@
       </p:cxnSp>
       <p:sp>
         <p:nvSpPr>
-          <p:cNvPr id="29" name="Flowchart: Data 28"/>
-          <p:cNvSpPr>
-            <a:spLocks noChangeAspect="1"/>
-          </p:cNvSpPr>
+          <p:cNvPr id="108" name="Flowchart: Process 107"/>
+          <p:cNvSpPr/>
           <p:nvPr/>
         </p:nvSpPr>
         <p:spPr>
           <a:xfrm>
-            <a:off x="7162800" y="1066800"/>
-            <a:ext cx="1143000" cy="609600"/>
-          </a:xfrm>
-          <a:prstGeom prst="flowChartInputOutput">
+            <a:off x="4038600" y="3810000"/>
+            <a:ext cx="1066800" cy="609600"/>
+          </a:xfrm>
+          <a:prstGeom prst="flowChartProcess">
             <a:avLst/>
           </a:prstGeom>
           <a:solidFill>
-            <a:schemeClr val="accent1">
+            <a:schemeClr val="accent6">
               <a:lumMod val="20000"/>
               <a:lumOff val="80000"/>
             </a:schemeClr>
           </a:solidFill>
+          <a:ln w="28575">
+            <a:solidFill>
+              <a:schemeClr val="accent6">
+                <a:lumMod val="50000"/>
+              </a:schemeClr>
+            </a:solidFill>
+          </a:ln>
         </p:spPr>
         <p:style>
           <a:lnRef idx="2">
@@ -8616,22 +8644,60 @@
           <a:bodyPr rtlCol="0" anchor="ctr"/>
           <a:lstStyle/>
           <a:p>
-            <a:pPr algn="ctr"/>
+            <a:pPr lvl="0" algn="ctr"/>
             <a:r>
               <a:rPr lang="en-US" sz="1300" b="1" dirty="0" smtClean="0">
                 <a:solidFill>
-                  <a:schemeClr val="tx1"/>
+                  <a:prstClr val="black"/>
                 </a:solidFill>
               </a:rPr>
-              <a:t>Output</a:t>
-            </a:r>
-            <a:endParaRPr lang="en-US" sz="1300" b="1" dirty="0"/>
-          </a:p>
-        </p:txBody>
-      </p:sp>
-      <p:sp>
-        <p:nvSpPr>
-          <p:cNvPr id="31" name="Flowchart: Document 30"/>
+              <a:t>Black Box</a:t>
+            </a:r>
+          </a:p>
+        </p:txBody>
+      </p:sp>
+      <p:cxnSp>
+        <p:nvCxnSpPr>
+          <p:cNvPr id="109" name="Elbow Connector 47"/>
+          <p:cNvCxnSpPr>
+            <a:stCxn id="100" idx="5"/>
+            <a:endCxn id="108" idx="2"/>
+          </p:cNvCxnSpPr>
+          <p:nvPr/>
+        </p:nvCxnSpPr>
+        <p:spPr>
+          <a:xfrm flipV="1">
+            <a:off x="2362200" y="4419600"/>
+            <a:ext cx="2209800" cy="495300"/>
+          </a:xfrm>
+          <a:prstGeom prst="bentConnector2">
+            <a:avLst/>
+          </a:prstGeom>
+          <a:ln w="28575" cmpd="sng">
+            <a:solidFill>
+              <a:schemeClr val="tx1"/>
+            </a:solidFill>
+            <a:tailEnd type="arrow"/>
+          </a:ln>
+        </p:spPr>
+        <p:style>
+          <a:lnRef idx="1">
+            <a:schemeClr val="accent1"/>
+          </a:lnRef>
+          <a:fillRef idx="0">
+            <a:schemeClr val="accent1"/>
+          </a:fillRef>
+          <a:effectRef idx="0">
+            <a:schemeClr val="accent1"/>
+          </a:effectRef>
+          <a:fontRef idx="minor">
+            <a:schemeClr val="tx1"/>
+          </a:fontRef>
+        </p:style>
+      </p:cxnSp>
+      <p:sp>
+        <p:nvSpPr>
+          <p:cNvPr id="141" name="Flowchart: Data 140"/>
           <p:cNvSpPr>
             <a:spLocks noChangeAspect="1"/>
           </p:cNvSpPr>
@@ -8639,10 +8705,10 @@
         </p:nvSpPr>
         <p:spPr>
           <a:xfrm>
-            <a:off x="1447800" y="381000"/>
-            <a:ext cx="1219200" cy="609600"/>
-          </a:xfrm>
-          <a:prstGeom prst="flowChartDocument">
+            <a:off x="7391400" y="990600"/>
+            <a:ext cx="1143000" cy="609600"/>
+          </a:xfrm>
+          <a:prstGeom prst="flowChartInputOutput">
             <a:avLst/>
           </a:prstGeom>
           <a:solidFill>
@@ -8672,26 +8738,33 @@
           <a:bodyPr rtlCol="0" anchor="ctr"/>
           <a:lstStyle/>
           <a:p>
-            <a:pPr lvl="0" algn="ctr"/>
+            <a:pPr algn="ctr"/>
             <a:r>
               <a:rPr lang="en-US" sz="1300" b="1" dirty="0" smtClean="0">
                 <a:solidFill>
-                  <a:prstClr val="black"/>
+                  <a:schemeClr val="tx1"/>
                 </a:solidFill>
               </a:rPr>
-              <a:t>WRESL  Files</a:t>
-            </a:r>
-            <a:endParaRPr lang="en-US" sz="1300" b="1" dirty="0">
-              <a:solidFill>
-                <a:prstClr val="white"/>
-              </a:solidFill>
-            </a:endParaRPr>
-          </a:p>
-        </p:txBody>
-      </p:sp>
-      <p:sp>
-        <p:nvSpPr>
-          <p:cNvPr id="33" name="Flowchart: Predefined Process 32"/>
+              <a:t>Output</a:t>
+            </a:r>
+          </a:p>
+          <a:p>
+            <a:pPr algn="ctr"/>
+            <a:r>
+              <a:rPr lang="en-US" sz="1300" b="1" dirty="0" smtClean="0">
+                <a:solidFill>
+                  <a:schemeClr val="tx1"/>
+                </a:solidFill>
+              </a:rPr>
+              <a:t>Data</a:t>
+            </a:r>
+            <a:endParaRPr lang="en-US" sz="1300" b="1" dirty="0"/>
+          </a:p>
+        </p:txBody>
+      </p:sp>
+      <p:sp>
+        <p:nvSpPr>
+          <p:cNvPr id="142" name="Flowchart: Document 141"/>
           <p:cNvSpPr>
             <a:spLocks noChangeAspect="1"/>
           </p:cNvSpPr>
@@ -8699,10 +8772,10 @@
         </p:nvSpPr>
         <p:spPr>
           <a:xfrm>
-            <a:off x="5638800" y="1066800"/>
-            <a:ext cx="1219200" cy="609600"/>
-          </a:xfrm>
-          <a:prstGeom prst="flowChartPredefinedProcess">
+            <a:off x="1600200" y="990600"/>
+            <a:ext cx="1143000" cy="609600"/>
+          </a:xfrm>
+          <a:prstGeom prst="flowChartDocument">
             <a:avLst/>
           </a:prstGeom>
           <a:solidFill>
@@ -8739,7 +8812,7 @@
                   <a:prstClr val="black"/>
                 </a:solidFill>
               </a:rPr>
-              <a:t>LP Solver</a:t>
+              <a:t>WRESL  Files</a:t>
             </a:r>
             <a:endParaRPr lang="en-US" sz="1300" b="1" dirty="0">
               <a:solidFill>
@@ -8751,7 +8824,7 @@
       </p:sp>
       <p:sp>
         <p:nvSpPr>
-          <p:cNvPr id="34" name="Flowchart: Data 33"/>
+          <p:cNvPr id="144" name="Flowchart: Predefined Process 143"/>
           <p:cNvSpPr>
             <a:spLocks noChangeAspect="1"/>
           </p:cNvSpPr>
@@ -8759,10 +8832,10 @@
         </p:nvSpPr>
         <p:spPr>
           <a:xfrm>
-            <a:off x="1295400" y="1828800"/>
-            <a:ext cx="1524000" cy="533400"/>
-          </a:xfrm>
-          <a:prstGeom prst="flowChartInputOutput">
+            <a:off x="6019800" y="990600"/>
+            <a:ext cx="1143000" cy="609600"/>
+          </a:xfrm>
+          <a:prstGeom prst="flowChartPredefinedProcess">
             <a:avLst/>
           </a:prstGeom>
           <a:solidFill>
@@ -8792,22 +8865,26 @@
           <a:bodyPr rtlCol="0" anchor="ctr"/>
           <a:lstStyle/>
           <a:p>
-            <a:pPr algn="ctr"/>
+            <a:pPr lvl="0" algn="ctr"/>
             <a:r>
               <a:rPr lang="en-US" sz="1300" b="1" dirty="0" smtClean="0">
                 <a:solidFill>
-                  <a:schemeClr val="tx1"/>
+                  <a:prstClr val="black"/>
                 </a:solidFill>
               </a:rPr>
-              <a:t>Input Data</a:t>
-            </a:r>
-            <a:endParaRPr lang="en-US" sz="1300" b="1" dirty="0"/>
-          </a:p>
-        </p:txBody>
-      </p:sp>
-      <p:sp>
-        <p:nvSpPr>
-          <p:cNvPr id="35" name="Flowchart: Predefined Process 34"/>
+              <a:t>LP Solver</a:t>
+            </a:r>
+            <a:endParaRPr lang="en-US" sz="1300" b="1" dirty="0">
+              <a:solidFill>
+                <a:prstClr val="white"/>
+              </a:solidFill>
+            </a:endParaRPr>
+          </a:p>
+        </p:txBody>
+      </p:sp>
+      <p:sp>
+        <p:nvSpPr>
+          <p:cNvPr id="145" name="Flowchart: Data 144"/>
           <p:cNvSpPr>
             <a:spLocks noChangeAspect="1"/>
           </p:cNvSpPr>
@@ -8815,10 +8892,10 @@
         </p:nvSpPr>
         <p:spPr>
           <a:xfrm>
-            <a:off x="2667000" y="1066800"/>
-            <a:ext cx="1295400" cy="609600"/>
-          </a:xfrm>
-          <a:prstGeom prst="flowChartPredefinedProcess">
+            <a:off x="4572000" y="1905000"/>
+            <a:ext cx="1219200" cy="533400"/>
+          </a:xfrm>
+          <a:prstGeom prst="flowChartInputOutput">
             <a:avLst/>
           </a:prstGeom>
           <a:solidFill>
@@ -8848,35 +8925,30 @@
           <a:bodyPr rtlCol="0" anchor="ctr"/>
           <a:lstStyle/>
           <a:p>
-            <a:pPr lvl="0" algn="ctr"/>
+            <a:pPr algn="ctr"/>
             <a:r>
               <a:rPr lang="en-US" sz="1300" b="1" dirty="0" smtClean="0">
                 <a:solidFill>
-                  <a:prstClr val="black"/>
+                  <a:schemeClr val="tx1"/>
                 </a:solidFill>
               </a:rPr>
-              <a:t>WRESL Compiler</a:t>
-            </a:r>
-            <a:endParaRPr lang="en-US" sz="1300" b="1" dirty="0">
-              <a:solidFill>
-                <a:prstClr val="white"/>
-              </a:solidFill>
-            </a:endParaRPr>
+              <a:t>Input Data</a:t>
+            </a:r>
+            <a:endParaRPr lang="en-US" sz="1300" b="1" dirty="0"/>
           </a:p>
         </p:txBody>
       </p:sp>
       <p:cxnSp>
         <p:nvCxnSpPr>
-          <p:cNvPr id="36" name="Elbow Connector 35"/>
+          <p:cNvPr id="146" name="Elbow Connector 145"/>
           <p:cNvCxnSpPr>
-            <a:stCxn id="35" idx="3"/>
-            <a:endCxn id="42" idx="1"/>
+            <a:endCxn id="144" idx="1"/>
           </p:cNvCxnSpPr>
           <p:nvPr/>
         </p:nvCxnSpPr>
         <p:spPr>
           <a:xfrm>
-            <a:off x="3962400" y="1371600"/>
+            <a:off x="5715000" y="1295400"/>
             <a:ext cx="304800" cy="1588"/>
           </a:xfrm>
           <a:prstGeom prst="bentConnector3">
@@ -8908,17 +8980,113 @@
       </p:cxnSp>
       <p:cxnSp>
         <p:nvCxnSpPr>
-          <p:cNvPr id="37" name="Elbow Connector 36"/>
+          <p:cNvPr id="147" name="Elbow Connector 146"/>
           <p:cNvCxnSpPr>
-            <a:stCxn id="42" idx="3"/>
-            <a:endCxn id="33" idx="1"/>
+            <a:stCxn id="144" idx="3"/>
+            <a:endCxn id="141" idx="2"/>
           </p:cNvCxnSpPr>
           <p:nvPr/>
         </p:nvCxnSpPr>
         <p:spPr>
           <a:xfrm>
-            <a:off x="5334000" y="1371600"/>
-            <a:ext cx="304800" cy="1588"/>
+            <a:off x="7162800" y="1295400"/>
+            <a:ext cx="342900" cy="1588"/>
+          </a:xfrm>
+          <a:prstGeom prst="bentConnector3">
+            <a:avLst>
+              <a:gd name="adj1" fmla="val 50000"/>
+            </a:avLst>
+          </a:prstGeom>
+          <a:ln w="28575" cmpd="sng">
+            <a:solidFill>
+              <a:schemeClr val="tx1"/>
+            </a:solidFill>
+            <a:tailEnd type="arrow"/>
+          </a:ln>
+        </p:spPr>
+        <p:style>
+          <a:lnRef idx="1">
+            <a:schemeClr val="accent1"/>
+          </a:lnRef>
+          <a:fillRef idx="0">
+            <a:schemeClr val="accent1"/>
+          </a:fillRef>
+          <a:effectRef idx="0">
+            <a:schemeClr val="accent1"/>
+          </a:effectRef>
+          <a:fontRef idx="minor">
+            <a:schemeClr val="tx1"/>
+          </a:fontRef>
+        </p:style>
+      </p:cxnSp>
+      <p:sp>
+        <p:nvSpPr>
+          <p:cNvPr id="149" name="Flowchart: Process 148"/>
+          <p:cNvSpPr/>
+          <p:nvPr/>
+        </p:nvSpPr>
+        <p:spPr>
+          <a:xfrm>
+            <a:off x="3141133" y="990600"/>
+            <a:ext cx="1126067" cy="609600"/>
+          </a:xfrm>
+          <a:prstGeom prst="flowChartProcess">
+            <a:avLst/>
+          </a:prstGeom>
+          <a:solidFill>
+            <a:schemeClr val="accent1">
+              <a:lumMod val="20000"/>
+              <a:lumOff val="80000"/>
+            </a:schemeClr>
+          </a:solidFill>
+        </p:spPr>
+        <p:style>
+          <a:lnRef idx="2">
+            <a:schemeClr val="accent1">
+              <a:shade val="50000"/>
+            </a:schemeClr>
+          </a:lnRef>
+          <a:fillRef idx="1">
+            <a:schemeClr val="accent1"/>
+          </a:fillRef>
+          <a:effectRef idx="0">
+            <a:schemeClr val="accent1"/>
+          </a:effectRef>
+          <a:fontRef idx="minor">
+            <a:schemeClr val="lt1"/>
+          </a:fontRef>
+        </p:style>
+        <p:txBody>
+          <a:bodyPr rtlCol="0" anchor="ctr"/>
+          <a:lstStyle/>
+          <a:p>
+            <a:pPr lvl="0" algn="ctr"/>
+            <a:r>
+              <a:rPr lang="en-US" sz="1300" b="1" dirty="0" smtClean="0">
+                <a:solidFill>
+                  <a:prstClr val="black"/>
+                </a:solidFill>
+              </a:rPr>
+              <a:t>WRESL Compiler</a:t>
+            </a:r>
+            <a:endParaRPr lang="en-US" sz="1300" b="1" dirty="0">
+              <a:solidFill>
+                <a:prstClr val="white"/>
+              </a:solidFill>
+            </a:endParaRPr>
+          </a:p>
+        </p:txBody>
+      </p:sp>
+      <p:cxnSp>
+        <p:nvCxnSpPr>
+          <p:cNvPr id="152" name="Elbow Connector 151"/>
+          <p:cNvCxnSpPr/>
+          <p:nvPr/>
+        </p:nvCxnSpPr>
+        <p:spPr>
+          <a:xfrm>
+            <a:off x="4267200" y="1295400"/>
+            <a:ext cx="381000" cy="1588"/>
           </a:xfrm>
           <a:prstGeom prst="bentConnector3">
             <a:avLst>
@@ -8949,27 +9117,30 @@
       </p:cxnSp>
       <p:cxnSp>
         <p:nvCxnSpPr>
-          <p:cNvPr id="38" name="Elbow Connector 37"/>
+          <p:cNvPr id="153" name="Elbow Connector 78"/>
           <p:cNvCxnSpPr>
-            <a:stCxn id="33" idx="3"/>
-            <a:endCxn id="29" idx="2"/>
+            <a:stCxn id="141" idx="1"/>
+            <a:endCxn id="160" idx="0"/>
           </p:cNvCxnSpPr>
           <p:nvPr/>
         </p:nvCxnSpPr>
         <p:spPr>
-          <a:xfrm>
-            <a:off x="6858000" y="1371600"/>
-            <a:ext cx="419100" cy="1588"/>
+          <a:xfrm rot="16200000" flipV="1">
+            <a:off x="6572250" y="-400050"/>
+            <a:ext cx="1588" cy="2781300"/>
           </a:xfrm>
           <a:prstGeom prst="bentConnector3">
             <a:avLst>
-              <a:gd name="adj1" fmla="val 50000"/>
+              <a:gd name="adj1" fmla="val 28151142"/>
             </a:avLst>
           </a:prstGeom>
           <a:ln w="28575" cmpd="sng">
             <a:solidFill>
-              <a:schemeClr val="tx1"/>
+              <a:schemeClr val="accent3">
+                <a:lumMod val="75000"/>
+              </a:schemeClr>
             </a:solidFill>
+            <a:prstDash val="sysDash"/>
             <a:tailEnd type="arrow"/>
           </a:ln>
         </p:spPr>
@@ -8990,20 +9161,21 @@
       </p:cxnSp>
       <p:cxnSp>
         <p:nvCxnSpPr>
-          <p:cNvPr id="39" name="Elbow Connector 26"/>
+          <p:cNvPr id="154" name="Elbow Connector 153"/>
           <p:cNvCxnSpPr>
-            <a:stCxn id="31" idx="2"/>
-            <a:endCxn id="35" idx="1"/>
+            <a:stCxn id="142" idx="3"/>
           </p:cNvCxnSpPr>
           <p:nvPr/>
         </p:nvCxnSpPr>
         <p:spPr>
-          <a:xfrm rot="16200000" flipH="1">
-            <a:off x="2151550" y="856149"/>
-            <a:ext cx="421301" cy="609600"/>
-          </a:xfrm>
-          <a:prstGeom prst="bentConnector2">
-            <a:avLst/>
+          <a:xfrm>
+            <a:off x="2743200" y="1295400"/>
+            <a:ext cx="381000" cy="1588"/>
+          </a:xfrm>
+          <a:prstGeom prst="bentConnector3">
+            <a:avLst>
+              <a:gd name="adj1" fmla="val 50000"/>
+            </a:avLst>
           </a:prstGeom>
           <a:ln w="28575" cmpd="sng">
             <a:solidFill>
@@ -9029,20 +9201,22 @@
       </p:cxnSp>
       <p:cxnSp>
         <p:nvCxnSpPr>
-          <p:cNvPr id="40" name="Elbow Connector 27"/>
+          <p:cNvPr id="155" name="Elbow Connector 154"/>
           <p:cNvCxnSpPr>
-            <a:stCxn id="34" idx="1"/>
-            <a:endCxn id="35" idx="1"/>
+            <a:stCxn id="145" idx="1"/>
+            <a:endCxn id="160" idx="2"/>
           </p:cNvCxnSpPr>
           <p:nvPr/>
         </p:nvCxnSpPr>
         <p:spPr>
           <a:xfrm rot="5400000" flipH="1" flipV="1">
-            <a:off x="2133600" y="1295400"/>
-            <a:ext cx="457200" cy="609600"/>
-          </a:xfrm>
-          <a:prstGeom prst="bentConnector2">
-            <a:avLst/>
+            <a:off x="5029200" y="1752600"/>
+            <a:ext cx="304800" cy="1588"/>
+          </a:xfrm>
+          <a:prstGeom prst="bentConnector3">
+            <a:avLst>
+              <a:gd name="adj1" fmla="val 50000"/>
+            </a:avLst>
           </a:prstGeom>
           <a:ln w="28575" cmpd="sng">
             <a:solidFill>
@@ -9066,68 +9240,29 @@
           </a:fontRef>
         </p:style>
       </p:cxnSp>
-      <p:cxnSp>
-        <p:nvCxnSpPr>
-          <p:cNvPr id="41" name="Elbow Connector 47"/>
-          <p:cNvCxnSpPr>
-            <a:stCxn id="29" idx="3"/>
-            <a:endCxn id="34" idx="5"/>
-          </p:cNvCxnSpPr>
-          <p:nvPr/>
-        </p:nvCxnSpPr>
+      <p:sp>
+        <p:nvSpPr>
+          <p:cNvPr id="160" name="Flowchart: Process 159"/>
+          <p:cNvSpPr/>
+          <p:nvPr/>
+        </p:nvSpPr>
         <p:spPr>
-          <a:xfrm rot="5400000">
-            <a:off x="4933950" y="-590550"/>
-            <a:ext cx="419100" cy="4953000"/>
-          </a:xfrm>
-          <a:prstGeom prst="bentConnector2">
-            <a:avLst/>
-          </a:prstGeom>
-          <a:ln w="28575" cmpd="sng">
-            <a:solidFill>
-              <a:schemeClr val="tx1"/>
-            </a:solidFill>
-            <a:tailEnd type="arrow"/>
-          </a:ln>
-        </p:spPr>
-        <p:style>
-          <a:lnRef idx="1">
-            <a:schemeClr val="accent1"/>
-          </a:lnRef>
-          <a:fillRef idx="0">
-            <a:schemeClr val="accent1"/>
-          </a:fillRef>
-          <a:effectRef idx="0">
-            <a:schemeClr val="accent1"/>
-          </a:effectRef>
-          <a:fontRef idx="minor">
-            <a:schemeClr val="tx1"/>
-          </a:fontRef>
-        </p:style>
-      </p:cxnSp>
-      <p:sp>
-        <p:nvSpPr>
-          <p:cNvPr id="42" name="Flowchart: Process 41"/>
-          <p:cNvSpPr/>
-          <p:nvPr/>
-        </p:nvSpPr>
-        <p:spPr>
-          <a:xfrm>
-            <a:off x="4267200" y="1066800"/>
+          <a:xfrm>
+            <a:off x="4648200" y="990600"/>
             <a:ext cx="1066800" cy="609600"/>
           </a:xfrm>
           <a:prstGeom prst="flowChartProcess">
             <a:avLst/>
           </a:prstGeom>
           <a:solidFill>
-            <a:schemeClr val="accent3">
+            <a:schemeClr val="accent6">
               <a:lumMod val="20000"/>
               <a:lumOff val="80000"/>
             </a:schemeClr>
           </a:solidFill>
-          <a:ln>
+          <a:ln w="28575">
             <a:solidFill>
-              <a:schemeClr val="accent3">
+              <a:schemeClr val="accent6">
                 <a:lumMod val="50000"/>
               </a:schemeClr>
             </a:solidFill>
@@ -9192,7 +9327,7 @@
       </p:grpSpPr>
       <p:sp>
         <p:nvSpPr>
-          <p:cNvPr id="12" name="Flowchart: Document 11"/>
+          <p:cNvPr id="17" name="Flowchart: Data 16"/>
           <p:cNvSpPr>
             <a:spLocks noChangeAspect="1"/>
           </p:cNvSpPr>
@@ -9200,10 +9335,10 @@
         </p:nvSpPr>
         <p:spPr>
           <a:xfrm>
-            <a:off x="457200" y="1143000"/>
-            <a:ext cx="1371600" cy="1219200"/>
-          </a:xfrm>
-          <a:prstGeom prst="flowChartDocument">
+            <a:off x="7467600" y="4191000"/>
+            <a:ext cx="1143000" cy="609600"/>
+          </a:xfrm>
+          <a:prstGeom prst="flowChartInputOutput">
             <a:avLst/>
           </a:prstGeom>
           <a:solidFill>
@@ -9233,26 +9368,41 @@
           <a:bodyPr rtlCol="0" anchor="ctr"/>
           <a:lstStyle/>
           <a:p>
-            <a:pPr lvl="0" algn="ctr"/>
+            <a:pPr algn="ctr"/>
             <a:r>
               <a:rPr lang="en-US" sz="1300" b="1" dirty="0" smtClean="0">
                 <a:solidFill>
-                  <a:prstClr val="black"/>
+                  <a:schemeClr val="tx1"/>
                 </a:solidFill>
               </a:rPr>
-              <a:t>WRESL Files containing multiple period inputs</a:t>
-            </a:r>
-            <a:endParaRPr lang="en-US" sz="1300" b="1" dirty="0">
-              <a:solidFill>
-                <a:prstClr val="white"/>
-              </a:solidFill>
-            </a:endParaRPr>
-          </a:p>
-        </p:txBody>
-      </p:sp>
-      <p:sp>
-        <p:nvSpPr>
-          <p:cNvPr id="15" name="Flowchart: Predefined Process 14"/>
+              <a:t>Output</a:t>
+            </a:r>
+          </a:p>
+          <a:p>
+            <a:pPr algn="ctr"/>
+            <a:r>
+              <a:rPr lang="en-US" sz="1300" b="1" dirty="0" smtClean="0">
+                <a:solidFill>
+                  <a:schemeClr val="tx1"/>
+                </a:solidFill>
+              </a:rPr>
+              <a:t>D</a:t>
+            </a:r>
+            <a:r>
+              <a:rPr lang="en-US" sz="1300" b="1" dirty="0" smtClean="0">
+                <a:solidFill>
+                  <a:schemeClr val="tx1"/>
+                </a:solidFill>
+              </a:rPr>
+              <a:t>ata</a:t>
+            </a:r>
+            <a:endParaRPr lang="en-US" sz="1300" b="1" dirty="0"/>
+          </a:p>
+        </p:txBody>
+      </p:sp>
+      <p:sp>
+        <p:nvSpPr>
+          <p:cNvPr id="18" name="Flowchart: Document 17"/>
           <p:cNvSpPr>
             <a:spLocks noChangeAspect="1"/>
           </p:cNvSpPr>
@@ -9260,10 +9410,10 @@
         </p:nvSpPr>
         <p:spPr>
           <a:xfrm>
-            <a:off x="2057400" y="1447800"/>
-            <a:ext cx="1143000" cy="609600"/>
-          </a:xfrm>
-          <a:prstGeom prst="flowChartPredefinedProcess">
+            <a:off x="1371600" y="4191000"/>
+            <a:ext cx="1066800" cy="609600"/>
+          </a:xfrm>
+          <a:prstGeom prst="flowChartDocument">
             <a:avLst/>
           </a:prstGeom>
           <a:solidFill>
@@ -9300,15 +9450,1502 @@
                   <a:prstClr val="black"/>
                 </a:solidFill>
               </a:rPr>
-              <a:t>WRESL </a:t>
-            </a:r>
+              <a:t>WRESL  Files</a:t>
+            </a:r>
+            <a:endParaRPr lang="en-US" sz="1300" b="1" dirty="0">
+              <a:solidFill>
+                <a:prstClr val="white"/>
+              </a:solidFill>
+            </a:endParaRPr>
+          </a:p>
+        </p:txBody>
+      </p:sp>
+      <p:sp>
+        <p:nvSpPr>
+          <p:cNvPr id="19" name="Flowchart: Document 18"/>
+          <p:cNvSpPr>
+            <a:spLocks noChangeAspect="1"/>
+          </p:cNvSpPr>
+          <p:nvPr/>
+        </p:nvSpPr>
+        <p:spPr>
+          <a:xfrm>
+            <a:off x="4648200" y="4191000"/>
+            <a:ext cx="1066800" cy="609600"/>
+          </a:xfrm>
+          <a:prstGeom prst="flowChartDocument">
+            <a:avLst/>
+          </a:prstGeom>
+          <a:solidFill>
+            <a:schemeClr val="accent2">
+              <a:lumMod val="20000"/>
+              <a:lumOff val="80000"/>
+            </a:schemeClr>
+          </a:solidFill>
+          <a:ln w="31750">
+            <a:solidFill>
+              <a:schemeClr val="accent2"/>
+            </a:solidFill>
+          </a:ln>
+        </p:spPr>
+        <p:style>
+          <a:lnRef idx="2">
+            <a:schemeClr val="accent1">
+              <a:shade val="50000"/>
+            </a:schemeClr>
+          </a:lnRef>
+          <a:fillRef idx="1">
+            <a:schemeClr val="accent1"/>
+          </a:fillRef>
+          <a:effectRef idx="0">
+            <a:schemeClr val="accent1"/>
+          </a:effectRef>
+          <a:fontRef idx="minor">
+            <a:schemeClr val="lt1"/>
+          </a:fontRef>
+        </p:style>
+        <p:txBody>
+          <a:bodyPr rtlCol="0" anchor="ctr"/>
+          <a:lstStyle/>
+          <a:p>
+            <a:pPr lvl="0" algn="ctr"/>
             <a:r>
               <a:rPr lang="en-US" sz="1300" b="1" dirty="0" smtClean="0">
                 <a:solidFill>
                   <a:prstClr val="black"/>
                 </a:solidFill>
               </a:rPr>
-              <a:t>Compiler</a:t>
+              <a:t>MPS File</a:t>
+            </a:r>
+            <a:endParaRPr lang="en-US" sz="1300" b="1" dirty="0">
+              <a:solidFill>
+                <a:prstClr val="white"/>
+              </a:solidFill>
+            </a:endParaRPr>
+          </a:p>
+        </p:txBody>
+      </p:sp>
+      <p:sp>
+        <p:nvSpPr>
+          <p:cNvPr id="21" name="Flowchart: Predefined Process 20"/>
+          <p:cNvSpPr>
+            <a:spLocks noChangeAspect="1"/>
+          </p:cNvSpPr>
+          <p:nvPr/>
+        </p:nvSpPr>
+        <p:spPr>
+          <a:xfrm>
+            <a:off x="6096000" y="4191000"/>
+            <a:ext cx="1143000" cy="609600"/>
+          </a:xfrm>
+          <a:prstGeom prst="flowChartPredefinedProcess">
+            <a:avLst/>
+          </a:prstGeom>
+          <a:solidFill>
+            <a:schemeClr val="accent1">
+              <a:lumMod val="20000"/>
+              <a:lumOff val="80000"/>
+            </a:schemeClr>
+          </a:solidFill>
+        </p:spPr>
+        <p:style>
+          <a:lnRef idx="2">
+            <a:schemeClr val="accent1">
+              <a:shade val="50000"/>
+            </a:schemeClr>
+          </a:lnRef>
+          <a:fillRef idx="1">
+            <a:schemeClr val="accent1"/>
+          </a:fillRef>
+          <a:effectRef idx="0">
+            <a:schemeClr val="accent1"/>
+          </a:effectRef>
+          <a:fontRef idx="minor">
+            <a:schemeClr val="lt1"/>
+          </a:fontRef>
+        </p:style>
+        <p:txBody>
+          <a:bodyPr rtlCol="0" anchor="ctr"/>
+          <a:lstStyle/>
+          <a:p>
+            <a:pPr lvl="0" algn="ctr"/>
+            <a:r>
+              <a:rPr lang="en-US" sz="1300" b="1" dirty="0" smtClean="0">
+                <a:solidFill>
+                  <a:prstClr val="black"/>
+                </a:solidFill>
+              </a:rPr>
+              <a:t>LP Solver</a:t>
+            </a:r>
+            <a:endParaRPr lang="en-US" sz="1300" b="1" dirty="0">
+              <a:solidFill>
+                <a:prstClr val="white"/>
+              </a:solidFill>
+            </a:endParaRPr>
+          </a:p>
+        </p:txBody>
+      </p:sp>
+      <p:sp>
+        <p:nvSpPr>
+          <p:cNvPr id="22" name="Flowchart: Data 21"/>
+          <p:cNvSpPr>
+            <a:spLocks noChangeAspect="1"/>
+          </p:cNvSpPr>
+          <p:nvPr/>
+        </p:nvSpPr>
+        <p:spPr>
+          <a:xfrm>
+            <a:off x="1295400" y="5029200"/>
+            <a:ext cx="1219200" cy="609600"/>
+          </a:xfrm>
+          <a:prstGeom prst="flowChartInputOutput">
+            <a:avLst/>
+          </a:prstGeom>
+          <a:solidFill>
+            <a:schemeClr val="accent1">
+              <a:lumMod val="20000"/>
+              <a:lumOff val="80000"/>
+            </a:schemeClr>
+          </a:solidFill>
+        </p:spPr>
+        <p:style>
+          <a:lnRef idx="2">
+            <a:schemeClr val="accent1">
+              <a:shade val="50000"/>
+            </a:schemeClr>
+          </a:lnRef>
+          <a:fillRef idx="1">
+            <a:schemeClr val="accent1"/>
+          </a:fillRef>
+          <a:effectRef idx="0">
+            <a:schemeClr val="accent1"/>
+          </a:effectRef>
+          <a:fontRef idx="minor">
+            <a:schemeClr val="lt1"/>
+          </a:fontRef>
+        </p:style>
+        <p:txBody>
+          <a:bodyPr rtlCol="0" anchor="ctr"/>
+          <a:lstStyle/>
+          <a:p>
+            <a:pPr algn="ctr"/>
+            <a:r>
+              <a:rPr lang="en-US" sz="1300" b="1" dirty="0" smtClean="0">
+                <a:solidFill>
+                  <a:schemeClr val="tx1"/>
+                </a:solidFill>
+              </a:rPr>
+              <a:t>Input Data</a:t>
+            </a:r>
+            <a:endParaRPr lang="en-US" sz="1300" b="1" dirty="0"/>
+          </a:p>
+        </p:txBody>
+      </p:sp>
+      <p:cxnSp>
+        <p:nvCxnSpPr>
+          <p:cNvPr id="25" name="Elbow Connector 24"/>
+          <p:cNvCxnSpPr>
+            <a:stCxn id="19" idx="3"/>
+            <a:endCxn id="21" idx="1"/>
+          </p:cNvCxnSpPr>
+          <p:nvPr/>
+        </p:nvCxnSpPr>
+        <p:spPr>
+          <a:xfrm>
+            <a:off x="5715000" y="4495800"/>
+            <a:ext cx="381000" cy="1588"/>
+          </a:xfrm>
+          <a:prstGeom prst="bentConnector3">
+            <a:avLst>
+              <a:gd name="adj1" fmla="val 50000"/>
+            </a:avLst>
+          </a:prstGeom>
+          <a:ln w="28575" cmpd="sng">
+            <a:solidFill>
+              <a:schemeClr val="tx1"/>
+            </a:solidFill>
+            <a:tailEnd type="arrow"/>
+          </a:ln>
+        </p:spPr>
+        <p:style>
+          <a:lnRef idx="1">
+            <a:schemeClr val="accent1"/>
+          </a:lnRef>
+          <a:fillRef idx="0">
+            <a:schemeClr val="accent1"/>
+          </a:fillRef>
+          <a:effectRef idx="0">
+            <a:schemeClr val="accent1"/>
+          </a:effectRef>
+          <a:fontRef idx="minor">
+            <a:schemeClr val="tx1"/>
+          </a:fontRef>
+        </p:style>
+      </p:cxnSp>
+      <p:cxnSp>
+        <p:nvCxnSpPr>
+          <p:cNvPr id="26" name="Elbow Connector 25"/>
+          <p:cNvCxnSpPr>
+            <a:stCxn id="21" idx="3"/>
+            <a:endCxn id="17" idx="2"/>
+          </p:cNvCxnSpPr>
+          <p:nvPr/>
+        </p:nvCxnSpPr>
+        <p:spPr>
+          <a:xfrm>
+            <a:off x="7239000" y="4495800"/>
+            <a:ext cx="342900" cy="1588"/>
+          </a:xfrm>
+          <a:prstGeom prst="bentConnector3">
+            <a:avLst>
+              <a:gd name="adj1" fmla="val 50000"/>
+            </a:avLst>
+          </a:prstGeom>
+          <a:ln w="28575" cmpd="sng">
+            <a:solidFill>
+              <a:schemeClr val="tx1"/>
+            </a:solidFill>
+            <a:tailEnd type="arrow"/>
+          </a:ln>
+        </p:spPr>
+        <p:style>
+          <a:lnRef idx="1">
+            <a:schemeClr val="accent1"/>
+          </a:lnRef>
+          <a:fillRef idx="0">
+            <a:schemeClr val="accent1"/>
+          </a:fillRef>
+          <a:effectRef idx="0">
+            <a:schemeClr val="accent1"/>
+          </a:effectRef>
+          <a:fontRef idx="minor">
+            <a:schemeClr val="tx1"/>
+          </a:fontRef>
+        </p:style>
+      </p:cxnSp>
+      <p:sp>
+        <p:nvSpPr>
+          <p:cNvPr id="30" name="Flowchart: Data 29"/>
+          <p:cNvSpPr>
+            <a:spLocks noChangeAspect="1"/>
+          </p:cNvSpPr>
+          <p:nvPr/>
+        </p:nvSpPr>
+        <p:spPr>
+          <a:xfrm>
+            <a:off x="7010400" y="1600200"/>
+            <a:ext cx="1143000" cy="609600"/>
+          </a:xfrm>
+          <a:prstGeom prst="flowChartInputOutput">
+            <a:avLst/>
+          </a:prstGeom>
+          <a:solidFill>
+            <a:schemeClr val="accent1">
+              <a:lumMod val="20000"/>
+              <a:lumOff val="80000"/>
+            </a:schemeClr>
+          </a:solidFill>
+        </p:spPr>
+        <p:style>
+          <a:lnRef idx="2">
+            <a:schemeClr val="accent1">
+              <a:shade val="50000"/>
+            </a:schemeClr>
+          </a:lnRef>
+          <a:fillRef idx="1">
+            <a:schemeClr val="accent1"/>
+          </a:fillRef>
+          <a:effectRef idx="0">
+            <a:schemeClr val="accent1"/>
+          </a:effectRef>
+          <a:fontRef idx="minor">
+            <a:schemeClr val="lt1"/>
+          </a:fontRef>
+        </p:style>
+        <p:txBody>
+          <a:bodyPr rtlCol="0" anchor="ctr"/>
+          <a:lstStyle/>
+          <a:p>
+            <a:pPr algn="ctr"/>
+            <a:r>
+              <a:rPr lang="en-US" sz="1300" b="1" dirty="0" smtClean="0">
+                <a:solidFill>
+                  <a:schemeClr val="tx1"/>
+                </a:solidFill>
+              </a:rPr>
+              <a:t>Output</a:t>
+            </a:r>
+          </a:p>
+          <a:p>
+            <a:pPr algn="ctr"/>
+            <a:r>
+              <a:rPr lang="en-US" sz="1300" b="1" dirty="0" smtClean="0">
+                <a:solidFill>
+                  <a:schemeClr val="tx1"/>
+                </a:solidFill>
+              </a:rPr>
+              <a:t>Data</a:t>
+            </a:r>
+            <a:endParaRPr lang="en-US" sz="1300" b="1" dirty="0"/>
+          </a:p>
+        </p:txBody>
+      </p:sp>
+      <p:sp>
+        <p:nvSpPr>
+          <p:cNvPr id="32" name="Flowchart: Document 31"/>
+          <p:cNvSpPr>
+            <a:spLocks noChangeAspect="1"/>
+          </p:cNvSpPr>
+          <p:nvPr/>
+        </p:nvSpPr>
+        <p:spPr>
+          <a:xfrm>
+            <a:off x="1295400" y="914400"/>
+            <a:ext cx="1219200" cy="609600"/>
+          </a:xfrm>
+          <a:prstGeom prst="flowChartDocument">
+            <a:avLst/>
+          </a:prstGeom>
+          <a:solidFill>
+            <a:schemeClr val="accent1">
+              <a:lumMod val="20000"/>
+              <a:lumOff val="80000"/>
+            </a:schemeClr>
+          </a:solidFill>
+        </p:spPr>
+        <p:style>
+          <a:lnRef idx="2">
+            <a:schemeClr val="accent1">
+              <a:shade val="50000"/>
+            </a:schemeClr>
+          </a:lnRef>
+          <a:fillRef idx="1">
+            <a:schemeClr val="accent1"/>
+          </a:fillRef>
+          <a:effectRef idx="0">
+            <a:schemeClr val="accent1"/>
+          </a:effectRef>
+          <a:fontRef idx="minor">
+            <a:schemeClr val="lt1"/>
+          </a:fontRef>
+        </p:style>
+        <p:txBody>
+          <a:bodyPr rtlCol="0" anchor="ctr"/>
+          <a:lstStyle/>
+          <a:p>
+            <a:pPr lvl="0" algn="ctr"/>
+            <a:r>
+              <a:rPr lang="en-US" sz="1300" b="1" dirty="0" smtClean="0">
+                <a:solidFill>
+                  <a:prstClr val="black"/>
+                </a:solidFill>
+              </a:rPr>
+              <a:t>WRESL  Files</a:t>
+            </a:r>
+            <a:endParaRPr lang="en-US" sz="1300" b="1" dirty="0">
+              <a:solidFill>
+                <a:prstClr val="white"/>
+              </a:solidFill>
+            </a:endParaRPr>
+          </a:p>
+        </p:txBody>
+      </p:sp>
+      <p:sp>
+        <p:nvSpPr>
+          <p:cNvPr id="43" name="Flowchart: Document 42"/>
+          <p:cNvSpPr>
+            <a:spLocks noChangeAspect="1"/>
+          </p:cNvSpPr>
+          <p:nvPr/>
+        </p:nvSpPr>
+        <p:spPr>
+          <a:xfrm>
+            <a:off x="4191000" y="1600200"/>
+            <a:ext cx="1066800" cy="609600"/>
+          </a:xfrm>
+          <a:prstGeom prst="flowChartDocument">
+            <a:avLst/>
+          </a:prstGeom>
+          <a:solidFill>
+            <a:schemeClr val="accent2">
+              <a:lumMod val="20000"/>
+              <a:lumOff val="80000"/>
+            </a:schemeClr>
+          </a:solidFill>
+          <a:ln w="34925">
+            <a:solidFill>
+              <a:schemeClr val="accent2"/>
+            </a:solidFill>
+          </a:ln>
+        </p:spPr>
+        <p:style>
+          <a:lnRef idx="2">
+            <a:schemeClr val="accent1">
+              <a:shade val="50000"/>
+            </a:schemeClr>
+          </a:lnRef>
+          <a:fillRef idx="1">
+            <a:schemeClr val="accent1"/>
+          </a:fillRef>
+          <a:effectRef idx="0">
+            <a:schemeClr val="accent1"/>
+          </a:effectRef>
+          <a:fontRef idx="minor">
+            <a:schemeClr val="lt1"/>
+          </a:fontRef>
+        </p:style>
+        <p:txBody>
+          <a:bodyPr rtlCol="0" anchor="ctr"/>
+          <a:lstStyle/>
+          <a:p>
+            <a:pPr lvl="0" algn="ctr"/>
+            <a:r>
+              <a:rPr lang="en-US" sz="1300" b="1" dirty="0" smtClean="0">
+                <a:solidFill>
+                  <a:prstClr val="black"/>
+                </a:solidFill>
+              </a:rPr>
+              <a:t>MPS File</a:t>
+            </a:r>
+            <a:endParaRPr lang="en-US" sz="1300" b="1" dirty="0">
+              <a:solidFill>
+                <a:prstClr val="white"/>
+              </a:solidFill>
+            </a:endParaRPr>
+          </a:p>
+        </p:txBody>
+      </p:sp>
+      <p:sp>
+        <p:nvSpPr>
+          <p:cNvPr id="44" name="Flowchart: Predefined Process 43"/>
+          <p:cNvSpPr>
+            <a:spLocks noChangeAspect="1"/>
+          </p:cNvSpPr>
+          <p:nvPr/>
+        </p:nvSpPr>
+        <p:spPr>
+          <a:xfrm>
+            <a:off x="5638800" y="1600200"/>
+            <a:ext cx="1143000" cy="609600"/>
+          </a:xfrm>
+          <a:prstGeom prst="flowChartPredefinedProcess">
+            <a:avLst/>
+          </a:prstGeom>
+          <a:solidFill>
+            <a:schemeClr val="accent1">
+              <a:lumMod val="20000"/>
+              <a:lumOff val="80000"/>
+            </a:schemeClr>
+          </a:solidFill>
+        </p:spPr>
+        <p:style>
+          <a:lnRef idx="2">
+            <a:schemeClr val="accent1">
+              <a:shade val="50000"/>
+            </a:schemeClr>
+          </a:lnRef>
+          <a:fillRef idx="1">
+            <a:schemeClr val="accent1"/>
+          </a:fillRef>
+          <a:effectRef idx="0">
+            <a:schemeClr val="accent1"/>
+          </a:effectRef>
+          <a:fontRef idx="minor">
+            <a:schemeClr val="lt1"/>
+          </a:fontRef>
+        </p:style>
+        <p:txBody>
+          <a:bodyPr rtlCol="0" anchor="ctr"/>
+          <a:lstStyle/>
+          <a:p>
+            <a:pPr lvl="0" algn="ctr"/>
+            <a:r>
+              <a:rPr lang="en-US" sz="1300" b="1" dirty="0" smtClean="0">
+                <a:solidFill>
+                  <a:prstClr val="black"/>
+                </a:solidFill>
+              </a:rPr>
+              <a:t>LP Solver</a:t>
+            </a:r>
+            <a:endParaRPr lang="en-US" sz="1300" b="1" dirty="0">
+              <a:solidFill>
+                <a:prstClr val="white"/>
+              </a:solidFill>
+            </a:endParaRPr>
+          </a:p>
+        </p:txBody>
+      </p:sp>
+      <p:sp>
+        <p:nvSpPr>
+          <p:cNvPr id="45" name="Flowchart: Data 44"/>
+          <p:cNvSpPr>
+            <a:spLocks noChangeAspect="1"/>
+          </p:cNvSpPr>
+          <p:nvPr/>
+        </p:nvSpPr>
+        <p:spPr>
+          <a:xfrm>
+            <a:off x="1143000" y="2514600"/>
+            <a:ext cx="1524000" cy="533400"/>
+          </a:xfrm>
+          <a:prstGeom prst="flowChartInputOutput">
+            <a:avLst/>
+          </a:prstGeom>
+          <a:solidFill>
+            <a:schemeClr val="accent1">
+              <a:lumMod val="20000"/>
+              <a:lumOff val="80000"/>
+            </a:schemeClr>
+          </a:solidFill>
+        </p:spPr>
+        <p:style>
+          <a:lnRef idx="2">
+            <a:schemeClr val="accent1">
+              <a:shade val="50000"/>
+            </a:schemeClr>
+          </a:lnRef>
+          <a:fillRef idx="1">
+            <a:schemeClr val="accent1"/>
+          </a:fillRef>
+          <a:effectRef idx="0">
+            <a:schemeClr val="accent1"/>
+          </a:effectRef>
+          <a:fontRef idx="minor">
+            <a:schemeClr val="lt1"/>
+          </a:fontRef>
+        </p:style>
+        <p:txBody>
+          <a:bodyPr rtlCol="0" anchor="ctr"/>
+          <a:lstStyle/>
+          <a:p>
+            <a:pPr algn="ctr"/>
+            <a:r>
+              <a:rPr lang="en-US" sz="1300" b="1" dirty="0" smtClean="0">
+                <a:solidFill>
+                  <a:schemeClr val="tx1"/>
+                </a:solidFill>
+              </a:rPr>
+              <a:t>Input Data</a:t>
+            </a:r>
+            <a:endParaRPr lang="en-US" sz="1300" b="1" dirty="0"/>
+          </a:p>
+        </p:txBody>
+      </p:sp>
+      <p:sp>
+        <p:nvSpPr>
+          <p:cNvPr id="46" name="Flowchart: Predefined Process 45"/>
+          <p:cNvSpPr>
+            <a:spLocks noChangeAspect="1"/>
+          </p:cNvSpPr>
+          <p:nvPr/>
+        </p:nvSpPr>
+        <p:spPr>
+          <a:xfrm>
+            <a:off x="2514600" y="1600200"/>
+            <a:ext cx="1295400" cy="609600"/>
+          </a:xfrm>
+          <a:prstGeom prst="flowChartPredefinedProcess">
+            <a:avLst/>
+          </a:prstGeom>
+          <a:solidFill>
+            <a:schemeClr val="accent1">
+              <a:lumMod val="20000"/>
+              <a:lumOff val="80000"/>
+            </a:schemeClr>
+          </a:solidFill>
+        </p:spPr>
+        <p:style>
+          <a:lnRef idx="2">
+            <a:schemeClr val="accent1">
+              <a:shade val="50000"/>
+            </a:schemeClr>
+          </a:lnRef>
+          <a:fillRef idx="1">
+            <a:schemeClr val="accent1"/>
+          </a:fillRef>
+          <a:effectRef idx="0">
+            <a:schemeClr val="accent1"/>
+          </a:effectRef>
+          <a:fontRef idx="minor">
+            <a:schemeClr val="lt1"/>
+          </a:fontRef>
+        </p:style>
+        <p:txBody>
+          <a:bodyPr rtlCol="0" anchor="ctr"/>
+          <a:lstStyle/>
+          <a:p>
+            <a:pPr lvl="0" algn="ctr"/>
+            <a:r>
+              <a:rPr lang="en-US" sz="1300" b="1" dirty="0" smtClean="0">
+                <a:solidFill>
+                  <a:prstClr val="black"/>
+                </a:solidFill>
+              </a:rPr>
+              <a:t>WRESL Compiler</a:t>
+            </a:r>
+            <a:endParaRPr lang="en-US" sz="1300" b="1" dirty="0">
+              <a:solidFill>
+                <a:prstClr val="white"/>
+              </a:solidFill>
+            </a:endParaRPr>
+          </a:p>
+        </p:txBody>
+      </p:sp>
+      <p:cxnSp>
+        <p:nvCxnSpPr>
+          <p:cNvPr id="48" name="Elbow Connector 47"/>
+          <p:cNvCxnSpPr>
+            <a:stCxn id="46" idx="3"/>
+            <a:endCxn id="43" idx="1"/>
+          </p:cNvCxnSpPr>
+          <p:nvPr/>
+        </p:nvCxnSpPr>
+        <p:spPr>
+          <a:xfrm>
+            <a:off x="3810000" y="1905000"/>
+            <a:ext cx="381000" cy="1588"/>
+          </a:xfrm>
+          <a:prstGeom prst="bentConnector3">
+            <a:avLst>
+              <a:gd name="adj1" fmla="val 50000"/>
+            </a:avLst>
+          </a:prstGeom>
+          <a:ln w="28575" cmpd="sng">
+            <a:solidFill>
+              <a:schemeClr val="tx1"/>
+            </a:solidFill>
+            <a:tailEnd type="arrow"/>
+          </a:ln>
+        </p:spPr>
+        <p:style>
+          <a:lnRef idx="1">
+            <a:schemeClr val="accent1"/>
+          </a:lnRef>
+          <a:fillRef idx="0">
+            <a:schemeClr val="accent1"/>
+          </a:fillRef>
+          <a:effectRef idx="0">
+            <a:schemeClr val="accent1"/>
+          </a:effectRef>
+          <a:fontRef idx="minor">
+            <a:schemeClr val="tx1"/>
+          </a:fontRef>
+        </p:style>
+      </p:cxnSp>
+      <p:cxnSp>
+        <p:nvCxnSpPr>
+          <p:cNvPr id="49" name="Elbow Connector 48"/>
+          <p:cNvCxnSpPr>
+            <a:stCxn id="43" idx="3"/>
+            <a:endCxn id="44" idx="1"/>
+          </p:cNvCxnSpPr>
+          <p:nvPr/>
+        </p:nvCxnSpPr>
+        <p:spPr>
+          <a:xfrm>
+            <a:off x="5257800" y="1905000"/>
+            <a:ext cx="381000" cy="1588"/>
+          </a:xfrm>
+          <a:prstGeom prst="bentConnector3">
+            <a:avLst>
+              <a:gd name="adj1" fmla="val 50000"/>
+            </a:avLst>
+          </a:prstGeom>
+          <a:ln w="28575" cmpd="sng">
+            <a:solidFill>
+              <a:schemeClr val="tx1"/>
+            </a:solidFill>
+            <a:tailEnd type="arrow"/>
+          </a:ln>
+        </p:spPr>
+        <p:style>
+          <a:lnRef idx="1">
+            <a:schemeClr val="accent1"/>
+          </a:lnRef>
+          <a:fillRef idx="0">
+            <a:schemeClr val="accent1"/>
+          </a:fillRef>
+          <a:effectRef idx="0">
+            <a:schemeClr val="accent1"/>
+          </a:effectRef>
+          <a:fontRef idx="minor">
+            <a:schemeClr val="tx1"/>
+          </a:fontRef>
+        </p:style>
+      </p:cxnSp>
+      <p:cxnSp>
+        <p:nvCxnSpPr>
+          <p:cNvPr id="50" name="Elbow Connector 49"/>
+          <p:cNvCxnSpPr>
+            <a:stCxn id="44" idx="3"/>
+            <a:endCxn id="30" idx="2"/>
+          </p:cNvCxnSpPr>
+          <p:nvPr/>
+        </p:nvCxnSpPr>
+        <p:spPr>
+          <a:xfrm>
+            <a:off x="6781800" y="1905000"/>
+            <a:ext cx="342900" cy="1588"/>
+          </a:xfrm>
+          <a:prstGeom prst="bentConnector3">
+            <a:avLst>
+              <a:gd name="adj1" fmla="val 50000"/>
+            </a:avLst>
+          </a:prstGeom>
+          <a:ln w="28575" cmpd="sng">
+            <a:solidFill>
+              <a:schemeClr val="tx1"/>
+            </a:solidFill>
+            <a:tailEnd type="arrow"/>
+          </a:ln>
+        </p:spPr>
+        <p:style>
+          <a:lnRef idx="1">
+            <a:schemeClr val="accent1"/>
+          </a:lnRef>
+          <a:fillRef idx="0">
+            <a:schemeClr val="accent1"/>
+          </a:fillRef>
+          <a:effectRef idx="0">
+            <a:schemeClr val="accent1"/>
+          </a:effectRef>
+          <a:fontRef idx="minor">
+            <a:schemeClr val="tx1"/>
+          </a:fontRef>
+        </p:style>
+      </p:cxnSp>
+      <p:cxnSp>
+        <p:nvCxnSpPr>
+          <p:cNvPr id="51" name="Elbow Connector 26"/>
+          <p:cNvCxnSpPr>
+            <a:stCxn id="32" idx="2"/>
+            <a:endCxn id="46" idx="1"/>
+          </p:cNvCxnSpPr>
+          <p:nvPr/>
+        </p:nvCxnSpPr>
+        <p:spPr>
+          <a:xfrm rot="16200000" flipH="1">
+            <a:off x="1999150" y="1389549"/>
+            <a:ext cx="421301" cy="609600"/>
+          </a:xfrm>
+          <a:prstGeom prst="bentConnector2">
+            <a:avLst/>
+          </a:prstGeom>
+          <a:ln w="28575" cmpd="sng">
+            <a:solidFill>
+              <a:schemeClr val="tx1"/>
+            </a:solidFill>
+            <a:tailEnd type="arrow"/>
+          </a:ln>
+        </p:spPr>
+        <p:style>
+          <a:lnRef idx="1">
+            <a:schemeClr val="accent1"/>
+          </a:lnRef>
+          <a:fillRef idx="0">
+            <a:schemeClr val="accent1"/>
+          </a:fillRef>
+          <a:effectRef idx="0">
+            <a:schemeClr val="accent1"/>
+          </a:effectRef>
+          <a:fontRef idx="minor">
+            <a:schemeClr val="tx1"/>
+          </a:fontRef>
+        </p:style>
+      </p:cxnSp>
+      <p:cxnSp>
+        <p:nvCxnSpPr>
+          <p:cNvPr id="52" name="Elbow Connector 27"/>
+          <p:cNvCxnSpPr>
+            <a:stCxn id="45" idx="1"/>
+            <a:endCxn id="46" idx="1"/>
+          </p:cNvCxnSpPr>
+          <p:nvPr/>
+        </p:nvCxnSpPr>
+        <p:spPr>
+          <a:xfrm rot="5400000" flipH="1" flipV="1">
+            <a:off x="1905000" y="1905000"/>
+            <a:ext cx="609600" cy="609600"/>
+          </a:xfrm>
+          <a:prstGeom prst="bentConnector2">
+            <a:avLst/>
+          </a:prstGeom>
+          <a:ln w="28575" cmpd="sng">
+            <a:solidFill>
+              <a:schemeClr val="tx1"/>
+            </a:solidFill>
+            <a:tailEnd type="arrow"/>
+          </a:ln>
+        </p:spPr>
+        <p:style>
+          <a:lnRef idx="1">
+            <a:schemeClr val="accent1"/>
+          </a:lnRef>
+          <a:fillRef idx="0">
+            <a:schemeClr val="accent1"/>
+          </a:fillRef>
+          <a:effectRef idx="0">
+            <a:schemeClr val="accent1"/>
+          </a:effectRef>
+          <a:fontRef idx="minor">
+            <a:schemeClr val="tx1"/>
+          </a:fontRef>
+        </p:style>
+      </p:cxnSp>
+      <p:sp>
+        <p:nvSpPr>
+          <p:cNvPr id="53" name="Flowchart: Predefined Process 52"/>
+          <p:cNvSpPr>
+            <a:spLocks noChangeAspect="1"/>
+          </p:cNvSpPr>
+          <p:nvPr/>
+        </p:nvSpPr>
+        <p:spPr>
+          <a:xfrm>
+            <a:off x="4114800" y="2514600"/>
+            <a:ext cx="1219200" cy="533400"/>
+          </a:xfrm>
+          <a:prstGeom prst="flowChartPredefinedProcess">
+            <a:avLst/>
+          </a:prstGeom>
+          <a:solidFill>
+            <a:schemeClr val="accent1">
+              <a:lumMod val="20000"/>
+              <a:lumOff val="80000"/>
+            </a:schemeClr>
+          </a:solidFill>
+        </p:spPr>
+        <p:style>
+          <a:lnRef idx="2">
+            <a:schemeClr val="accent1">
+              <a:shade val="50000"/>
+            </a:schemeClr>
+          </a:lnRef>
+          <a:fillRef idx="1">
+            <a:schemeClr val="accent1"/>
+          </a:fillRef>
+          <a:effectRef idx="0">
+            <a:schemeClr val="accent1"/>
+          </a:effectRef>
+          <a:fontRef idx="minor">
+            <a:schemeClr val="lt1"/>
+          </a:fontRef>
+        </p:style>
+        <p:txBody>
+          <a:bodyPr rtlCol="0" anchor="ctr"/>
+          <a:lstStyle/>
+          <a:p>
+            <a:pPr lvl="0" algn="ctr"/>
+            <a:r>
+              <a:rPr lang="en-US" sz="1300" b="1" dirty="0" smtClean="0">
+                <a:solidFill>
+                  <a:prstClr val="black"/>
+                </a:solidFill>
+              </a:rPr>
+              <a:t>Data Processor</a:t>
+            </a:r>
+            <a:endParaRPr lang="en-US" sz="1300" b="1" dirty="0">
+              <a:solidFill>
+                <a:prstClr val="white"/>
+              </a:solidFill>
+            </a:endParaRPr>
+          </a:p>
+        </p:txBody>
+      </p:sp>
+      <p:cxnSp>
+        <p:nvCxnSpPr>
+          <p:cNvPr id="54" name="Elbow Connector 53"/>
+          <p:cNvCxnSpPr>
+            <a:stCxn id="53" idx="0"/>
+            <a:endCxn id="43" idx="2"/>
+          </p:cNvCxnSpPr>
+          <p:nvPr/>
+        </p:nvCxnSpPr>
+        <p:spPr>
+          <a:xfrm rot="5400000" flipH="1" flipV="1">
+            <a:off x="4551850" y="2342050"/>
+            <a:ext cx="345101" cy="1588"/>
+          </a:xfrm>
+          <a:prstGeom prst="bentConnector3">
+            <a:avLst>
+              <a:gd name="adj1" fmla="val 50000"/>
+            </a:avLst>
+          </a:prstGeom>
+          <a:ln w="28575" cmpd="sng">
+            <a:solidFill>
+              <a:schemeClr val="tx1"/>
+            </a:solidFill>
+            <a:tailEnd type="arrow"/>
+          </a:ln>
+        </p:spPr>
+        <p:style>
+          <a:lnRef idx="1">
+            <a:schemeClr val="accent1"/>
+          </a:lnRef>
+          <a:fillRef idx="0">
+            <a:schemeClr val="accent1"/>
+          </a:fillRef>
+          <a:effectRef idx="0">
+            <a:schemeClr val="accent1"/>
+          </a:effectRef>
+          <a:fontRef idx="minor">
+            <a:schemeClr val="tx1"/>
+          </a:fontRef>
+        </p:style>
+      </p:cxnSp>
+      <p:cxnSp>
+        <p:nvCxnSpPr>
+          <p:cNvPr id="55" name="Elbow Connector 78"/>
+          <p:cNvCxnSpPr>
+            <a:stCxn id="44" idx="2"/>
+            <a:endCxn id="53" idx="3"/>
+          </p:cNvCxnSpPr>
+          <p:nvPr/>
+        </p:nvCxnSpPr>
+        <p:spPr>
+          <a:xfrm rot="5400000">
+            <a:off x="5486400" y="2057400"/>
+            <a:ext cx="571500" cy="876300"/>
+          </a:xfrm>
+          <a:prstGeom prst="bentConnector2">
+            <a:avLst/>
+          </a:prstGeom>
+          <a:ln w="28575" cmpd="sng">
+            <a:solidFill>
+              <a:schemeClr val="accent3">
+                <a:lumMod val="75000"/>
+              </a:schemeClr>
+            </a:solidFill>
+            <a:prstDash val="sysDash"/>
+            <a:tailEnd type="arrow"/>
+          </a:ln>
+        </p:spPr>
+        <p:style>
+          <a:lnRef idx="1">
+            <a:schemeClr val="accent1"/>
+          </a:lnRef>
+          <a:fillRef idx="0">
+            <a:schemeClr val="accent1"/>
+          </a:fillRef>
+          <a:effectRef idx="0">
+            <a:schemeClr val="accent1"/>
+          </a:effectRef>
+          <a:fontRef idx="minor">
+            <a:schemeClr val="tx1"/>
+          </a:fontRef>
+        </p:style>
+      </p:cxnSp>
+      <p:cxnSp>
+        <p:nvCxnSpPr>
+          <p:cNvPr id="56" name="Elbow Connector 78"/>
+          <p:cNvCxnSpPr>
+            <a:stCxn id="45" idx="5"/>
+            <a:endCxn id="53" idx="1"/>
+          </p:cNvCxnSpPr>
+          <p:nvPr/>
+        </p:nvCxnSpPr>
+        <p:spPr>
+          <a:xfrm>
+            <a:off x="2514600" y="2781300"/>
+            <a:ext cx="1600200" cy="1588"/>
+          </a:xfrm>
+          <a:prstGeom prst="bentConnector3">
+            <a:avLst>
+              <a:gd name="adj1" fmla="val 50000"/>
+            </a:avLst>
+          </a:prstGeom>
+          <a:ln w="28575" cmpd="sng">
+            <a:solidFill>
+              <a:schemeClr val="tx1"/>
+            </a:solidFill>
+            <a:tailEnd type="arrow"/>
+          </a:ln>
+        </p:spPr>
+        <p:style>
+          <a:lnRef idx="1">
+            <a:schemeClr val="accent1"/>
+          </a:lnRef>
+          <a:fillRef idx="0">
+            <a:schemeClr val="accent1"/>
+          </a:fillRef>
+          <a:effectRef idx="0">
+            <a:schemeClr val="accent1"/>
+          </a:effectRef>
+          <a:fontRef idx="minor">
+            <a:schemeClr val="tx1"/>
+          </a:fontRef>
+        </p:style>
+      </p:cxnSp>
+      <p:grpSp>
+        <p:nvGrpSpPr>
+          <p:cNvPr id="103" name="Group 102"/>
+          <p:cNvGrpSpPr/>
+          <p:nvPr/>
+        </p:nvGrpSpPr>
+        <p:grpSpPr>
+          <a:xfrm>
+            <a:off x="2819400" y="4038600"/>
+            <a:ext cx="1447800" cy="1752600"/>
+            <a:chOff x="2971800" y="4038600"/>
+            <a:chExt cx="1371600" cy="1752600"/>
+          </a:xfrm>
+        </p:grpSpPr>
+        <p:sp>
+          <p:nvSpPr>
+            <p:cNvPr id="85" name="Flowchart: Process 84"/>
+            <p:cNvSpPr/>
+            <p:nvPr/>
+          </p:nvSpPr>
+          <p:spPr>
+            <a:xfrm>
+              <a:off x="3124200" y="4191000"/>
+              <a:ext cx="1066800" cy="609600"/>
+            </a:xfrm>
+            <a:prstGeom prst="flowChartProcess">
+              <a:avLst/>
+            </a:prstGeom>
+            <a:solidFill>
+              <a:schemeClr val="accent1">
+                <a:lumMod val="20000"/>
+                <a:lumOff val="80000"/>
+              </a:schemeClr>
+            </a:solidFill>
+          </p:spPr>
+          <p:style>
+            <a:lnRef idx="2">
+              <a:schemeClr val="accent1">
+                <a:shade val="50000"/>
+              </a:schemeClr>
+            </a:lnRef>
+            <a:fillRef idx="1">
+              <a:schemeClr val="accent1"/>
+            </a:fillRef>
+            <a:effectRef idx="0">
+              <a:schemeClr val="accent1"/>
+            </a:effectRef>
+            <a:fontRef idx="minor">
+              <a:schemeClr val="lt1"/>
+            </a:fontRef>
+          </p:style>
+          <p:txBody>
+            <a:bodyPr rtlCol="0" anchor="ctr"/>
+            <a:lstStyle/>
+            <a:p>
+              <a:pPr lvl="0" algn="ctr"/>
+              <a:r>
+                <a:rPr lang="en-US" sz="1300" b="1" dirty="0" smtClean="0">
+                  <a:solidFill>
+                    <a:prstClr val="black"/>
+                  </a:solidFill>
+                </a:rPr>
+                <a:t>WRESL Compiler</a:t>
+              </a:r>
+              <a:endParaRPr lang="en-US" sz="1300" b="1" dirty="0">
+                <a:solidFill>
+                  <a:prstClr val="white"/>
+                </a:solidFill>
+              </a:endParaRPr>
+            </a:p>
+          </p:txBody>
+        </p:sp>
+        <p:sp>
+          <p:nvSpPr>
+            <p:cNvPr id="87" name="Flowchart: Process 86"/>
+            <p:cNvSpPr/>
+            <p:nvPr/>
+          </p:nvSpPr>
+          <p:spPr>
+            <a:xfrm>
+              <a:off x="3124200" y="5029200"/>
+              <a:ext cx="1066800" cy="609600"/>
+            </a:xfrm>
+            <a:prstGeom prst="flowChartProcess">
+              <a:avLst/>
+            </a:prstGeom>
+            <a:solidFill>
+              <a:schemeClr val="accent1">
+                <a:lumMod val="20000"/>
+                <a:lumOff val="80000"/>
+              </a:schemeClr>
+            </a:solidFill>
+          </p:spPr>
+          <p:style>
+            <a:lnRef idx="2">
+              <a:schemeClr val="accent1">
+                <a:shade val="50000"/>
+              </a:schemeClr>
+            </a:lnRef>
+            <a:fillRef idx="1">
+              <a:schemeClr val="accent1"/>
+            </a:fillRef>
+            <a:effectRef idx="0">
+              <a:schemeClr val="accent1"/>
+            </a:effectRef>
+            <a:fontRef idx="minor">
+              <a:schemeClr val="lt1"/>
+            </a:fontRef>
+          </p:style>
+          <p:txBody>
+            <a:bodyPr rtlCol="0" anchor="ctr"/>
+            <a:lstStyle/>
+            <a:p>
+              <a:pPr lvl="0" algn="ctr"/>
+              <a:r>
+                <a:rPr lang="en-US" sz="1300" b="1" dirty="0" smtClean="0">
+                  <a:solidFill>
+                    <a:prstClr val="black"/>
+                  </a:solidFill>
+                </a:rPr>
+                <a:t>Data Processor</a:t>
+              </a:r>
+              <a:endParaRPr lang="en-US" sz="1300" b="1" dirty="0">
+                <a:solidFill>
+                  <a:prstClr val="white"/>
+                </a:solidFill>
+              </a:endParaRPr>
+            </a:p>
+          </p:txBody>
+        </p:sp>
+        <p:sp>
+          <p:nvSpPr>
+            <p:cNvPr id="99" name="Flowchart: Process 98"/>
+            <p:cNvSpPr/>
+            <p:nvPr/>
+          </p:nvSpPr>
+          <p:spPr>
+            <a:xfrm>
+              <a:off x="2971800" y="4038600"/>
+              <a:ext cx="1371600" cy="1752600"/>
+            </a:xfrm>
+            <a:prstGeom prst="flowChartProcess">
+              <a:avLst/>
+            </a:prstGeom>
+            <a:noFill/>
+            <a:ln w="28575"/>
+          </p:spPr>
+          <p:style>
+            <a:lnRef idx="2">
+              <a:schemeClr val="accent1">
+                <a:shade val="50000"/>
+              </a:schemeClr>
+            </a:lnRef>
+            <a:fillRef idx="1">
+              <a:schemeClr val="accent1"/>
+            </a:fillRef>
+            <a:effectRef idx="0">
+              <a:schemeClr val="accent1"/>
+            </a:effectRef>
+            <a:fontRef idx="minor">
+              <a:schemeClr val="lt1"/>
+            </a:fontRef>
+          </p:style>
+          <p:txBody>
+            <a:bodyPr rtlCol="0" anchor="ctr"/>
+            <a:lstStyle/>
+            <a:p>
+              <a:pPr algn="ctr"/>
+              <a:endParaRPr lang="en-US"/>
+            </a:p>
+          </p:txBody>
+        </p:sp>
+      </p:grpSp>
+      <p:cxnSp>
+        <p:nvCxnSpPr>
+          <p:cNvPr id="114" name="Elbow Connector 113"/>
+          <p:cNvCxnSpPr>
+            <a:endCxn id="19" idx="1"/>
+          </p:cNvCxnSpPr>
+          <p:nvPr/>
+        </p:nvCxnSpPr>
+        <p:spPr>
+          <a:xfrm>
+            <a:off x="4267200" y="4495800"/>
+            <a:ext cx="381000" cy="1588"/>
+          </a:xfrm>
+          <a:prstGeom prst="bentConnector3">
+            <a:avLst>
+              <a:gd name="adj1" fmla="val 50000"/>
+            </a:avLst>
+          </a:prstGeom>
+          <a:ln w="28575" cmpd="sng">
+            <a:solidFill>
+              <a:schemeClr val="tx1"/>
+            </a:solidFill>
+            <a:tailEnd type="arrow"/>
+          </a:ln>
+        </p:spPr>
+        <p:style>
+          <a:lnRef idx="1">
+            <a:schemeClr val="accent1"/>
+          </a:lnRef>
+          <a:fillRef idx="0">
+            <a:schemeClr val="accent1"/>
+          </a:fillRef>
+          <a:effectRef idx="0">
+            <a:schemeClr val="accent1"/>
+          </a:effectRef>
+          <a:fontRef idx="minor">
+            <a:schemeClr val="tx1"/>
+          </a:fontRef>
+        </p:style>
+      </p:cxnSp>
+      <p:cxnSp>
+        <p:nvCxnSpPr>
+          <p:cNvPr id="118" name="Elbow Connector 78"/>
+          <p:cNvCxnSpPr>
+            <a:stCxn id="17" idx="3"/>
+          </p:cNvCxnSpPr>
+          <p:nvPr/>
+        </p:nvCxnSpPr>
+        <p:spPr>
+          <a:xfrm rot="5400000">
+            <a:off x="5829300" y="3238500"/>
+            <a:ext cx="533400" cy="3657600"/>
+          </a:xfrm>
+          <a:prstGeom prst="bentConnector2">
+            <a:avLst/>
+          </a:prstGeom>
+          <a:ln w="28575" cmpd="sng">
+            <a:solidFill>
+              <a:schemeClr val="accent3">
+                <a:lumMod val="75000"/>
+              </a:schemeClr>
+            </a:solidFill>
+            <a:prstDash val="sysDash"/>
+            <a:tailEnd type="arrow"/>
+          </a:ln>
+        </p:spPr>
+        <p:style>
+          <a:lnRef idx="1">
+            <a:schemeClr val="accent1"/>
+          </a:lnRef>
+          <a:fillRef idx="0">
+            <a:schemeClr val="accent1"/>
+          </a:fillRef>
+          <a:effectRef idx="0">
+            <a:schemeClr val="accent1"/>
+          </a:effectRef>
+          <a:fontRef idx="minor">
+            <a:schemeClr val="tx1"/>
+          </a:fontRef>
+        </p:style>
+      </p:cxnSp>
+      <p:cxnSp>
+        <p:nvCxnSpPr>
+          <p:cNvPr id="121" name="Elbow Connector 120"/>
+          <p:cNvCxnSpPr>
+            <a:stCxn id="18" idx="3"/>
+          </p:cNvCxnSpPr>
+          <p:nvPr/>
+        </p:nvCxnSpPr>
+        <p:spPr>
+          <a:xfrm>
+            <a:off x="2438400" y="4495800"/>
+            <a:ext cx="381000" cy="1588"/>
+          </a:xfrm>
+          <a:prstGeom prst="bentConnector3">
+            <a:avLst>
+              <a:gd name="adj1" fmla="val 50000"/>
+            </a:avLst>
+          </a:prstGeom>
+          <a:ln w="28575" cmpd="sng">
+            <a:solidFill>
+              <a:schemeClr val="tx1"/>
+            </a:solidFill>
+            <a:tailEnd type="arrow"/>
+          </a:ln>
+        </p:spPr>
+        <p:style>
+          <a:lnRef idx="1">
+            <a:schemeClr val="accent1"/>
+          </a:lnRef>
+          <a:fillRef idx="0">
+            <a:schemeClr val="accent1"/>
+          </a:fillRef>
+          <a:effectRef idx="0">
+            <a:schemeClr val="accent1"/>
+          </a:effectRef>
+          <a:fontRef idx="minor">
+            <a:schemeClr val="tx1"/>
+          </a:fontRef>
+        </p:style>
+      </p:cxnSp>
+      <p:cxnSp>
+        <p:nvCxnSpPr>
+          <p:cNvPr id="124" name="Elbow Connector 123"/>
+          <p:cNvCxnSpPr>
+            <a:stCxn id="22" idx="5"/>
+          </p:cNvCxnSpPr>
+          <p:nvPr/>
+        </p:nvCxnSpPr>
+        <p:spPr>
+          <a:xfrm>
+            <a:off x="2392680" y="5334000"/>
+            <a:ext cx="426720" cy="1588"/>
+          </a:xfrm>
+          <a:prstGeom prst="bentConnector3">
+            <a:avLst>
+              <a:gd name="adj1" fmla="val 50000"/>
+            </a:avLst>
+          </a:prstGeom>
+          <a:ln w="28575" cmpd="sng">
+            <a:solidFill>
+              <a:schemeClr val="tx1"/>
+            </a:solidFill>
+            <a:tailEnd type="arrow"/>
+          </a:ln>
+        </p:spPr>
+        <p:style>
+          <a:lnRef idx="1">
+            <a:schemeClr val="accent1"/>
+          </a:lnRef>
+          <a:fillRef idx="0">
+            <a:schemeClr val="accent1"/>
+          </a:fillRef>
+          <a:effectRef idx="0">
+            <a:schemeClr val="accent1"/>
+          </a:effectRef>
+          <a:fontRef idx="minor">
+            <a:schemeClr val="tx1"/>
+          </a:fontRef>
+        </p:style>
+      </p:cxnSp>
+    </p:spTree>
+  </p:cSld>
+  <p:clrMapOvr>
+    <a:masterClrMapping/>
+  </p:clrMapOvr>
+</p:sld>
+</file>
+
+<file path=ppt/slides/slide5.xml><?xml version="1.0" encoding="utf-8"?>
+<p:sld xmlns:a="http://schemas.openxmlformats.org/drawingml/2006/main" xmlns:r="http://schemas.openxmlformats.org/officeDocument/2006/relationships" xmlns:p="http://schemas.openxmlformats.org/presentationml/2006/main">
+  <p:cSld>
+    <p:spTree>
+      <p:nvGrpSpPr>
+        <p:cNvPr id="1" name=""/>
+        <p:cNvGrpSpPr/>
+        <p:nvPr/>
+      </p:nvGrpSpPr>
+      <p:grpSpPr>
+        <a:xfrm>
+          <a:off x="0" y="0"/>
+          <a:ext cx="0" cy="0"/>
+          <a:chOff x="0" y="0"/>
+          <a:chExt cx="0" cy="0"/>
+        </a:xfrm>
+      </p:grpSpPr>
+      <p:sp>
+        <p:nvSpPr>
+          <p:cNvPr id="12" name="Flowchart: Document 11"/>
+          <p:cNvSpPr>
+            <a:spLocks noChangeAspect="1"/>
+          </p:cNvSpPr>
+          <p:nvPr/>
+        </p:nvSpPr>
+        <p:spPr>
+          <a:xfrm>
+            <a:off x="457200" y="1143000"/>
+            <a:ext cx="1371600" cy="1219200"/>
+          </a:xfrm>
+          <a:prstGeom prst="flowChartDocument">
+            <a:avLst/>
+          </a:prstGeom>
+          <a:solidFill>
+            <a:schemeClr val="accent1">
+              <a:lumMod val="20000"/>
+              <a:lumOff val="80000"/>
+            </a:schemeClr>
+          </a:solidFill>
+        </p:spPr>
+        <p:style>
+          <a:lnRef idx="2">
+            <a:schemeClr val="accent1">
+              <a:shade val="50000"/>
+            </a:schemeClr>
+          </a:lnRef>
+          <a:fillRef idx="1">
+            <a:schemeClr val="accent1"/>
+          </a:fillRef>
+          <a:effectRef idx="0">
+            <a:schemeClr val="accent1"/>
+          </a:effectRef>
+          <a:fontRef idx="minor">
+            <a:schemeClr val="lt1"/>
+          </a:fontRef>
+        </p:style>
+        <p:txBody>
+          <a:bodyPr rtlCol="0" anchor="ctr"/>
+          <a:lstStyle/>
+          <a:p>
+            <a:pPr lvl="0" algn="ctr"/>
+            <a:r>
+              <a:rPr lang="en-US" sz="1300" b="1" dirty="0" smtClean="0">
+                <a:solidFill>
+                  <a:prstClr val="black"/>
+                </a:solidFill>
+              </a:rPr>
+              <a:t>WRESL Files containing multiple period inputs</a:t>
+            </a:r>
+            <a:endParaRPr lang="en-US" sz="1300" b="1" dirty="0">
+              <a:solidFill>
+                <a:prstClr val="white"/>
+              </a:solidFill>
+            </a:endParaRPr>
+          </a:p>
+        </p:txBody>
+      </p:sp>
+      <p:sp>
+        <p:nvSpPr>
+          <p:cNvPr id="15" name="Flowchart: Predefined Process 14"/>
+          <p:cNvSpPr>
+            <a:spLocks noChangeAspect="1"/>
+          </p:cNvSpPr>
+          <p:nvPr/>
+        </p:nvSpPr>
+        <p:spPr>
+          <a:xfrm>
+            <a:off x="2057400" y="1447800"/>
+            <a:ext cx="1143000" cy="609600"/>
+          </a:xfrm>
+          <a:prstGeom prst="flowChartPredefinedProcess">
+            <a:avLst/>
+          </a:prstGeom>
+          <a:solidFill>
+            <a:schemeClr val="accent1">
+              <a:lumMod val="20000"/>
+              <a:lumOff val="80000"/>
+            </a:schemeClr>
+          </a:solidFill>
+        </p:spPr>
+        <p:style>
+          <a:lnRef idx="2">
+            <a:schemeClr val="accent1">
+              <a:shade val="50000"/>
+            </a:schemeClr>
+          </a:lnRef>
+          <a:fillRef idx="1">
+            <a:schemeClr val="accent1"/>
+          </a:fillRef>
+          <a:effectRef idx="0">
+            <a:schemeClr val="accent1"/>
+          </a:effectRef>
+          <a:fontRef idx="minor">
+            <a:schemeClr val="lt1"/>
+          </a:fontRef>
+        </p:style>
+        <p:txBody>
+          <a:bodyPr rtlCol="0" anchor="ctr"/>
+          <a:lstStyle/>
+          <a:p>
+            <a:pPr lvl="0" algn="ctr"/>
+            <a:r>
+              <a:rPr lang="en-US" sz="1300" b="1" dirty="0" smtClean="0">
+                <a:solidFill>
+                  <a:prstClr val="black"/>
+                </a:solidFill>
+              </a:rPr>
+              <a:t>WRESL Compiler</a:t>
             </a:r>
             <a:endParaRPr lang="en-US" sz="1300" b="1" dirty="0">
               <a:solidFill>
@@ -10141,15 +11778,7 @@
                   <a:prstClr val="black"/>
                 </a:solidFill>
               </a:rPr>
-              <a:t>WRESL </a:t>
-            </a:r>
-            <a:r>
-              <a:rPr lang="en-US" sz="1300" b="1" dirty="0" smtClean="0">
-                <a:solidFill>
-                  <a:prstClr val="black"/>
-                </a:solidFill>
-              </a:rPr>
-              <a:t>Compiler</a:t>
+              <a:t>WRESL Compiler</a:t>
             </a:r>
             <a:endParaRPr lang="en-US" sz="1300" b="1" dirty="0">
               <a:solidFill>
@@ -10200,650 +11829,6 @@
           </a:fontRef>
         </p:style>
       </p:cxnSp>
-    </p:spTree>
-  </p:cSld>
-  <p:clrMapOvr>
-    <a:masterClrMapping/>
-  </p:clrMapOvr>
-</p:sld>
-</file>
-
-<file path=ppt/slides/slide5.xml><?xml version="1.0" encoding="utf-8"?>
-<p:sld xmlns:a="http://schemas.openxmlformats.org/drawingml/2006/main" xmlns:r="http://schemas.openxmlformats.org/officeDocument/2006/relationships" xmlns:p="http://schemas.openxmlformats.org/presentationml/2006/main">
-  <p:cSld>
-    <p:spTree>
-      <p:nvGrpSpPr>
-        <p:cNvPr id="1" name=""/>
-        <p:cNvGrpSpPr/>
-        <p:nvPr/>
-      </p:nvGrpSpPr>
-      <p:grpSpPr>
-        <a:xfrm>
-          <a:off x="0" y="0"/>
-          <a:ext cx="0" cy="0"/>
-          <a:chOff x="0" y="0"/>
-          <a:chExt cx="0" cy="0"/>
-        </a:xfrm>
-      </p:grpSpPr>
-      <p:sp>
-        <p:nvSpPr>
-          <p:cNvPr id="14" name="Flowchart: Document 13"/>
-          <p:cNvSpPr>
-            <a:spLocks noChangeAspect="1"/>
-          </p:cNvSpPr>
-          <p:nvPr/>
-        </p:nvSpPr>
-        <p:spPr>
-          <a:xfrm>
-            <a:off x="7239000" y="6019800"/>
-            <a:ext cx="1066800" cy="609600"/>
-          </a:xfrm>
-          <a:prstGeom prst="flowChartDocument">
-            <a:avLst/>
-          </a:prstGeom>
-          <a:solidFill>
-            <a:schemeClr val="accent2">
-              <a:lumMod val="20000"/>
-              <a:lumOff val="80000"/>
-            </a:schemeClr>
-          </a:solidFill>
-          <a:ln>
-            <a:solidFill>
-              <a:schemeClr val="accent2"/>
-            </a:solidFill>
-          </a:ln>
-        </p:spPr>
-        <p:style>
-          <a:lnRef idx="2">
-            <a:schemeClr val="accent1">
-              <a:shade val="50000"/>
-            </a:schemeClr>
-          </a:lnRef>
-          <a:fillRef idx="1">
-            <a:schemeClr val="accent1"/>
-          </a:fillRef>
-          <a:effectRef idx="0">
-            <a:schemeClr val="accent1"/>
-          </a:effectRef>
-          <a:fontRef idx="minor">
-            <a:schemeClr val="lt1"/>
-          </a:fontRef>
-        </p:style>
-        <p:txBody>
-          <a:bodyPr rtlCol="0" anchor="ctr"/>
-          <a:lstStyle/>
-          <a:p>
-            <a:pPr lvl="0" algn="ctr"/>
-            <a:r>
-              <a:rPr lang="en-US" sz="1300" b="1" dirty="0" smtClean="0">
-                <a:solidFill>
-                  <a:prstClr val="black"/>
-                </a:solidFill>
-              </a:rPr>
-              <a:t>MPS File</a:t>
-            </a:r>
-            <a:endParaRPr lang="en-US" sz="1300" b="1" dirty="0">
-              <a:solidFill>
-                <a:prstClr val="white"/>
-              </a:solidFill>
-            </a:endParaRPr>
-          </a:p>
-        </p:txBody>
-      </p:sp>
-      <p:sp>
-        <p:nvSpPr>
-          <p:cNvPr id="16" name="Flowchart: Predefined Process 15"/>
-          <p:cNvSpPr>
-            <a:spLocks noChangeAspect="1"/>
-          </p:cNvSpPr>
-          <p:nvPr/>
-        </p:nvSpPr>
-        <p:spPr>
-          <a:xfrm>
-            <a:off x="4724400" y="5486400"/>
-            <a:ext cx="1676400" cy="685800"/>
-          </a:xfrm>
-          <a:prstGeom prst="flowChartPredefinedProcess">
-            <a:avLst/>
-          </a:prstGeom>
-          <a:solidFill>
-            <a:schemeClr val="accent1">
-              <a:lumMod val="20000"/>
-              <a:lumOff val="80000"/>
-            </a:schemeClr>
-          </a:solidFill>
-        </p:spPr>
-        <p:style>
-          <a:lnRef idx="2">
-            <a:schemeClr val="accent1">
-              <a:shade val="50000"/>
-            </a:schemeClr>
-          </a:lnRef>
-          <a:fillRef idx="1">
-            <a:schemeClr val="accent1"/>
-          </a:fillRef>
-          <a:effectRef idx="0">
-            <a:schemeClr val="accent1"/>
-          </a:effectRef>
-          <a:fontRef idx="minor">
-            <a:schemeClr val="lt1"/>
-          </a:fontRef>
-        </p:style>
-        <p:txBody>
-          <a:bodyPr rtlCol="0" anchor="ctr"/>
-          <a:lstStyle/>
-          <a:p>
-            <a:pPr lvl="0" algn="ctr"/>
-            <a:r>
-              <a:rPr lang="en-US" sz="1300" b="1" dirty="0" smtClean="0">
-                <a:solidFill>
-                  <a:prstClr val="black"/>
-                </a:solidFill>
-              </a:rPr>
-              <a:t>Solving for 1</a:t>
-            </a:r>
-            <a:r>
-              <a:rPr lang="en-US" sz="1300" b="1" baseline="30000" dirty="0" smtClean="0">
-                <a:solidFill>
-                  <a:prstClr val="black"/>
-                </a:solidFill>
-              </a:rPr>
-              <a:t>st</a:t>
-            </a:r>
-            <a:r>
-              <a:rPr lang="en-US" sz="1300" b="1" dirty="0" smtClean="0">
-                <a:solidFill>
-                  <a:prstClr val="black"/>
-                </a:solidFill>
-              </a:rPr>
-              <a:t> period</a:t>
-            </a:r>
-            <a:endParaRPr lang="en-US" sz="1300" b="1" dirty="0">
-              <a:solidFill>
-                <a:prstClr val="white"/>
-              </a:solidFill>
-            </a:endParaRPr>
-          </a:p>
-        </p:txBody>
-      </p:sp>
-      <p:sp>
-        <p:nvSpPr>
-          <p:cNvPr id="20" name="Flowchart: Data 19"/>
-          <p:cNvSpPr>
-            <a:spLocks noChangeAspect="1"/>
-          </p:cNvSpPr>
-          <p:nvPr/>
-        </p:nvSpPr>
-        <p:spPr>
-          <a:xfrm>
-            <a:off x="2819400" y="4495800"/>
-            <a:ext cx="1600200" cy="609600"/>
-          </a:xfrm>
-          <a:prstGeom prst="flowChartInputOutput">
-            <a:avLst/>
-          </a:prstGeom>
-          <a:solidFill>
-            <a:schemeClr val="accent1">
-              <a:lumMod val="20000"/>
-              <a:lumOff val="80000"/>
-            </a:schemeClr>
-          </a:solidFill>
-        </p:spPr>
-        <p:style>
-          <a:lnRef idx="2">
-            <a:schemeClr val="accent1">
-              <a:shade val="50000"/>
-            </a:schemeClr>
-          </a:lnRef>
-          <a:fillRef idx="1">
-            <a:schemeClr val="accent1"/>
-          </a:fillRef>
-          <a:effectRef idx="0">
-            <a:schemeClr val="accent1"/>
-          </a:effectRef>
-          <a:fontRef idx="minor">
-            <a:schemeClr val="lt1"/>
-          </a:fontRef>
-        </p:style>
-        <p:txBody>
-          <a:bodyPr rtlCol="0" anchor="ctr"/>
-          <a:lstStyle/>
-          <a:p>
-            <a:pPr algn="ctr"/>
-            <a:r>
-              <a:rPr lang="en-US" sz="1300" b="1" dirty="0" smtClean="0">
-                <a:solidFill>
-                  <a:schemeClr val="tx1"/>
-                </a:solidFill>
-              </a:rPr>
-              <a:t>Additional Inputs</a:t>
-            </a:r>
-            <a:endParaRPr lang="en-US" sz="1300" b="1" dirty="0"/>
-          </a:p>
-        </p:txBody>
-      </p:sp>
-      <p:sp>
-        <p:nvSpPr>
-          <p:cNvPr id="17" name="Flowchart: Data 16"/>
-          <p:cNvSpPr>
-            <a:spLocks noChangeAspect="1"/>
-          </p:cNvSpPr>
-          <p:nvPr/>
-        </p:nvSpPr>
-        <p:spPr>
-          <a:xfrm>
-            <a:off x="685800" y="3581400"/>
-            <a:ext cx="1600200" cy="609600"/>
-          </a:xfrm>
-          <a:prstGeom prst="flowChartInputOutput">
-            <a:avLst/>
-          </a:prstGeom>
-          <a:solidFill>
-            <a:schemeClr val="accent1">
-              <a:lumMod val="20000"/>
-              <a:lumOff val="80000"/>
-            </a:schemeClr>
-          </a:solidFill>
-        </p:spPr>
-        <p:style>
-          <a:lnRef idx="2">
-            <a:schemeClr val="accent1">
-              <a:shade val="50000"/>
-            </a:schemeClr>
-          </a:lnRef>
-          <a:fillRef idx="1">
-            <a:schemeClr val="accent1"/>
-          </a:fillRef>
-          <a:effectRef idx="0">
-            <a:schemeClr val="accent1"/>
-          </a:effectRef>
-          <a:fontRef idx="minor">
-            <a:schemeClr val="lt1"/>
-          </a:fontRef>
-        </p:style>
-        <p:txBody>
-          <a:bodyPr rtlCol="0" anchor="ctr"/>
-          <a:lstStyle/>
-          <a:p>
-            <a:pPr algn="ctr"/>
-            <a:r>
-              <a:rPr lang="en-US" sz="1300" b="1" dirty="0" smtClean="0">
-                <a:solidFill>
-                  <a:schemeClr val="tx1"/>
-                </a:solidFill>
-              </a:rPr>
-              <a:t> 1</a:t>
-            </a:r>
-            <a:r>
-              <a:rPr lang="en-US" sz="1300" b="1" baseline="30000" dirty="0" smtClean="0">
-                <a:solidFill>
-                  <a:schemeClr val="tx1"/>
-                </a:solidFill>
-              </a:rPr>
-              <a:t>st</a:t>
-            </a:r>
-            <a:r>
-              <a:rPr lang="en-US" sz="1300" b="1" dirty="0" smtClean="0">
-                <a:solidFill>
-                  <a:schemeClr val="tx1"/>
-                </a:solidFill>
-              </a:rPr>
-              <a:t> Period</a:t>
-            </a:r>
-            <a:endParaRPr lang="en-US" sz="1300" b="1" dirty="0"/>
-          </a:p>
-        </p:txBody>
-      </p:sp>
-      <p:sp>
-        <p:nvSpPr>
-          <p:cNvPr id="30" name="Flowchart: Data 29"/>
-          <p:cNvSpPr>
-            <a:spLocks noChangeAspect="1"/>
-          </p:cNvSpPr>
-          <p:nvPr/>
-        </p:nvSpPr>
-        <p:spPr>
-          <a:xfrm>
-            <a:off x="685800" y="4267200"/>
-            <a:ext cx="1600200" cy="609600"/>
-          </a:xfrm>
-          <a:prstGeom prst="flowChartInputOutput">
-            <a:avLst/>
-          </a:prstGeom>
-          <a:solidFill>
-            <a:schemeClr val="accent1">
-              <a:lumMod val="20000"/>
-              <a:lumOff val="80000"/>
-            </a:schemeClr>
-          </a:solidFill>
-        </p:spPr>
-        <p:style>
-          <a:lnRef idx="2">
-            <a:schemeClr val="accent1">
-              <a:shade val="50000"/>
-            </a:schemeClr>
-          </a:lnRef>
-          <a:fillRef idx="1">
-            <a:schemeClr val="accent1"/>
-          </a:fillRef>
-          <a:effectRef idx="0">
-            <a:schemeClr val="accent1"/>
-          </a:effectRef>
-          <a:fontRef idx="minor">
-            <a:schemeClr val="lt1"/>
-          </a:fontRef>
-        </p:style>
-        <p:txBody>
-          <a:bodyPr rtlCol="0" anchor="ctr"/>
-          <a:lstStyle/>
-          <a:p>
-            <a:pPr algn="ctr"/>
-            <a:r>
-              <a:rPr lang="en-US" sz="1300" b="1" dirty="0" smtClean="0">
-                <a:solidFill>
-                  <a:schemeClr val="tx1"/>
-                </a:solidFill>
-              </a:rPr>
-              <a:t> 1</a:t>
-            </a:r>
-            <a:r>
-              <a:rPr lang="en-US" sz="1300" b="1" baseline="30000" dirty="0" smtClean="0">
-                <a:solidFill>
-                  <a:schemeClr val="tx1"/>
-                </a:solidFill>
-              </a:rPr>
-              <a:t>st</a:t>
-            </a:r>
-            <a:r>
-              <a:rPr lang="en-US" sz="1300" b="1" dirty="0" smtClean="0">
-                <a:solidFill>
-                  <a:schemeClr val="tx1"/>
-                </a:solidFill>
-              </a:rPr>
-              <a:t> Period</a:t>
-            </a:r>
-            <a:endParaRPr lang="en-US" sz="1300" b="1" dirty="0"/>
-          </a:p>
-        </p:txBody>
-      </p:sp>
-      <p:sp>
-        <p:nvSpPr>
-          <p:cNvPr id="31" name="Flowchart: Data 30"/>
-          <p:cNvSpPr>
-            <a:spLocks noChangeAspect="1"/>
-          </p:cNvSpPr>
-          <p:nvPr/>
-        </p:nvSpPr>
-        <p:spPr>
-          <a:xfrm>
-            <a:off x="685800" y="4953000"/>
-            <a:ext cx="1600200" cy="609600"/>
-          </a:xfrm>
-          <a:prstGeom prst="flowChartInputOutput">
-            <a:avLst/>
-          </a:prstGeom>
-          <a:solidFill>
-            <a:schemeClr val="accent1">
-              <a:lumMod val="20000"/>
-              <a:lumOff val="80000"/>
-            </a:schemeClr>
-          </a:solidFill>
-        </p:spPr>
-        <p:style>
-          <a:lnRef idx="2">
-            <a:schemeClr val="accent1">
-              <a:shade val="50000"/>
-            </a:schemeClr>
-          </a:lnRef>
-          <a:fillRef idx="1">
-            <a:schemeClr val="accent1"/>
-          </a:fillRef>
-          <a:effectRef idx="0">
-            <a:schemeClr val="accent1"/>
-          </a:effectRef>
-          <a:fontRef idx="minor">
-            <a:schemeClr val="lt1"/>
-          </a:fontRef>
-        </p:style>
-        <p:txBody>
-          <a:bodyPr rtlCol="0" anchor="ctr"/>
-          <a:lstStyle/>
-          <a:p>
-            <a:pPr algn="ctr"/>
-            <a:r>
-              <a:rPr lang="en-US" sz="1300" b="1" dirty="0" smtClean="0">
-                <a:solidFill>
-                  <a:schemeClr val="tx1"/>
-                </a:solidFill>
-              </a:rPr>
-              <a:t> 1</a:t>
-            </a:r>
-            <a:r>
-              <a:rPr lang="en-US" sz="1300" b="1" baseline="30000" dirty="0" smtClean="0">
-                <a:solidFill>
-                  <a:schemeClr val="tx1"/>
-                </a:solidFill>
-              </a:rPr>
-              <a:t>st</a:t>
-            </a:r>
-            <a:r>
-              <a:rPr lang="en-US" sz="1300" b="1" dirty="0" smtClean="0">
-                <a:solidFill>
-                  <a:schemeClr val="tx1"/>
-                </a:solidFill>
-              </a:rPr>
-              <a:t> Period</a:t>
-            </a:r>
-            <a:endParaRPr lang="en-US" sz="1300" b="1" dirty="0"/>
-          </a:p>
-        </p:txBody>
-      </p:sp>
-      <p:sp>
-        <p:nvSpPr>
-          <p:cNvPr id="32" name="Flowchart: Data 31"/>
-          <p:cNvSpPr>
-            <a:spLocks noChangeAspect="1"/>
-          </p:cNvSpPr>
-          <p:nvPr/>
-        </p:nvSpPr>
-        <p:spPr>
-          <a:xfrm>
-            <a:off x="685800" y="5638800"/>
-            <a:ext cx="1600200" cy="609600"/>
-          </a:xfrm>
-          <a:prstGeom prst="flowChartInputOutput">
-            <a:avLst/>
-          </a:prstGeom>
-          <a:solidFill>
-            <a:schemeClr val="accent1">
-              <a:lumMod val="20000"/>
-              <a:lumOff val="80000"/>
-            </a:schemeClr>
-          </a:solidFill>
-        </p:spPr>
-        <p:style>
-          <a:lnRef idx="2">
-            <a:schemeClr val="accent1">
-              <a:shade val="50000"/>
-            </a:schemeClr>
-          </a:lnRef>
-          <a:fillRef idx="1">
-            <a:schemeClr val="accent1"/>
-          </a:fillRef>
-          <a:effectRef idx="0">
-            <a:schemeClr val="accent1"/>
-          </a:effectRef>
-          <a:fontRef idx="minor">
-            <a:schemeClr val="lt1"/>
-          </a:fontRef>
-        </p:style>
-        <p:txBody>
-          <a:bodyPr rtlCol="0" anchor="ctr"/>
-          <a:lstStyle/>
-          <a:p>
-            <a:pPr algn="ctr"/>
-            <a:r>
-              <a:rPr lang="en-US" sz="1300" b="1" dirty="0" smtClean="0">
-                <a:solidFill>
-                  <a:schemeClr val="tx1"/>
-                </a:solidFill>
-              </a:rPr>
-              <a:t> 1</a:t>
-            </a:r>
-            <a:r>
-              <a:rPr lang="en-US" sz="1300" b="1" baseline="30000" dirty="0" smtClean="0">
-                <a:solidFill>
-                  <a:schemeClr val="tx1"/>
-                </a:solidFill>
-              </a:rPr>
-              <a:t>st</a:t>
-            </a:r>
-            <a:r>
-              <a:rPr lang="en-US" sz="1300" b="1" dirty="0" smtClean="0">
-                <a:solidFill>
-                  <a:schemeClr val="tx1"/>
-                </a:solidFill>
-              </a:rPr>
-              <a:t> Period</a:t>
-            </a:r>
-            <a:endParaRPr lang="en-US" sz="1300" b="1" dirty="0"/>
-          </a:p>
-        </p:txBody>
-      </p:sp>
-      <p:sp>
-        <p:nvSpPr>
-          <p:cNvPr id="33" name="Flowchart: Predefined Process 32"/>
-          <p:cNvSpPr>
-            <a:spLocks noChangeAspect="1"/>
-          </p:cNvSpPr>
-          <p:nvPr/>
-        </p:nvSpPr>
-        <p:spPr>
-          <a:xfrm>
-            <a:off x="6858000" y="4419600"/>
-            <a:ext cx="1676400" cy="685800"/>
-          </a:xfrm>
-          <a:prstGeom prst="flowChartPredefinedProcess">
-            <a:avLst/>
-          </a:prstGeom>
-          <a:solidFill>
-            <a:schemeClr val="accent1">
-              <a:lumMod val="20000"/>
-              <a:lumOff val="80000"/>
-            </a:schemeClr>
-          </a:solidFill>
-        </p:spPr>
-        <p:style>
-          <a:lnRef idx="2">
-            <a:schemeClr val="accent1">
-              <a:shade val="50000"/>
-            </a:schemeClr>
-          </a:lnRef>
-          <a:fillRef idx="1">
-            <a:schemeClr val="accent1"/>
-          </a:fillRef>
-          <a:effectRef idx="0">
-            <a:schemeClr val="accent1"/>
-          </a:effectRef>
-          <a:fontRef idx="minor">
-            <a:schemeClr val="lt1"/>
-          </a:fontRef>
-        </p:style>
-        <p:txBody>
-          <a:bodyPr rtlCol="0" anchor="ctr"/>
-          <a:lstStyle/>
-          <a:p>
-            <a:pPr lvl="0" algn="ctr"/>
-            <a:r>
-              <a:rPr lang="en-US" sz="1300" b="1" dirty="0" smtClean="0">
-                <a:solidFill>
-                  <a:prstClr val="black"/>
-                </a:solidFill>
-              </a:rPr>
-              <a:t>Solving for 1</a:t>
-            </a:r>
-            <a:r>
-              <a:rPr lang="en-US" sz="1300" b="1" baseline="30000" dirty="0" smtClean="0">
-                <a:solidFill>
-                  <a:prstClr val="black"/>
-                </a:solidFill>
-              </a:rPr>
-              <a:t>st</a:t>
-            </a:r>
-            <a:r>
-              <a:rPr lang="en-US" sz="1300" b="1" dirty="0" smtClean="0">
-                <a:solidFill>
-                  <a:prstClr val="black"/>
-                </a:solidFill>
-              </a:rPr>
-              <a:t> period</a:t>
-            </a:r>
-            <a:endParaRPr lang="en-US" sz="1300" b="1" dirty="0">
-              <a:solidFill>
-                <a:prstClr val="white"/>
-              </a:solidFill>
-            </a:endParaRPr>
-          </a:p>
-        </p:txBody>
-      </p:sp>
-      <p:sp>
-        <p:nvSpPr>
-          <p:cNvPr id="65" name="Flowchart: Process 64"/>
-          <p:cNvSpPr/>
-          <p:nvPr/>
-        </p:nvSpPr>
-        <p:spPr>
-          <a:xfrm>
-            <a:off x="5410200" y="4114800"/>
-            <a:ext cx="990600" cy="609600"/>
-          </a:xfrm>
-          <a:prstGeom prst="flowChartProcess">
-            <a:avLst/>
-          </a:prstGeom>
-          <a:solidFill>
-            <a:schemeClr val="accent1">
-              <a:lumMod val="20000"/>
-              <a:lumOff val="80000"/>
-            </a:schemeClr>
-          </a:solidFill>
-        </p:spPr>
-        <p:style>
-          <a:lnRef idx="2">
-            <a:schemeClr val="accent1">
-              <a:shade val="50000"/>
-            </a:schemeClr>
-          </a:lnRef>
-          <a:fillRef idx="1">
-            <a:schemeClr val="accent1"/>
-          </a:fillRef>
-          <a:effectRef idx="0">
-            <a:schemeClr val="accent1"/>
-          </a:effectRef>
-          <a:fontRef idx="minor">
-            <a:schemeClr val="lt1"/>
-          </a:fontRef>
-        </p:style>
-        <p:txBody>
-          <a:bodyPr rtlCol="0" anchor="ctr"/>
-          <a:lstStyle/>
-          <a:p>
-            <a:pPr lvl="0" algn="ctr"/>
-            <a:r>
-              <a:rPr lang="en-US" sz="1300" b="1" dirty="0" smtClean="0">
-                <a:solidFill>
-                  <a:prstClr val="black"/>
-                </a:solidFill>
-              </a:rPr>
-              <a:t>Solving for 4th  Period </a:t>
-            </a:r>
-            <a:endParaRPr lang="en-US" sz="1300" b="1" dirty="0">
-              <a:solidFill>
-                <a:prstClr val="white"/>
-              </a:solidFill>
-            </a:endParaRPr>
-          </a:p>
-        </p:txBody>
-      </p:sp>
     </p:spTree>
   </p:cSld>
   <p:clrMapOvr>
@@ -10871,6 +11856,650 @@
       </p:grpSpPr>
       <p:sp>
         <p:nvSpPr>
+          <p:cNvPr id="14" name="Flowchart: Document 13"/>
+          <p:cNvSpPr>
+            <a:spLocks noChangeAspect="1"/>
+          </p:cNvSpPr>
+          <p:nvPr/>
+        </p:nvSpPr>
+        <p:spPr>
+          <a:xfrm>
+            <a:off x="7239000" y="6019800"/>
+            <a:ext cx="1066800" cy="609600"/>
+          </a:xfrm>
+          <a:prstGeom prst="flowChartDocument">
+            <a:avLst/>
+          </a:prstGeom>
+          <a:solidFill>
+            <a:schemeClr val="accent2">
+              <a:lumMod val="20000"/>
+              <a:lumOff val="80000"/>
+            </a:schemeClr>
+          </a:solidFill>
+          <a:ln>
+            <a:solidFill>
+              <a:schemeClr val="accent2"/>
+            </a:solidFill>
+          </a:ln>
+        </p:spPr>
+        <p:style>
+          <a:lnRef idx="2">
+            <a:schemeClr val="accent1">
+              <a:shade val="50000"/>
+            </a:schemeClr>
+          </a:lnRef>
+          <a:fillRef idx="1">
+            <a:schemeClr val="accent1"/>
+          </a:fillRef>
+          <a:effectRef idx="0">
+            <a:schemeClr val="accent1"/>
+          </a:effectRef>
+          <a:fontRef idx="minor">
+            <a:schemeClr val="lt1"/>
+          </a:fontRef>
+        </p:style>
+        <p:txBody>
+          <a:bodyPr rtlCol="0" anchor="ctr"/>
+          <a:lstStyle/>
+          <a:p>
+            <a:pPr lvl="0" algn="ctr"/>
+            <a:r>
+              <a:rPr lang="en-US" sz="1300" b="1" dirty="0" smtClean="0">
+                <a:solidFill>
+                  <a:prstClr val="black"/>
+                </a:solidFill>
+              </a:rPr>
+              <a:t>MPS File</a:t>
+            </a:r>
+            <a:endParaRPr lang="en-US" sz="1300" b="1" dirty="0">
+              <a:solidFill>
+                <a:prstClr val="white"/>
+              </a:solidFill>
+            </a:endParaRPr>
+          </a:p>
+        </p:txBody>
+      </p:sp>
+      <p:sp>
+        <p:nvSpPr>
+          <p:cNvPr id="16" name="Flowchart: Predefined Process 15"/>
+          <p:cNvSpPr>
+            <a:spLocks noChangeAspect="1"/>
+          </p:cNvSpPr>
+          <p:nvPr/>
+        </p:nvSpPr>
+        <p:spPr>
+          <a:xfrm>
+            <a:off x="4724400" y="5486400"/>
+            <a:ext cx="1676400" cy="685800"/>
+          </a:xfrm>
+          <a:prstGeom prst="flowChartPredefinedProcess">
+            <a:avLst/>
+          </a:prstGeom>
+          <a:solidFill>
+            <a:schemeClr val="accent1">
+              <a:lumMod val="20000"/>
+              <a:lumOff val="80000"/>
+            </a:schemeClr>
+          </a:solidFill>
+        </p:spPr>
+        <p:style>
+          <a:lnRef idx="2">
+            <a:schemeClr val="accent1">
+              <a:shade val="50000"/>
+            </a:schemeClr>
+          </a:lnRef>
+          <a:fillRef idx="1">
+            <a:schemeClr val="accent1"/>
+          </a:fillRef>
+          <a:effectRef idx="0">
+            <a:schemeClr val="accent1"/>
+          </a:effectRef>
+          <a:fontRef idx="minor">
+            <a:schemeClr val="lt1"/>
+          </a:fontRef>
+        </p:style>
+        <p:txBody>
+          <a:bodyPr rtlCol="0" anchor="ctr"/>
+          <a:lstStyle/>
+          <a:p>
+            <a:pPr lvl="0" algn="ctr"/>
+            <a:r>
+              <a:rPr lang="en-US" sz="1300" b="1" dirty="0" smtClean="0">
+                <a:solidFill>
+                  <a:prstClr val="black"/>
+                </a:solidFill>
+              </a:rPr>
+              <a:t>Solving for 1</a:t>
+            </a:r>
+            <a:r>
+              <a:rPr lang="en-US" sz="1300" b="1" baseline="30000" dirty="0" smtClean="0">
+                <a:solidFill>
+                  <a:prstClr val="black"/>
+                </a:solidFill>
+              </a:rPr>
+              <a:t>st</a:t>
+            </a:r>
+            <a:r>
+              <a:rPr lang="en-US" sz="1300" b="1" dirty="0" smtClean="0">
+                <a:solidFill>
+                  <a:prstClr val="black"/>
+                </a:solidFill>
+              </a:rPr>
+              <a:t> period</a:t>
+            </a:r>
+            <a:endParaRPr lang="en-US" sz="1300" b="1" dirty="0">
+              <a:solidFill>
+                <a:prstClr val="white"/>
+              </a:solidFill>
+            </a:endParaRPr>
+          </a:p>
+        </p:txBody>
+      </p:sp>
+      <p:sp>
+        <p:nvSpPr>
+          <p:cNvPr id="20" name="Flowchart: Data 19"/>
+          <p:cNvSpPr>
+            <a:spLocks noChangeAspect="1"/>
+          </p:cNvSpPr>
+          <p:nvPr/>
+        </p:nvSpPr>
+        <p:spPr>
+          <a:xfrm>
+            <a:off x="2819400" y="4495800"/>
+            <a:ext cx="1600200" cy="609600"/>
+          </a:xfrm>
+          <a:prstGeom prst="flowChartInputOutput">
+            <a:avLst/>
+          </a:prstGeom>
+          <a:solidFill>
+            <a:schemeClr val="accent1">
+              <a:lumMod val="20000"/>
+              <a:lumOff val="80000"/>
+            </a:schemeClr>
+          </a:solidFill>
+        </p:spPr>
+        <p:style>
+          <a:lnRef idx="2">
+            <a:schemeClr val="accent1">
+              <a:shade val="50000"/>
+            </a:schemeClr>
+          </a:lnRef>
+          <a:fillRef idx="1">
+            <a:schemeClr val="accent1"/>
+          </a:fillRef>
+          <a:effectRef idx="0">
+            <a:schemeClr val="accent1"/>
+          </a:effectRef>
+          <a:fontRef idx="minor">
+            <a:schemeClr val="lt1"/>
+          </a:fontRef>
+        </p:style>
+        <p:txBody>
+          <a:bodyPr rtlCol="0" anchor="ctr"/>
+          <a:lstStyle/>
+          <a:p>
+            <a:pPr algn="ctr"/>
+            <a:r>
+              <a:rPr lang="en-US" sz="1300" b="1" dirty="0" smtClean="0">
+                <a:solidFill>
+                  <a:schemeClr val="tx1"/>
+                </a:solidFill>
+              </a:rPr>
+              <a:t>Additional Inputs</a:t>
+            </a:r>
+            <a:endParaRPr lang="en-US" sz="1300" b="1" dirty="0"/>
+          </a:p>
+        </p:txBody>
+      </p:sp>
+      <p:sp>
+        <p:nvSpPr>
+          <p:cNvPr id="17" name="Flowchart: Data 16"/>
+          <p:cNvSpPr>
+            <a:spLocks noChangeAspect="1"/>
+          </p:cNvSpPr>
+          <p:nvPr/>
+        </p:nvSpPr>
+        <p:spPr>
+          <a:xfrm>
+            <a:off x="685800" y="3581400"/>
+            <a:ext cx="1600200" cy="609600"/>
+          </a:xfrm>
+          <a:prstGeom prst="flowChartInputOutput">
+            <a:avLst/>
+          </a:prstGeom>
+          <a:solidFill>
+            <a:schemeClr val="accent1">
+              <a:lumMod val="20000"/>
+              <a:lumOff val="80000"/>
+            </a:schemeClr>
+          </a:solidFill>
+        </p:spPr>
+        <p:style>
+          <a:lnRef idx="2">
+            <a:schemeClr val="accent1">
+              <a:shade val="50000"/>
+            </a:schemeClr>
+          </a:lnRef>
+          <a:fillRef idx="1">
+            <a:schemeClr val="accent1"/>
+          </a:fillRef>
+          <a:effectRef idx="0">
+            <a:schemeClr val="accent1"/>
+          </a:effectRef>
+          <a:fontRef idx="minor">
+            <a:schemeClr val="lt1"/>
+          </a:fontRef>
+        </p:style>
+        <p:txBody>
+          <a:bodyPr rtlCol="0" anchor="ctr"/>
+          <a:lstStyle/>
+          <a:p>
+            <a:pPr algn="ctr"/>
+            <a:r>
+              <a:rPr lang="en-US" sz="1300" b="1" dirty="0" smtClean="0">
+                <a:solidFill>
+                  <a:schemeClr val="tx1"/>
+                </a:solidFill>
+              </a:rPr>
+              <a:t> 1</a:t>
+            </a:r>
+            <a:r>
+              <a:rPr lang="en-US" sz="1300" b="1" baseline="30000" dirty="0" smtClean="0">
+                <a:solidFill>
+                  <a:schemeClr val="tx1"/>
+                </a:solidFill>
+              </a:rPr>
+              <a:t>st</a:t>
+            </a:r>
+            <a:r>
+              <a:rPr lang="en-US" sz="1300" b="1" dirty="0" smtClean="0">
+                <a:solidFill>
+                  <a:schemeClr val="tx1"/>
+                </a:solidFill>
+              </a:rPr>
+              <a:t> Period</a:t>
+            </a:r>
+            <a:endParaRPr lang="en-US" sz="1300" b="1" dirty="0"/>
+          </a:p>
+        </p:txBody>
+      </p:sp>
+      <p:sp>
+        <p:nvSpPr>
+          <p:cNvPr id="30" name="Flowchart: Data 29"/>
+          <p:cNvSpPr>
+            <a:spLocks noChangeAspect="1"/>
+          </p:cNvSpPr>
+          <p:nvPr/>
+        </p:nvSpPr>
+        <p:spPr>
+          <a:xfrm>
+            <a:off x="685800" y="4267200"/>
+            <a:ext cx="1600200" cy="609600"/>
+          </a:xfrm>
+          <a:prstGeom prst="flowChartInputOutput">
+            <a:avLst/>
+          </a:prstGeom>
+          <a:solidFill>
+            <a:schemeClr val="accent1">
+              <a:lumMod val="20000"/>
+              <a:lumOff val="80000"/>
+            </a:schemeClr>
+          </a:solidFill>
+        </p:spPr>
+        <p:style>
+          <a:lnRef idx="2">
+            <a:schemeClr val="accent1">
+              <a:shade val="50000"/>
+            </a:schemeClr>
+          </a:lnRef>
+          <a:fillRef idx="1">
+            <a:schemeClr val="accent1"/>
+          </a:fillRef>
+          <a:effectRef idx="0">
+            <a:schemeClr val="accent1"/>
+          </a:effectRef>
+          <a:fontRef idx="minor">
+            <a:schemeClr val="lt1"/>
+          </a:fontRef>
+        </p:style>
+        <p:txBody>
+          <a:bodyPr rtlCol="0" anchor="ctr"/>
+          <a:lstStyle/>
+          <a:p>
+            <a:pPr algn="ctr"/>
+            <a:r>
+              <a:rPr lang="en-US" sz="1300" b="1" dirty="0" smtClean="0">
+                <a:solidFill>
+                  <a:schemeClr val="tx1"/>
+                </a:solidFill>
+              </a:rPr>
+              <a:t> 1</a:t>
+            </a:r>
+            <a:r>
+              <a:rPr lang="en-US" sz="1300" b="1" baseline="30000" dirty="0" smtClean="0">
+                <a:solidFill>
+                  <a:schemeClr val="tx1"/>
+                </a:solidFill>
+              </a:rPr>
+              <a:t>st</a:t>
+            </a:r>
+            <a:r>
+              <a:rPr lang="en-US" sz="1300" b="1" dirty="0" smtClean="0">
+                <a:solidFill>
+                  <a:schemeClr val="tx1"/>
+                </a:solidFill>
+              </a:rPr>
+              <a:t> Period</a:t>
+            </a:r>
+            <a:endParaRPr lang="en-US" sz="1300" b="1" dirty="0"/>
+          </a:p>
+        </p:txBody>
+      </p:sp>
+      <p:sp>
+        <p:nvSpPr>
+          <p:cNvPr id="31" name="Flowchart: Data 30"/>
+          <p:cNvSpPr>
+            <a:spLocks noChangeAspect="1"/>
+          </p:cNvSpPr>
+          <p:nvPr/>
+        </p:nvSpPr>
+        <p:spPr>
+          <a:xfrm>
+            <a:off x="685800" y="4953000"/>
+            <a:ext cx="1600200" cy="609600"/>
+          </a:xfrm>
+          <a:prstGeom prst="flowChartInputOutput">
+            <a:avLst/>
+          </a:prstGeom>
+          <a:solidFill>
+            <a:schemeClr val="accent1">
+              <a:lumMod val="20000"/>
+              <a:lumOff val="80000"/>
+            </a:schemeClr>
+          </a:solidFill>
+        </p:spPr>
+        <p:style>
+          <a:lnRef idx="2">
+            <a:schemeClr val="accent1">
+              <a:shade val="50000"/>
+            </a:schemeClr>
+          </a:lnRef>
+          <a:fillRef idx="1">
+            <a:schemeClr val="accent1"/>
+          </a:fillRef>
+          <a:effectRef idx="0">
+            <a:schemeClr val="accent1"/>
+          </a:effectRef>
+          <a:fontRef idx="minor">
+            <a:schemeClr val="lt1"/>
+          </a:fontRef>
+        </p:style>
+        <p:txBody>
+          <a:bodyPr rtlCol="0" anchor="ctr"/>
+          <a:lstStyle/>
+          <a:p>
+            <a:pPr algn="ctr"/>
+            <a:r>
+              <a:rPr lang="en-US" sz="1300" b="1" dirty="0" smtClean="0">
+                <a:solidFill>
+                  <a:schemeClr val="tx1"/>
+                </a:solidFill>
+              </a:rPr>
+              <a:t> 1</a:t>
+            </a:r>
+            <a:r>
+              <a:rPr lang="en-US" sz="1300" b="1" baseline="30000" dirty="0" smtClean="0">
+                <a:solidFill>
+                  <a:schemeClr val="tx1"/>
+                </a:solidFill>
+              </a:rPr>
+              <a:t>st</a:t>
+            </a:r>
+            <a:r>
+              <a:rPr lang="en-US" sz="1300" b="1" dirty="0" smtClean="0">
+                <a:solidFill>
+                  <a:schemeClr val="tx1"/>
+                </a:solidFill>
+              </a:rPr>
+              <a:t> Period</a:t>
+            </a:r>
+            <a:endParaRPr lang="en-US" sz="1300" b="1" dirty="0"/>
+          </a:p>
+        </p:txBody>
+      </p:sp>
+      <p:sp>
+        <p:nvSpPr>
+          <p:cNvPr id="32" name="Flowchart: Data 31"/>
+          <p:cNvSpPr>
+            <a:spLocks noChangeAspect="1"/>
+          </p:cNvSpPr>
+          <p:nvPr/>
+        </p:nvSpPr>
+        <p:spPr>
+          <a:xfrm>
+            <a:off x="685800" y="5638800"/>
+            <a:ext cx="1600200" cy="609600"/>
+          </a:xfrm>
+          <a:prstGeom prst="flowChartInputOutput">
+            <a:avLst/>
+          </a:prstGeom>
+          <a:solidFill>
+            <a:schemeClr val="accent1">
+              <a:lumMod val="20000"/>
+              <a:lumOff val="80000"/>
+            </a:schemeClr>
+          </a:solidFill>
+        </p:spPr>
+        <p:style>
+          <a:lnRef idx="2">
+            <a:schemeClr val="accent1">
+              <a:shade val="50000"/>
+            </a:schemeClr>
+          </a:lnRef>
+          <a:fillRef idx="1">
+            <a:schemeClr val="accent1"/>
+          </a:fillRef>
+          <a:effectRef idx="0">
+            <a:schemeClr val="accent1"/>
+          </a:effectRef>
+          <a:fontRef idx="minor">
+            <a:schemeClr val="lt1"/>
+          </a:fontRef>
+        </p:style>
+        <p:txBody>
+          <a:bodyPr rtlCol="0" anchor="ctr"/>
+          <a:lstStyle/>
+          <a:p>
+            <a:pPr algn="ctr"/>
+            <a:r>
+              <a:rPr lang="en-US" sz="1300" b="1" dirty="0" smtClean="0">
+                <a:solidFill>
+                  <a:schemeClr val="tx1"/>
+                </a:solidFill>
+              </a:rPr>
+              <a:t> 1</a:t>
+            </a:r>
+            <a:r>
+              <a:rPr lang="en-US" sz="1300" b="1" baseline="30000" dirty="0" smtClean="0">
+                <a:solidFill>
+                  <a:schemeClr val="tx1"/>
+                </a:solidFill>
+              </a:rPr>
+              <a:t>st</a:t>
+            </a:r>
+            <a:r>
+              <a:rPr lang="en-US" sz="1300" b="1" dirty="0" smtClean="0">
+                <a:solidFill>
+                  <a:schemeClr val="tx1"/>
+                </a:solidFill>
+              </a:rPr>
+              <a:t> Period</a:t>
+            </a:r>
+            <a:endParaRPr lang="en-US" sz="1300" b="1" dirty="0"/>
+          </a:p>
+        </p:txBody>
+      </p:sp>
+      <p:sp>
+        <p:nvSpPr>
+          <p:cNvPr id="33" name="Flowchart: Predefined Process 32"/>
+          <p:cNvSpPr>
+            <a:spLocks noChangeAspect="1"/>
+          </p:cNvSpPr>
+          <p:nvPr/>
+        </p:nvSpPr>
+        <p:spPr>
+          <a:xfrm>
+            <a:off x="6858000" y="4419600"/>
+            <a:ext cx="1676400" cy="685800"/>
+          </a:xfrm>
+          <a:prstGeom prst="flowChartPredefinedProcess">
+            <a:avLst/>
+          </a:prstGeom>
+          <a:solidFill>
+            <a:schemeClr val="accent1">
+              <a:lumMod val="20000"/>
+              <a:lumOff val="80000"/>
+            </a:schemeClr>
+          </a:solidFill>
+        </p:spPr>
+        <p:style>
+          <a:lnRef idx="2">
+            <a:schemeClr val="accent1">
+              <a:shade val="50000"/>
+            </a:schemeClr>
+          </a:lnRef>
+          <a:fillRef idx="1">
+            <a:schemeClr val="accent1"/>
+          </a:fillRef>
+          <a:effectRef idx="0">
+            <a:schemeClr val="accent1"/>
+          </a:effectRef>
+          <a:fontRef idx="minor">
+            <a:schemeClr val="lt1"/>
+          </a:fontRef>
+        </p:style>
+        <p:txBody>
+          <a:bodyPr rtlCol="0" anchor="ctr"/>
+          <a:lstStyle/>
+          <a:p>
+            <a:pPr lvl="0" algn="ctr"/>
+            <a:r>
+              <a:rPr lang="en-US" sz="1300" b="1" dirty="0" smtClean="0">
+                <a:solidFill>
+                  <a:prstClr val="black"/>
+                </a:solidFill>
+              </a:rPr>
+              <a:t>Solving for 1</a:t>
+            </a:r>
+            <a:r>
+              <a:rPr lang="en-US" sz="1300" b="1" baseline="30000" dirty="0" smtClean="0">
+                <a:solidFill>
+                  <a:prstClr val="black"/>
+                </a:solidFill>
+              </a:rPr>
+              <a:t>st</a:t>
+            </a:r>
+            <a:r>
+              <a:rPr lang="en-US" sz="1300" b="1" dirty="0" smtClean="0">
+                <a:solidFill>
+                  <a:prstClr val="black"/>
+                </a:solidFill>
+              </a:rPr>
+              <a:t> period</a:t>
+            </a:r>
+            <a:endParaRPr lang="en-US" sz="1300" b="1" dirty="0">
+              <a:solidFill>
+                <a:prstClr val="white"/>
+              </a:solidFill>
+            </a:endParaRPr>
+          </a:p>
+        </p:txBody>
+      </p:sp>
+      <p:sp>
+        <p:nvSpPr>
+          <p:cNvPr id="65" name="Flowchart: Process 64"/>
+          <p:cNvSpPr/>
+          <p:nvPr/>
+        </p:nvSpPr>
+        <p:spPr>
+          <a:xfrm>
+            <a:off x="5410200" y="4114800"/>
+            <a:ext cx="990600" cy="609600"/>
+          </a:xfrm>
+          <a:prstGeom prst="flowChartProcess">
+            <a:avLst/>
+          </a:prstGeom>
+          <a:solidFill>
+            <a:schemeClr val="accent1">
+              <a:lumMod val="20000"/>
+              <a:lumOff val="80000"/>
+            </a:schemeClr>
+          </a:solidFill>
+        </p:spPr>
+        <p:style>
+          <a:lnRef idx="2">
+            <a:schemeClr val="accent1">
+              <a:shade val="50000"/>
+            </a:schemeClr>
+          </a:lnRef>
+          <a:fillRef idx="1">
+            <a:schemeClr val="accent1"/>
+          </a:fillRef>
+          <a:effectRef idx="0">
+            <a:schemeClr val="accent1"/>
+          </a:effectRef>
+          <a:fontRef idx="minor">
+            <a:schemeClr val="lt1"/>
+          </a:fontRef>
+        </p:style>
+        <p:txBody>
+          <a:bodyPr rtlCol="0" anchor="ctr"/>
+          <a:lstStyle/>
+          <a:p>
+            <a:pPr lvl="0" algn="ctr"/>
+            <a:r>
+              <a:rPr lang="en-US" sz="1300" b="1" dirty="0" smtClean="0">
+                <a:solidFill>
+                  <a:prstClr val="black"/>
+                </a:solidFill>
+              </a:rPr>
+              <a:t>Solving for 4th  Period </a:t>
+            </a:r>
+            <a:endParaRPr lang="en-US" sz="1300" b="1" dirty="0">
+              <a:solidFill>
+                <a:prstClr val="white"/>
+              </a:solidFill>
+            </a:endParaRPr>
+          </a:p>
+        </p:txBody>
+      </p:sp>
+    </p:spTree>
+  </p:cSld>
+  <p:clrMapOvr>
+    <a:masterClrMapping/>
+  </p:clrMapOvr>
+</p:sld>
+</file>
+
+<file path=ppt/slides/slide7.xml><?xml version="1.0" encoding="utf-8"?>
+<p:sld xmlns:a="http://schemas.openxmlformats.org/drawingml/2006/main" xmlns:r="http://schemas.openxmlformats.org/officeDocument/2006/relationships" xmlns:p="http://schemas.openxmlformats.org/presentationml/2006/main">
+  <p:cSld>
+    <p:spTree>
+      <p:nvGrpSpPr>
+        <p:cNvPr id="1" name=""/>
+        <p:cNvGrpSpPr/>
+        <p:nvPr/>
+      </p:nvGrpSpPr>
+      <p:grpSpPr>
+        <a:xfrm>
+          <a:off x="0" y="0"/>
+          <a:ext cx="0" cy="0"/>
+          <a:chOff x="0" y="0"/>
+          <a:chExt cx="0" cy="0"/>
+        </a:xfrm>
+      </p:grpSpPr>
+      <p:sp>
+        <p:nvSpPr>
           <p:cNvPr id="18" name="Flowchart: Document 17"/>
           <p:cNvSpPr>
             <a:spLocks noChangeAspect="1"/>
@@ -11122,15 +12751,7 @@
                   <a:prstClr val="black"/>
                 </a:solidFill>
               </a:rPr>
-              <a:t>User’s Own </a:t>
-            </a:r>
-            <a:r>
-              <a:rPr lang="en-US" sz="1300" b="1" dirty="0" smtClean="0">
-                <a:solidFill>
-                  <a:prstClr val="black"/>
-                </a:solidFill>
-              </a:rPr>
-              <a:t>Script</a:t>
+              <a:t>User’s Own Script</a:t>
             </a:r>
             <a:endParaRPr lang="en-US" sz="1300" b="1" dirty="0">
               <a:solidFill>
@@ -11229,23 +12850,7 @@
                   <a:prstClr val="black"/>
                 </a:solidFill>
               </a:rPr>
-              <a:t>Desktop</a:t>
-            </a:r>
-            <a:r>
-              <a:rPr lang="en-US" sz="1300" b="1" dirty="0" smtClean="0">
-                <a:solidFill>
-                  <a:prstClr val="black"/>
-                </a:solidFill>
-              </a:rPr>
-              <a:t> </a:t>
-            </a:r>
-            <a:r>
-              <a:rPr lang="en-US" sz="1300" b="1" dirty="0" smtClean="0">
-                <a:solidFill>
-                  <a:prstClr val="black"/>
-                </a:solidFill>
-              </a:rPr>
-              <a:t>GUI</a:t>
+              <a:t>Desktop GUI</a:t>
             </a:r>
             <a:endParaRPr lang="en-US" sz="1300" b="1" dirty="0">
               <a:solidFill>
@@ -11326,6 +12931,206 @@
           <a:xfrm>
             <a:off x="2819400" y="2743200"/>
             <a:ext cx="838200" cy="1588"/>
+          </a:xfrm>
+          <a:prstGeom prst="bentConnector3">
+            <a:avLst>
+              <a:gd name="adj1" fmla="val 50000"/>
+            </a:avLst>
+          </a:prstGeom>
+          <a:ln w="28575" cmpd="sng">
+            <a:solidFill>
+              <a:schemeClr val="tx1"/>
+            </a:solidFill>
+            <a:tailEnd type="arrow"/>
+          </a:ln>
+        </p:spPr>
+        <p:style>
+          <a:lnRef idx="1">
+            <a:schemeClr val="accent1"/>
+          </a:lnRef>
+          <a:fillRef idx="0">
+            <a:schemeClr val="accent1"/>
+          </a:fillRef>
+          <a:effectRef idx="0">
+            <a:schemeClr val="accent1"/>
+          </a:effectRef>
+          <a:fontRef idx="minor">
+            <a:schemeClr val="tx1"/>
+          </a:fontRef>
+        </p:style>
+      </p:cxnSp>
+      <p:sp>
+        <p:nvSpPr>
+          <p:cNvPr id="11" name="Flowchart: Document 10"/>
+          <p:cNvSpPr>
+            <a:spLocks noChangeAspect="1"/>
+          </p:cNvSpPr>
+          <p:nvPr/>
+        </p:nvSpPr>
+        <p:spPr>
+          <a:xfrm>
+            <a:off x="6934200" y="2438400"/>
+            <a:ext cx="1066800" cy="609600"/>
+          </a:xfrm>
+          <a:prstGeom prst="flowChartDocument">
+            <a:avLst/>
+          </a:prstGeom>
+          <a:solidFill>
+            <a:schemeClr val="accent2">
+              <a:lumMod val="20000"/>
+              <a:lumOff val="80000"/>
+            </a:schemeClr>
+          </a:solidFill>
+          <a:ln>
+            <a:solidFill>
+              <a:schemeClr val="accent2"/>
+            </a:solidFill>
+          </a:ln>
+        </p:spPr>
+        <p:style>
+          <a:lnRef idx="2">
+            <a:schemeClr val="accent1">
+              <a:shade val="50000"/>
+            </a:schemeClr>
+          </a:lnRef>
+          <a:fillRef idx="1">
+            <a:schemeClr val="accent1"/>
+          </a:fillRef>
+          <a:effectRef idx="0">
+            <a:schemeClr val="accent1"/>
+          </a:effectRef>
+          <a:fontRef idx="minor">
+            <a:schemeClr val="lt1"/>
+          </a:fontRef>
+        </p:style>
+        <p:txBody>
+          <a:bodyPr rtlCol="0" anchor="ctr"/>
+          <a:lstStyle>
+            <a:defPPr>
+              <a:defRPr lang="en-US"/>
+            </a:defPPr>
+            <a:lvl1pPr marL="0" algn="l" defTabSz="914400" rtl="0" eaLnBrk="1" latinLnBrk="0" hangingPunct="1">
+              <a:defRPr sz="1800" kern="1200">
+                <a:solidFill>
+                  <a:schemeClr val="lt1"/>
+                </a:solidFill>
+                <a:latin typeface="+mn-lt"/>
+                <a:ea typeface="+mn-ea"/>
+                <a:cs typeface="+mn-cs"/>
+              </a:defRPr>
+            </a:lvl1pPr>
+            <a:lvl2pPr marL="457200" algn="l" defTabSz="914400" rtl="0" eaLnBrk="1" latinLnBrk="0" hangingPunct="1">
+              <a:defRPr sz="1800" kern="1200">
+                <a:solidFill>
+                  <a:schemeClr val="lt1"/>
+                </a:solidFill>
+                <a:latin typeface="+mn-lt"/>
+                <a:ea typeface="+mn-ea"/>
+                <a:cs typeface="+mn-cs"/>
+              </a:defRPr>
+            </a:lvl2pPr>
+            <a:lvl3pPr marL="914400" algn="l" defTabSz="914400" rtl="0" eaLnBrk="1" latinLnBrk="0" hangingPunct="1">
+              <a:defRPr sz="1800" kern="1200">
+                <a:solidFill>
+                  <a:schemeClr val="lt1"/>
+                </a:solidFill>
+                <a:latin typeface="+mn-lt"/>
+                <a:ea typeface="+mn-ea"/>
+                <a:cs typeface="+mn-cs"/>
+              </a:defRPr>
+            </a:lvl3pPr>
+            <a:lvl4pPr marL="1371600" algn="l" defTabSz="914400" rtl="0" eaLnBrk="1" latinLnBrk="0" hangingPunct="1">
+              <a:defRPr sz="1800" kern="1200">
+                <a:solidFill>
+                  <a:schemeClr val="lt1"/>
+                </a:solidFill>
+                <a:latin typeface="+mn-lt"/>
+                <a:ea typeface="+mn-ea"/>
+                <a:cs typeface="+mn-cs"/>
+              </a:defRPr>
+            </a:lvl4pPr>
+            <a:lvl5pPr marL="1828800" algn="l" defTabSz="914400" rtl="0" eaLnBrk="1" latinLnBrk="0" hangingPunct="1">
+              <a:defRPr sz="1800" kern="1200">
+                <a:solidFill>
+                  <a:schemeClr val="lt1"/>
+                </a:solidFill>
+                <a:latin typeface="+mn-lt"/>
+                <a:ea typeface="+mn-ea"/>
+                <a:cs typeface="+mn-cs"/>
+              </a:defRPr>
+            </a:lvl5pPr>
+            <a:lvl6pPr marL="2286000" algn="l" defTabSz="914400" rtl="0" eaLnBrk="1" latinLnBrk="0" hangingPunct="1">
+              <a:defRPr sz="1800" kern="1200">
+                <a:solidFill>
+                  <a:schemeClr val="lt1"/>
+                </a:solidFill>
+                <a:latin typeface="+mn-lt"/>
+                <a:ea typeface="+mn-ea"/>
+                <a:cs typeface="+mn-cs"/>
+              </a:defRPr>
+            </a:lvl6pPr>
+            <a:lvl7pPr marL="2743200" algn="l" defTabSz="914400" rtl="0" eaLnBrk="1" latinLnBrk="0" hangingPunct="1">
+              <a:defRPr sz="1800" kern="1200">
+                <a:solidFill>
+                  <a:schemeClr val="lt1"/>
+                </a:solidFill>
+                <a:latin typeface="+mn-lt"/>
+                <a:ea typeface="+mn-ea"/>
+                <a:cs typeface="+mn-cs"/>
+              </a:defRPr>
+            </a:lvl7pPr>
+            <a:lvl8pPr marL="3200400" algn="l" defTabSz="914400" rtl="0" eaLnBrk="1" latinLnBrk="0" hangingPunct="1">
+              <a:defRPr sz="1800" kern="1200">
+                <a:solidFill>
+                  <a:schemeClr val="lt1"/>
+                </a:solidFill>
+                <a:latin typeface="+mn-lt"/>
+                <a:ea typeface="+mn-ea"/>
+                <a:cs typeface="+mn-cs"/>
+              </a:defRPr>
+            </a:lvl8pPr>
+            <a:lvl9pPr marL="3657600" algn="l" defTabSz="914400" rtl="0" eaLnBrk="1" latinLnBrk="0" hangingPunct="1">
+              <a:defRPr sz="1800" kern="1200">
+                <a:solidFill>
+                  <a:schemeClr val="lt1"/>
+                </a:solidFill>
+                <a:latin typeface="+mn-lt"/>
+                <a:ea typeface="+mn-ea"/>
+                <a:cs typeface="+mn-cs"/>
+              </a:defRPr>
+            </a:lvl9pPr>
+          </a:lstStyle>
+          <a:p>
+            <a:pPr lvl="0" algn="ctr"/>
+            <a:r>
+              <a:rPr lang="en-US" sz="1300" b="1" dirty="0" smtClean="0">
+                <a:solidFill>
+                  <a:prstClr val="black"/>
+                </a:solidFill>
+              </a:rPr>
+              <a:t>MPS File</a:t>
+            </a:r>
+            <a:endParaRPr lang="en-US" sz="1300" b="1" dirty="0">
+              <a:solidFill>
+                <a:prstClr val="white"/>
+              </a:solidFill>
+            </a:endParaRPr>
+          </a:p>
+        </p:txBody>
+      </p:sp>
+      <p:cxnSp>
+        <p:nvCxnSpPr>
+          <p:cNvPr id="12" name="Elbow Connector 11"/>
+          <p:cNvCxnSpPr>
+            <a:stCxn id="19" idx="3"/>
+            <a:endCxn id="11" idx="1"/>
+          </p:cNvCxnSpPr>
+          <p:nvPr/>
+        </p:nvCxnSpPr>
+        <p:spPr>
+          <a:xfrm>
+            <a:off x="6400800" y="2743200"/>
+            <a:ext cx="533400" cy="1588"/>
           </a:xfrm>
           <a:prstGeom prst="bentConnector3">
             <a:avLst>
@@ -11929,7 +13734,7 @@
 </file>
 
 <file path=customXml/item1.xml><?xml version="1.0" encoding="utf-8"?>
-<p:properties xmlns:p="http://schemas.microsoft.com/office/2006/metadata/properties" xmlns:xsi="http://www.w3.org/2001/XMLSchema-instance" xmlns:pc="http://schemas.microsoft.com/office/infopath/2007/PartnerControls"/>
+<ct:contentTypeSchema xmlns:ct="http://schemas.microsoft.com/office/2006/metadata/contentType" xmlns:ma="http://schemas.microsoft.com/office/2006/metadata/properties/metaAttributes" ct:_="" ma:_="" ma:contentTypeName="TemplateFile" ma:contentTypeID="0x0101006EDDDB5EE6D98C44930B742096920B300400F5B6D36B3EF94B4E9A635CDF2A18F5B8" ma:contentTypeVersion="33" ma:contentTypeDescription="Create a new document." ma:contentTypeScope="" ma:versionID="37d3ec2b48d53e45b233ad8f52fe1b11"/>
 </file>
 
 <file path=customXml/item2.xml><?xml version="1.0" encoding="utf-8"?>
@@ -11942,14 +13747,14 @@
 </file>
 
 <file path=customXml/item3.xml><?xml version="1.0" encoding="utf-8"?>
-<ct:contentTypeSchema xmlns:ct="http://schemas.microsoft.com/office/2006/metadata/contentType" xmlns:ma="http://schemas.microsoft.com/office/2006/metadata/properties/metaAttributes" ct:_="" ma:_="" ma:contentTypeName="TemplateFile" ma:contentTypeID="0x0101006EDDDB5EE6D98C44930B742096920B300400F5B6D36B3EF94B4E9A635CDF2A18F5B8" ma:contentTypeVersion="33" ma:contentTypeDescription="Create a new document." ma:contentTypeScope="" ma:versionID="37d3ec2b48d53e45b233ad8f52fe1b11"/>
+<p:properties xmlns:p="http://schemas.microsoft.com/office/2006/metadata/properties" xmlns:xsi="http://www.w3.org/2001/XMLSchema-instance" xmlns:pc="http://schemas.microsoft.com/office/infopath/2007/PartnerControls"/>
 </file>
 
 <file path=customXml/itemProps1.xml><?xml version="1.0" encoding="utf-8"?>
-<ds:datastoreItem xmlns:ds="http://schemas.openxmlformats.org/officeDocument/2006/customXml" ds:itemID="{F60BBBE2-7987-457E-A306-A89646B9C353}">
+<ds:datastoreItem xmlns:ds="http://schemas.openxmlformats.org/officeDocument/2006/customXml" ds:itemID="{608BB90A-A7CF-4787-A1A5-E685EFD3B908}">
   <ds:schemaRefs>
-    <ds:schemaRef ds:uri="http://schemas.microsoft.com/office/2006/metadata/properties"/>
-    <ds:schemaRef ds:uri="http://schemas.microsoft.com/office/infopath/2007/PartnerControls"/>
+    <ds:schemaRef ds:uri="http://schemas.microsoft.com/office/2006/metadata/contentType"/>
+    <ds:schemaRef ds:uri="http://schemas.microsoft.com/office/2006/metadata/properties/metaAttributes"/>
   </ds:schemaRefs>
 </ds:datastoreItem>
 </file>
@@ -11963,10 +13768,10 @@
 </file>
 
 <file path=customXml/itemProps3.xml><?xml version="1.0" encoding="utf-8"?>
-<ds:datastoreItem xmlns:ds="http://schemas.openxmlformats.org/officeDocument/2006/customXml" ds:itemID="{608BB90A-A7CF-4787-A1A5-E685EFD3B908}">
+<ds:datastoreItem xmlns:ds="http://schemas.openxmlformats.org/officeDocument/2006/customXml" ds:itemID="{F60BBBE2-7987-457E-A306-A89646B9C353}">
   <ds:schemaRefs>
-    <ds:schemaRef ds:uri="http://schemas.microsoft.com/office/2006/metadata/contentType"/>
-    <ds:schemaRef ds:uri="http://schemas.microsoft.com/office/2006/metadata/properties/metaAttributes"/>
+    <ds:schemaRef ds:uri="http://schemas.microsoft.com/office/2006/metadata/properties"/>
+    <ds:schemaRef ds:uri="http://schemas.microsoft.com/office/infopath/2007/PartnerControls"/>
   </ds:schemaRefs>
 </ds:datastoreItem>
 </file>